--- a/20200110/딥러님 분산처리 개념.pptx
+++ b/20200110/딥러님 분산처리 개념.pptx
@@ -221,7 +221,7 @@
           <p:cNvPr id="143362" name="Rectangle 2">
             <a:extLst>
               <a:ext uri="{FF2B5EF4-FFF2-40B4-BE49-F238E27FC236}">
-                <a16:creationId xmlns:a16="http://schemas.microsoft.com/office/drawing/2014/main" xmlns="" id="{7DB234C6-97B6-0E40-9A9F-F7BDE583B708}"/>
+                <a16:creationId xmlns:a16="http://schemas.microsoft.com/office/drawing/2014/main" id="{7DB234C6-97B6-0E40-9A9F-F7BDE583B708}"/>
               </a:ext>
             </a:extLst>
           </p:cNvPr>
@@ -277,7 +277,7 @@
           <p:cNvPr id="143363" name="Rectangle 3">
             <a:extLst>
               <a:ext uri="{FF2B5EF4-FFF2-40B4-BE49-F238E27FC236}">
-                <a16:creationId xmlns:a16="http://schemas.microsoft.com/office/drawing/2014/main" xmlns="" id="{E7BF2E2D-1AC1-F74F-AA9F-211838B1A3EF}"/>
+                <a16:creationId xmlns:a16="http://schemas.microsoft.com/office/drawing/2014/main" id="{E7BF2E2D-1AC1-F74F-AA9F-211838B1A3EF}"/>
               </a:ext>
             </a:extLst>
           </p:cNvPr>
@@ -333,7 +333,7 @@
           <p:cNvPr id="143364" name="Rectangle 4">
             <a:extLst>
               <a:ext uri="{FF2B5EF4-FFF2-40B4-BE49-F238E27FC236}">
-                <a16:creationId xmlns:a16="http://schemas.microsoft.com/office/drawing/2014/main" xmlns="" id="{6951528D-0B28-3B46-81A4-FEA857963765}"/>
+                <a16:creationId xmlns:a16="http://schemas.microsoft.com/office/drawing/2014/main" id="{6951528D-0B28-3B46-81A4-FEA857963765}"/>
               </a:ext>
             </a:extLst>
           </p:cNvPr>
@@ -389,7 +389,7 @@
           <p:cNvPr id="143365" name="Rectangle 5">
             <a:extLst>
               <a:ext uri="{FF2B5EF4-FFF2-40B4-BE49-F238E27FC236}">
-                <a16:creationId xmlns:a16="http://schemas.microsoft.com/office/drawing/2014/main" xmlns="" id="{DB771FA0-2DD0-5948-A3A8-9AD84E90FB4B}"/>
+                <a16:creationId xmlns:a16="http://schemas.microsoft.com/office/drawing/2014/main" id="{DB771FA0-2DD0-5948-A3A8-9AD84E90FB4B}"/>
               </a:ext>
             </a:extLst>
           </p:cNvPr>
@@ -488,7 +488,7 @@
           <p:cNvPr id="2" name="머리글 개체 틀 1">
             <a:extLst>
               <a:ext uri="{FF2B5EF4-FFF2-40B4-BE49-F238E27FC236}">
-                <a16:creationId xmlns:a16="http://schemas.microsoft.com/office/drawing/2014/main" xmlns="" id="{58B6377E-D9EA-0C43-8ABD-8E11920C49D9}"/>
+                <a16:creationId xmlns:a16="http://schemas.microsoft.com/office/drawing/2014/main" id="{58B6377E-D9EA-0C43-8ABD-8E11920C49D9}"/>
               </a:ext>
             </a:extLst>
           </p:cNvPr>
@@ -532,7 +532,7 @@
           <p:cNvPr id="3" name="날짜 개체 틀 2">
             <a:extLst>
               <a:ext uri="{FF2B5EF4-FFF2-40B4-BE49-F238E27FC236}">
-                <a16:creationId xmlns:a16="http://schemas.microsoft.com/office/drawing/2014/main" xmlns="" id="{519DA735-01F8-B84B-A63C-CC954E31844C}"/>
+                <a16:creationId xmlns:a16="http://schemas.microsoft.com/office/drawing/2014/main" id="{519DA735-01F8-B84B-A63C-CC954E31844C}"/>
               </a:ext>
             </a:extLst>
           </p:cNvPr>
@@ -572,7 +572,7 @@
               <a:pPr>
                 <a:defRPr/>
               </a:pPr>
-              <a:t>2020-06-05</a:t>
+              <a:t>2021-06-05</a:t>
             </a:fld>
             <a:endParaRPr lang="ko-KR" altLang="en-US"/>
           </a:p>
@@ -583,7 +583,7 @@
           <p:cNvPr id="4" name="슬라이드 이미지 개체 틀 3">
             <a:extLst>
               <a:ext uri="{FF2B5EF4-FFF2-40B4-BE49-F238E27FC236}">
-                <a16:creationId xmlns:a16="http://schemas.microsoft.com/office/drawing/2014/main" xmlns="" id="{E796D9CD-78ED-8742-8F20-97E7FC78392B}"/>
+                <a16:creationId xmlns:a16="http://schemas.microsoft.com/office/drawing/2014/main" id="{E796D9CD-78ED-8742-8F20-97E7FC78392B}"/>
               </a:ext>
             </a:extLst>
           </p:cNvPr>
@@ -623,7 +623,7 @@
           <p:cNvPr id="5" name="슬라이드 노트 개체 틀 4">
             <a:extLst>
               <a:ext uri="{FF2B5EF4-FFF2-40B4-BE49-F238E27FC236}">
-                <a16:creationId xmlns:a16="http://schemas.microsoft.com/office/drawing/2014/main" xmlns="" id="{51D12D42-F9E6-4C43-AFF5-444A08AC6CC1}"/>
+                <a16:creationId xmlns:a16="http://schemas.microsoft.com/office/drawing/2014/main" id="{51D12D42-F9E6-4C43-AFF5-444A08AC6CC1}"/>
               </a:ext>
             </a:extLst>
           </p:cNvPr>
@@ -690,7 +690,7 @@
           <p:cNvPr id="6" name="바닥글 개체 틀 5">
             <a:extLst>
               <a:ext uri="{FF2B5EF4-FFF2-40B4-BE49-F238E27FC236}">
-                <a16:creationId xmlns:a16="http://schemas.microsoft.com/office/drawing/2014/main" xmlns="" id="{13636FD2-AFF0-164C-AE0E-ADB1379FE7CB}"/>
+                <a16:creationId xmlns:a16="http://schemas.microsoft.com/office/drawing/2014/main" id="{13636FD2-AFF0-164C-AE0E-ADB1379FE7CB}"/>
               </a:ext>
             </a:extLst>
           </p:cNvPr>
@@ -734,7 +734,7 @@
           <p:cNvPr id="7" name="슬라이드 번호 개체 틀 6">
             <a:extLst>
               <a:ext uri="{FF2B5EF4-FFF2-40B4-BE49-F238E27FC236}">
-                <a16:creationId xmlns:a16="http://schemas.microsoft.com/office/drawing/2014/main" xmlns="" id="{21A1A755-443F-BD4F-ACF7-231486D65F7E}"/>
+                <a16:creationId xmlns:a16="http://schemas.microsoft.com/office/drawing/2014/main" id="{21A1A755-443F-BD4F-ACF7-231486D65F7E}"/>
               </a:ext>
             </a:extLst>
           </p:cNvPr>
@@ -1005,7 +1005,7 @@
           </a:bodyPr>
           <a:lstStyle/>
           <a:p>
-            <a:endParaRPr kumimoji="1" lang="ko-KR" altLang="en-US" smtClean="0"/>
+            <a:endParaRPr kumimoji="1" lang="ko-KR" altLang="en-US"/>
           </a:p>
         </p:txBody>
       </p:sp>
@@ -1183,7 +1183,7 @@
               </a:pPr>
               <a:t>1</a:t>
             </a:fld>
-            <a:endParaRPr lang="en-US" altLang="ko-KR" smtClean="0">
+            <a:endParaRPr lang="en-US" altLang="ko-KR">
               <a:latin typeface="굴림" panose="020B0600000101010101" pitchFamily="50" charset="-127"/>
               <a:ea typeface="굴림" panose="020B0600000101010101" pitchFamily="50" charset="-127"/>
             </a:endParaRPr>
@@ -1292,7 +1292,7 @@
           </a:bodyPr>
           <a:lstStyle/>
           <a:p>
-            <a:endParaRPr kumimoji="1" lang="ko-KR" altLang="en-US" dirty="0" smtClean="0"/>
+            <a:endParaRPr kumimoji="1" lang="ko-KR" altLang="en-US" dirty="0"/>
           </a:p>
         </p:txBody>
       </p:sp>
@@ -1443,7 +1443,7 @@
               <a:pPr/>
               <a:t>11</a:t>
             </a:fld>
-            <a:endParaRPr lang="en-US" altLang="ko-KR" smtClean="0"/>
+            <a:endParaRPr lang="en-US" altLang="ko-KR"/>
           </a:p>
         </p:txBody>
       </p:sp>
@@ -1549,7 +1549,7 @@
           </a:bodyPr>
           <a:lstStyle/>
           <a:p>
-            <a:endParaRPr kumimoji="1" lang="ko-KR" altLang="en-US" dirty="0" smtClean="0"/>
+            <a:endParaRPr kumimoji="1" lang="ko-KR" altLang="en-US" dirty="0"/>
           </a:p>
         </p:txBody>
       </p:sp>
@@ -1700,7 +1700,7 @@
               <a:pPr/>
               <a:t>12</a:t>
             </a:fld>
-            <a:endParaRPr lang="en-US" altLang="ko-KR" smtClean="0"/>
+            <a:endParaRPr lang="en-US" altLang="ko-KR"/>
           </a:p>
         </p:txBody>
       </p:sp>
@@ -1806,7 +1806,7 @@
           </a:bodyPr>
           <a:lstStyle/>
           <a:p>
-            <a:endParaRPr kumimoji="1" lang="ko-KR" altLang="en-US" dirty="0" smtClean="0"/>
+            <a:endParaRPr kumimoji="1" lang="ko-KR" altLang="en-US" dirty="0"/>
           </a:p>
         </p:txBody>
       </p:sp>
@@ -1957,7 +1957,7 @@
               <a:pPr/>
               <a:t>13</a:t>
             </a:fld>
-            <a:endParaRPr lang="en-US" altLang="ko-KR" smtClean="0"/>
+            <a:endParaRPr lang="en-US" altLang="ko-KR"/>
           </a:p>
         </p:txBody>
       </p:sp>
@@ -2063,7 +2063,7 @@
           </a:bodyPr>
           <a:lstStyle/>
           <a:p>
-            <a:endParaRPr kumimoji="1" lang="ko-KR" altLang="en-US" dirty="0" smtClean="0"/>
+            <a:endParaRPr kumimoji="1" lang="ko-KR" altLang="en-US" dirty="0"/>
           </a:p>
         </p:txBody>
       </p:sp>
@@ -2214,7 +2214,7 @@
               <a:pPr/>
               <a:t>14</a:t>
             </a:fld>
-            <a:endParaRPr lang="en-US" altLang="ko-KR" smtClean="0"/>
+            <a:endParaRPr lang="en-US" altLang="ko-KR"/>
           </a:p>
         </p:txBody>
       </p:sp>
@@ -2320,7 +2320,7 @@
           </a:bodyPr>
           <a:lstStyle/>
           <a:p>
-            <a:endParaRPr kumimoji="1" lang="ko-KR" altLang="en-US" dirty="0" smtClean="0"/>
+            <a:endParaRPr kumimoji="1" lang="ko-KR" altLang="en-US" dirty="0"/>
           </a:p>
         </p:txBody>
       </p:sp>
@@ -2471,7 +2471,7 @@
               <a:pPr/>
               <a:t>15</a:t>
             </a:fld>
-            <a:endParaRPr lang="en-US" altLang="ko-KR" smtClean="0"/>
+            <a:endParaRPr lang="en-US" altLang="ko-KR"/>
           </a:p>
         </p:txBody>
       </p:sp>
@@ -2577,7 +2577,7 @@
           </a:bodyPr>
           <a:lstStyle/>
           <a:p>
-            <a:endParaRPr kumimoji="1" lang="ko-KR" altLang="en-US" dirty="0" smtClean="0"/>
+            <a:endParaRPr kumimoji="1" lang="ko-KR" altLang="en-US" dirty="0"/>
           </a:p>
         </p:txBody>
       </p:sp>
@@ -2728,7 +2728,7 @@
               <a:pPr/>
               <a:t>17</a:t>
             </a:fld>
-            <a:endParaRPr lang="en-US" altLang="ko-KR" smtClean="0"/>
+            <a:endParaRPr lang="en-US" altLang="ko-KR"/>
           </a:p>
         </p:txBody>
       </p:sp>
@@ -2834,7 +2834,7 @@
           </a:bodyPr>
           <a:lstStyle/>
           <a:p>
-            <a:endParaRPr kumimoji="1" lang="ko-KR" altLang="en-US" dirty="0" smtClean="0"/>
+            <a:endParaRPr kumimoji="1" lang="ko-KR" altLang="en-US" dirty="0"/>
           </a:p>
         </p:txBody>
       </p:sp>
@@ -2985,7 +2985,7 @@
               <a:pPr/>
               <a:t>18</a:t>
             </a:fld>
-            <a:endParaRPr lang="en-US" altLang="ko-KR" smtClean="0"/>
+            <a:endParaRPr lang="en-US" altLang="ko-KR"/>
           </a:p>
         </p:txBody>
       </p:sp>
@@ -3181,7 +3181,7 @@
           </a:bodyPr>
           <a:lstStyle/>
           <a:p>
-            <a:endParaRPr kumimoji="1" lang="en-US" altLang="ko-KR" baseline="0" dirty="0" smtClean="0"/>
+            <a:endParaRPr kumimoji="1" lang="en-US" altLang="ko-KR" baseline="0" dirty="0"/>
           </a:p>
         </p:txBody>
       </p:sp>
@@ -3332,7 +3332,7 @@
               <a:pPr/>
               <a:t>4</a:t>
             </a:fld>
-            <a:endParaRPr lang="en-US" altLang="ko-KR" smtClean="0"/>
+            <a:endParaRPr lang="en-US" altLang="ko-KR"/>
           </a:p>
         </p:txBody>
       </p:sp>
@@ -3438,7 +3438,7 @@
           </a:bodyPr>
           <a:lstStyle/>
           <a:p>
-            <a:endParaRPr kumimoji="1" lang="en-US" altLang="ko-KR" baseline="0" dirty="0" smtClean="0"/>
+            <a:endParaRPr kumimoji="1" lang="en-US" altLang="ko-KR" baseline="0" dirty="0"/>
           </a:p>
         </p:txBody>
       </p:sp>
@@ -3589,7 +3589,7 @@
               <a:pPr/>
               <a:t>5</a:t>
             </a:fld>
-            <a:endParaRPr lang="en-US" altLang="ko-KR" smtClean="0"/>
+            <a:endParaRPr lang="en-US" altLang="ko-KR"/>
           </a:p>
         </p:txBody>
       </p:sp>
@@ -3695,7 +3695,7 @@
           </a:bodyPr>
           <a:lstStyle/>
           <a:p>
-            <a:endParaRPr kumimoji="1" lang="en-US" altLang="ko-KR" baseline="0" dirty="0" smtClean="0"/>
+            <a:endParaRPr kumimoji="1" lang="en-US" altLang="ko-KR" baseline="0" dirty="0"/>
           </a:p>
         </p:txBody>
       </p:sp>
@@ -3846,7 +3846,7 @@
               <a:pPr/>
               <a:t>6</a:t>
             </a:fld>
-            <a:endParaRPr lang="en-US" altLang="ko-KR" smtClean="0"/>
+            <a:endParaRPr lang="en-US" altLang="ko-KR"/>
           </a:p>
         </p:txBody>
       </p:sp>
@@ -3952,7 +3952,7 @@
           </a:bodyPr>
           <a:lstStyle/>
           <a:p>
-            <a:endParaRPr kumimoji="1" lang="en-US" altLang="ko-KR" baseline="0" dirty="0" smtClean="0"/>
+            <a:endParaRPr kumimoji="1" lang="en-US" altLang="ko-KR" baseline="0" dirty="0"/>
           </a:p>
         </p:txBody>
       </p:sp>
@@ -4103,7 +4103,7 @@
               <a:pPr/>
               <a:t>7</a:t>
             </a:fld>
-            <a:endParaRPr lang="en-US" altLang="ko-KR" smtClean="0"/>
+            <a:endParaRPr lang="en-US" altLang="ko-KR"/>
           </a:p>
         </p:txBody>
       </p:sp>
@@ -4209,7 +4209,7 @@
           </a:bodyPr>
           <a:lstStyle/>
           <a:p>
-            <a:endParaRPr kumimoji="1" lang="ko-KR" altLang="en-US" dirty="0" smtClean="0"/>
+            <a:endParaRPr kumimoji="1" lang="ko-KR" altLang="en-US" dirty="0"/>
           </a:p>
         </p:txBody>
       </p:sp>
@@ -4360,7 +4360,7 @@
               <a:pPr/>
               <a:t>8</a:t>
             </a:fld>
-            <a:endParaRPr lang="en-US" altLang="ko-KR" smtClean="0"/>
+            <a:endParaRPr lang="en-US" altLang="ko-KR"/>
           </a:p>
         </p:txBody>
       </p:sp>
@@ -4466,7 +4466,7 @@
           </a:bodyPr>
           <a:lstStyle/>
           <a:p>
-            <a:endParaRPr kumimoji="1" lang="ko-KR" altLang="en-US" dirty="0" smtClean="0"/>
+            <a:endParaRPr kumimoji="1" lang="ko-KR" altLang="en-US" dirty="0"/>
           </a:p>
         </p:txBody>
       </p:sp>
@@ -4617,7 +4617,7 @@
               <a:pPr/>
               <a:t>9</a:t>
             </a:fld>
-            <a:endParaRPr lang="en-US" altLang="ko-KR" smtClean="0"/>
+            <a:endParaRPr lang="en-US" altLang="ko-KR"/>
           </a:p>
         </p:txBody>
       </p:sp>
@@ -4723,7 +4723,7 @@
           </a:bodyPr>
           <a:lstStyle/>
           <a:p>
-            <a:endParaRPr lang="en-US" altLang="ko-KR" sz="1200" b="0" i="0" u="none" strike="noStrike" kern="1200" baseline="0" dirty="0" smtClean="0">
+            <a:endParaRPr lang="en-US" altLang="ko-KR" sz="1200" b="0" i="0" u="none" strike="noStrike" kern="1200" baseline="0" dirty="0">
               <a:solidFill>
                 <a:schemeClr val="tx1"/>
               </a:solidFill>
@@ -4881,7 +4881,7 @@
               <a:pPr/>
               <a:t>10</a:t>
             </a:fld>
-            <a:endParaRPr lang="en-US" altLang="ko-KR" smtClean="0"/>
+            <a:endParaRPr lang="en-US" altLang="ko-KR"/>
           </a:p>
         </p:txBody>
       </p:sp>
@@ -5207,13 +5207,6 @@
     <p:sldLayoutId id="2147483891" r:id="rId4"/>
     <p:sldLayoutId id="2147483892" r:id="rId5"/>
   </p:sldLayoutIdLst>
-  <p:timing>
-    <p:tnLst>
-      <p:par>
-        <p:cTn id="1" dur="indefinite" restart="never" nodeType="tmRoot"/>
-      </p:par>
-    </p:tnLst>
-  </p:timing>
   <p:hf hdr="0" ftr="0" dt="0"/>
   <p:txStyles>
     <p:titleStyle>
@@ -5636,7 +5629,7 @@
           <p:cNvPr id="17" name="Text Box 58">
             <a:extLst>
               <a:ext uri="{FF2B5EF4-FFF2-40B4-BE49-F238E27FC236}">
-                <a16:creationId xmlns:a16="http://schemas.microsoft.com/office/drawing/2014/main" xmlns="" id="{0963EC9C-2568-B049-A73D-74FA92CFAF06}"/>
+                <a16:creationId xmlns:a16="http://schemas.microsoft.com/office/drawing/2014/main" id="{0963EC9C-2568-B049-A73D-74FA92CFAF06}"/>
               </a:ext>
             </a:extLst>
           </p:cNvPr>
@@ -5808,7 +5801,7 @@
               <a:defRPr/>
             </a:pPr>
             <a:r>
-              <a:rPr lang="en-US" altLang="ko-KR" sz="1600" b="1" dirty="0" smtClean="0">
+              <a:rPr lang="en-US" altLang="ko-KR" sz="1600" b="1" dirty="0">
                 <a:solidFill>
                   <a:schemeClr val="tx1">
                     <a:lumMod val="50000"/>
@@ -5835,66 +5828,12 @@
           </a:p>
         </p:txBody>
       </p:sp>
-      <p:pic>
-        <p:nvPicPr>
-          <p:cNvPr id="6147" name="그림 1"/>
-          <p:cNvPicPr>
-            <a:picLocks noChangeAspect="1"/>
-          </p:cNvPicPr>
-          <p:nvPr/>
-        </p:nvPicPr>
-        <p:blipFill>
-          <a:blip r:embed="rId4" cstate="print">
-            <a:extLst>
-              <a:ext uri="{28A0092B-C50C-407E-A947-70E740481C1C}">
-                <a14:useLocalDpi xmlns:a14="http://schemas.microsoft.com/office/drawing/2010/main" val="0"/>
-              </a:ext>
-            </a:extLst>
-          </a:blip>
-          <a:srcRect/>
-          <a:stretch>
-            <a:fillRect/>
-          </a:stretch>
-        </p:blipFill>
-        <p:spPr bwMode="auto">
-          <a:xfrm>
-            <a:off x="179388" y="6416675"/>
-            <a:ext cx="1223962" cy="298450"/>
-          </a:xfrm>
-          <a:prstGeom prst="rect">
-            <a:avLst/>
-          </a:prstGeom>
-          <a:noFill/>
-          <a:ln>
-            <a:noFill/>
-          </a:ln>
-          <a:extLst>
-            <a:ext uri="{909E8E84-426E-40DD-AFC4-6F175D3DCCD1}">
-              <a14:hiddenFill xmlns:a14="http://schemas.microsoft.com/office/drawing/2010/main">
-                <a:solidFill>
-                  <a:srgbClr val="FFFFFF"/>
-                </a:solidFill>
-              </a14:hiddenFill>
-            </a:ext>
-            <a:ext uri="{91240B29-F687-4F45-9708-019B960494DF}">
-              <a14:hiddenLine xmlns:a14="http://schemas.microsoft.com/office/drawing/2010/main" w="9525">
-                <a:solidFill>
-                  <a:srgbClr val="000000"/>
-                </a:solidFill>
-                <a:miter lim="800000"/>
-                <a:headEnd/>
-                <a:tailEnd/>
-              </a14:hiddenLine>
-            </a:ext>
-          </a:extLst>
-        </p:spPr>
-      </p:pic>
       <p:sp>
         <p:nvSpPr>
           <p:cNvPr id="9" name="Text Box 58">
             <a:extLst>
               <a:ext uri="{FF2B5EF4-FFF2-40B4-BE49-F238E27FC236}">
-                <a16:creationId xmlns:a16="http://schemas.microsoft.com/office/drawing/2014/main" xmlns="" id="{34FAEFD2-4303-844B-B2E2-B0A0E43B2034}"/>
+                <a16:creationId xmlns:a16="http://schemas.microsoft.com/office/drawing/2014/main" id="{34FAEFD2-4303-844B-B2E2-B0A0E43B2034}"/>
               </a:ext>
             </a:extLst>
           </p:cNvPr>
@@ -6066,7 +6005,7 @@
               <a:defRPr/>
             </a:pPr>
             <a:r>
-              <a:rPr lang="ko-KR" altLang="en-US" sz="3800" dirty="0" err="1" smtClean="0">
+              <a:rPr lang="ko-KR" altLang="en-US" sz="3800" dirty="0" err="1">
                 <a:latin typeface="나눔고딕 ExtraBold" panose="020D0904000000000000" pitchFamily="50" charset="-127"/>
                 <a:ea typeface="나눔고딕 ExtraBold" panose="020D0904000000000000" pitchFamily="50" charset="-127"/>
                 <a:cs typeface="Nanum Gothic" charset="-127"/>
@@ -6074,7 +6013,7 @@
               <a:t>딥러닝</a:t>
             </a:r>
             <a:r>
-              <a:rPr lang="ko-KR" altLang="en-US" sz="3800" dirty="0" smtClean="0">
+              <a:rPr lang="ko-KR" altLang="en-US" sz="3800" dirty="0">
                 <a:latin typeface="나눔고딕 ExtraBold" panose="020D0904000000000000" pitchFamily="50" charset="-127"/>
                 <a:ea typeface="나눔고딕 ExtraBold" panose="020D0904000000000000" pitchFamily="50" charset="-127"/>
                 <a:cs typeface="Nanum Gothic" charset="-127"/>
@@ -6145,13 +6084,6 @@
   <p:clrMapOvr>
     <a:masterClrMapping/>
   </p:clrMapOvr>
-  <p:timing>
-    <p:tnLst>
-      <p:par>
-        <p:cTn id="1" dur="indefinite" restart="never" nodeType="tmRoot"/>
-      </p:par>
-    </p:tnLst>
-  </p:timing>
 </p:sld>
 </file>
 
@@ -6462,7 +6394,7 @@
               <a:defRPr/>
             </a:pPr>
             <a:r>
-              <a:rPr lang="ko-KR" altLang="en-US" sz="2000" b="1" dirty="0" smtClean="0">
+              <a:rPr lang="ko-KR" altLang="en-US" sz="2000" b="1" dirty="0">
                 <a:gradFill>
                   <a:gsLst>
                     <a:gs pos="0">
@@ -6480,7 +6412,7 @@
               <a:t>동기화 방식 </a:t>
             </a:r>
             <a:r>
-              <a:rPr lang="en-US" altLang="ko-KR" sz="2000" b="1" dirty="0" smtClean="0">
+              <a:rPr lang="en-US" altLang="ko-KR" sz="2000" b="1" dirty="0">
                 <a:gradFill>
                   <a:gsLst>
                     <a:gs pos="0">
@@ -6498,7 +6430,7 @@
               <a:t>: </a:t>
             </a:r>
             <a:r>
-              <a:rPr lang="ko-KR" altLang="en-US" sz="2000" b="1" dirty="0" smtClean="0">
+              <a:rPr lang="ko-KR" altLang="en-US" sz="2000" b="1" dirty="0">
                 <a:gradFill>
                   <a:gsLst>
                     <a:gs pos="0">
@@ -6862,7 +6794,7 @@
               <a:defRPr/>
             </a:pPr>
             <a:r>
-              <a:rPr lang="ko-KR" altLang="en-US" sz="1400" dirty="0" smtClean="0">
+              <a:rPr lang="ko-KR" altLang="en-US" sz="1400" dirty="0">
                 <a:solidFill>
                   <a:schemeClr val="tx1"/>
                 </a:solidFill>
@@ -6872,7 +6804,7 @@
               <a:t>동기적</a:t>
             </a:r>
             <a:r>
-              <a:rPr lang="en-US" altLang="ko-KR" sz="1400" dirty="0" smtClean="0">
+              <a:rPr lang="en-US" altLang="ko-KR" sz="1400" dirty="0">
                 <a:solidFill>
                   <a:schemeClr val="tx1"/>
                 </a:solidFill>
@@ -6882,7 +6814,7 @@
               <a:t>(Synchronous) : </a:t>
             </a:r>
             <a:r>
-              <a:rPr lang="ko-KR" altLang="en-US" sz="1400" dirty="0" smtClean="0">
+              <a:rPr lang="ko-KR" altLang="en-US" sz="1400" dirty="0">
                 <a:solidFill>
                   <a:schemeClr val="tx1"/>
                 </a:solidFill>
@@ -6892,7 +6824,7 @@
               <a:t>각 </a:t>
             </a:r>
             <a:r>
-              <a:rPr lang="ko-KR" altLang="en-US" sz="1400" dirty="0" err="1" smtClean="0">
+              <a:rPr lang="ko-KR" altLang="en-US" sz="1400" dirty="0" err="1">
                 <a:solidFill>
                   <a:schemeClr val="tx1"/>
                 </a:solidFill>
@@ -6902,7 +6834,7 @@
               <a:t>스텝마다</a:t>
             </a:r>
             <a:r>
-              <a:rPr lang="ko-KR" altLang="en-US" sz="1400" dirty="0" smtClean="0">
+              <a:rPr lang="ko-KR" altLang="en-US" sz="1400" dirty="0">
                 <a:solidFill>
                   <a:schemeClr val="tx1"/>
                 </a:solidFill>
@@ -6912,7 +6844,7 @@
               <a:t> 각 모델들이 학습한 </a:t>
             </a:r>
             <a:r>
-              <a:rPr lang="ko-KR" altLang="en-US" sz="1400" dirty="0" err="1" smtClean="0">
+              <a:rPr lang="ko-KR" altLang="en-US" sz="1400" dirty="0" err="1">
                 <a:solidFill>
                   <a:schemeClr val="tx1"/>
                 </a:solidFill>
@@ -6922,7 +6854,7 @@
               <a:t>그래디언트를</a:t>
             </a:r>
             <a:r>
-              <a:rPr lang="ko-KR" altLang="en-US" sz="1400" dirty="0" smtClean="0">
+              <a:rPr lang="ko-KR" altLang="en-US" sz="1400" dirty="0">
                 <a:solidFill>
                   <a:schemeClr val="tx1"/>
                 </a:solidFill>
@@ -6931,7 +6863,7 @@
               </a:rPr>
               <a:t> 합쳐서 모델을 업데이트 하는 방식</a:t>
             </a:r>
-            <a:endParaRPr lang="en-US" altLang="ko-KR" sz="1400" dirty="0" smtClean="0">
+            <a:endParaRPr lang="en-US" altLang="ko-KR" sz="1400" dirty="0">
               <a:solidFill>
                 <a:schemeClr val="tx1"/>
               </a:solidFill>
@@ -6947,7 +6879,7 @@
               <a:defRPr/>
             </a:pPr>
             <a:r>
-              <a:rPr lang="ko-KR" altLang="en-US" sz="1400" dirty="0" smtClean="0">
+              <a:rPr lang="ko-KR" altLang="en-US" sz="1400" dirty="0">
                 <a:solidFill>
                   <a:schemeClr val="tx1"/>
                 </a:solidFill>
@@ -6957,7 +6889,7 @@
               <a:t>비동기적</a:t>
             </a:r>
             <a:r>
-              <a:rPr lang="en-US" altLang="ko-KR" sz="1400" dirty="0" smtClean="0">
+              <a:rPr lang="en-US" altLang="ko-KR" sz="1400" dirty="0">
                 <a:solidFill>
                   <a:schemeClr val="tx1"/>
                 </a:solidFill>
@@ -6967,7 +6899,7 @@
               <a:t>(</a:t>
             </a:r>
             <a:r>
-              <a:rPr lang="en-US" altLang="ko-KR" sz="1400" dirty="0" err="1" smtClean="0">
+              <a:rPr lang="en-US" altLang="ko-KR" sz="1400" dirty="0" err="1">
                 <a:solidFill>
                   <a:schemeClr val="tx1"/>
                 </a:solidFill>
@@ -6977,7 +6909,7 @@
               <a:t>Asynchornous</a:t>
             </a:r>
             <a:r>
-              <a:rPr lang="en-US" altLang="ko-KR" sz="1400" dirty="0" smtClean="0">
+              <a:rPr lang="en-US" altLang="ko-KR" sz="1400" dirty="0">
                 <a:solidFill>
                   <a:schemeClr val="tx1"/>
                 </a:solidFill>
@@ -6987,7 +6919,7 @@
               <a:t>) : </a:t>
             </a:r>
             <a:r>
-              <a:rPr lang="ko-KR" altLang="en-US" sz="1400" dirty="0" smtClean="0">
+              <a:rPr lang="ko-KR" altLang="en-US" sz="1400" dirty="0">
                 <a:solidFill>
                   <a:schemeClr val="tx1"/>
                 </a:solidFill>
@@ -6997,7 +6929,7 @@
               <a:t>복제된 여러 모델들이 자신에게 할당된 데이터를 학습한 즉시 학습한 </a:t>
             </a:r>
             <a:r>
-              <a:rPr lang="ko-KR" altLang="en-US" sz="1400" dirty="0" err="1" smtClean="0">
+              <a:rPr lang="ko-KR" altLang="en-US" sz="1400" dirty="0" err="1">
                 <a:solidFill>
                   <a:schemeClr val="tx1"/>
                 </a:solidFill>
@@ -7006,7 +6938,7 @@
               </a:rPr>
               <a:t>그래디언트를</a:t>
             </a:r>
-            <a:endParaRPr lang="en-US" altLang="ko-KR" sz="1400" dirty="0" smtClean="0">
+            <a:endParaRPr lang="en-US" altLang="ko-KR" sz="1400" dirty="0">
               <a:solidFill>
                 <a:schemeClr val="tx1"/>
               </a:solidFill>
@@ -7029,29 +6961,19 @@
                 <a:latin typeface="나눔고딕" panose="020D0604000000000000" pitchFamily="50" charset="-127"/>
                 <a:ea typeface="나눔고딕" panose="020D0604000000000000" pitchFamily="50" charset="-127"/>
               </a:rPr>
-              <a:t> </a:t>
-            </a:r>
-            <a:r>
-              <a:rPr lang="en-US" altLang="ko-KR" sz="1400" dirty="0" smtClean="0">
+              <a:t>                                         </a:t>
+            </a:r>
+            <a:r>
+              <a:rPr lang="ko-KR" altLang="en-US" sz="1400" dirty="0">
                 <a:solidFill>
                   <a:schemeClr val="tx1"/>
                 </a:solidFill>
                 <a:latin typeface="나눔고딕" panose="020D0604000000000000" pitchFamily="50" charset="-127"/>
                 <a:ea typeface="나눔고딕" panose="020D0604000000000000" pitchFamily="50" charset="-127"/>
               </a:rPr>
-              <a:t>                                        </a:t>
-            </a:r>
-            <a:r>
-              <a:rPr lang="ko-KR" altLang="en-US" sz="1400" dirty="0" smtClean="0">
-                <a:solidFill>
-                  <a:schemeClr val="tx1"/>
-                </a:solidFill>
-                <a:latin typeface="나눔고딕" panose="020D0604000000000000" pitchFamily="50" charset="-127"/>
-                <a:ea typeface="나눔고딕" panose="020D0604000000000000" pitchFamily="50" charset="-127"/>
-              </a:rPr>
               <a:t>  각자 업데이트 하는 방식</a:t>
             </a:r>
-            <a:endParaRPr lang="en-US" altLang="ko-KR" sz="1400" dirty="0" smtClean="0">
+            <a:endParaRPr lang="en-US" altLang="ko-KR" sz="1400" dirty="0">
               <a:solidFill>
                 <a:schemeClr val="tx1"/>
               </a:solidFill>
@@ -7377,7 +7299,7 @@
               <a:defRPr/>
             </a:pPr>
             <a:r>
-              <a:rPr lang="ko-KR" altLang="en-US" sz="1400" dirty="0" smtClean="0">
+              <a:rPr lang="ko-KR" altLang="en-US" sz="1400" dirty="0">
                 <a:solidFill>
                   <a:schemeClr val="tx1"/>
                 </a:solidFill>
@@ -7386,7 +7308,7 @@
               </a:rPr>
               <a:t>시간 당 처리하는 데이터의 양이 많은 장점이 있음</a:t>
             </a:r>
-            <a:endParaRPr lang="en-US" altLang="ko-KR" sz="1400" dirty="0" smtClean="0">
+            <a:endParaRPr lang="en-US" altLang="ko-KR" sz="1400" dirty="0">
               <a:solidFill>
                 <a:schemeClr val="tx1"/>
               </a:solidFill>
@@ -7404,7 +7326,7 @@
               <a:defRPr/>
             </a:pPr>
             <a:r>
-              <a:rPr lang="ko-KR" altLang="en-US" sz="1400" dirty="0" smtClean="0">
+              <a:rPr lang="ko-KR" altLang="en-US" sz="1400" dirty="0">
                 <a:solidFill>
                   <a:schemeClr val="tx1"/>
                 </a:solidFill>
@@ -7414,7 +7336,7 @@
               <a:t>각 장비가 빨리 학습하는 대로 </a:t>
             </a:r>
             <a:r>
-              <a:rPr lang="ko-KR" altLang="en-US" sz="1400" dirty="0" err="1" smtClean="0">
+              <a:rPr lang="ko-KR" altLang="en-US" sz="1400" dirty="0" err="1">
                 <a:solidFill>
                   <a:schemeClr val="tx1"/>
                 </a:solidFill>
@@ -7424,7 +7346,7 @@
               <a:t>파라미터를</a:t>
             </a:r>
             <a:r>
-              <a:rPr lang="ko-KR" altLang="en-US" sz="1400" dirty="0" smtClean="0">
+              <a:rPr lang="ko-KR" altLang="en-US" sz="1400" dirty="0">
                 <a:solidFill>
                   <a:schemeClr val="tx1"/>
                 </a:solidFill>
@@ -7433,7 +7355,7 @@
               </a:rPr>
               <a:t> 갱신하여 다음 학습을 할 수 있기 때문</a:t>
             </a:r>
-            <a:endParaRPr lang="en-US" altLang="ko-KR" sz="1400" dirty="0" smtClean="0">
+            <a:endParaRPr lang="en-US" altLang="ko-KR" sz="1400" dirty="0">
               <a:solidFill>
                 <a:schemeClr val="tx1"/>
               </a:solidFill>
@@ -7635,20 +7557,20 @@
               <a:buNone/>
             </a:pPr>
             <a:r>
-              <a:rPr lang="en-US" altLang="ko-KR" sz="2800" kern="0" smtClean="0">
+              <a:rPr lang="en-US" altLang="ko-KR" sz="2800" kern="0">
                 <a:latin typeface="나눔고딕 ExtraBold" panose="020D0904000000000000" pitchFamily="50" charset="-127"/>
                 <a:ea typeface="나눔고딕 ExtraBold" panose="020D0904000000000000" pitchFamily="50" charset="-127"/>
               </a:rPr>
               <a:t>1. </a:t>
             </a:r>
             <a:r>
-              <a:rPr lang="ko-KR" altLang="en-US" sz="2800" kern="0" smtClean="0">
+              <a:rPr lang="ko-KR" altLang="en-US" sz="2800" kern="0">
                 <a:latin typeface="나눔고딕 ExtraBold" panose="020D0904000000000000" pitchFamily="50" charset="-127"/>
                 <a:ea typeface="나눔고딕 ExtraBold" panose="020D0904000000000000" pitchFamily="50" charset="-127"/>
               </a:rPr>
               <a:t>분산처리 기술</a:t>
             </a:r>
-            <a:endParaRPr lang="ko-KR" altLang="en-US" sz="2800" kern="0" dirty="0" smtClean="0">
+            <a:endParaRPr lang="ko-KR" altLang="en-US" sz="2800" kern="0" dirty="0">
               <a:latin typeface="나눔고딕 ExtraBold" panose="020D0904000000000000" pitchFamily="50" charset="-127"/>
               <a:ea typeface="나눔고딕 ExtraBold" panose="020D0904000000000000" pitchFamily="50" charset="-127"/>
             </a:endParaRPr>
@@ -7665,13 +7587,6 @@
   <p:clrMapOvr>
     <a:masterClrMapping/>
   </p:clrMapOvr>
-  <p:timing>
-    <p:tnLst>
-      <p:par>
-        <p:cTn id="1" dur="indefinite" restart="never" nodeType="tmRoot"/>
-      </p:par>
-    </p:tnLst>
-  </p:timing>
 </p:sld>
 </file>
 
@@ -7982,7 +7897,7 @@
               <a:defRPr/>
             </a:pPr>
             <a:r>
-              <a:rPr lang="ko-KR" altLang="en-US" sz="2000" b="1" dirty="0" smtClean="0">
+              <a:rPr lang="ko-KR" altLang="en-US" sz="2000" b="1" dirty="0">
                 <a:gradFill>
                   <a:gsLst>
                     <a:gs pos="0">
@@ -8000,7 +7915,7 @@
               <a:t>동기화 방식 </a:t>
             </a:r>
             <a:r>
-              <a:rPr lang="en-US" altLang="ko-KR" sz="2000" b="1" dirty="0" smtClean="0">
+              <a:rPr lang="en-US" altLang="ko-KR" sz="2000" b="1" dirty="0">
                 <a:gradFill>
                   <a:gsLst>
                     <a:gs pos="0">
@@ -8018,7 +7933,7 @@
               <a:t>: </a:t>
             </a:r>
             <a:r>
-              <a:rPr lang="ko-KR" altLang="en-US" sz="2000" b="1" dirty="0" smtClean="0">
+              <a:rPr lang="ko-KR" altLang="en-US" sz="2000" b="1" dirty="0">
                 <a:gradFill>
                   <a:gsLst>
                     <a:gs pos="0">
@@ -8382,7 +8297,7 @@
               <a:defRPr/>
             </a:pPr>
             <a:r>
-              <a:rPr lang="ko-KR" altLang="en-US" sz="1400" dirty="0" smtClean="0">
+              <a:rPr lang="ko-KR" altLang="en-US" sz="1400" dirty="0">
                 <a:solidFill>
                   <a:schemeClr val="tx1"/>
                 </a:solidFill>
@@ -8391,7 +8306,7 @@
               </a:rPr>
               <a:t>비동기적 동기화 방식은 각자의 속도대로 업데이트하기 때문에 동기적 동기화 방식보다 빠름</a:t>
             </a:r>
-            <a:endParaRPr lang="en-US" altLang="ko-KR" sz="1400" dirty="0" smtClean="0">
+            <a:endParaRPr lang="en-US" altLang="ko-KR" sz="1400" dirty="0">
               <a:solidFill>
                 <a:schemeClr val="tx1"/>
               </a:solidFill>
@@ -8407,7 +8322,7 @@
               <a:defRPr/>
             </a:pPr>
             <a:r>
-              <a:rPr lang="ko-KR" altLang="en-US" sz="1400" dirty="0" smtClean="0">
+              <a:rPr lang="ko-KR" altLang="en-US" sz="1400" dirty="0">
                 <a:solidFill>
                   <a:schemeClr val="tx1"/>
                 </a:solidFill>
@@ -8417,7 +8332,7 @@
               <a:t>지연된 </a:t>
             </a:r>
             <a:r>
-              <a:rPr lang="ko-KR" altLang="en-US" sz="1400" dirty="0" err="1" smtClean="0">
+              <a:rPr lang="ko-KR" altLang="en-US" sz="1400" dirty="0" err="1">
                 <a:solidFill>
                   <a:schemeClr val="tx1"/>
                 </a:solidFill>
@@ -8427,7 +8342,7 @@
               <a:t>그래디언트</a:t>
             </a:r>
             <a:r>
-              <a:rPr lang="ko-KR" altLang="en-US" sz="1400" dirty="0" smtClean="0">
+              <a:rPr lang="ko-KR" altLang="en-US" sz="1400" dirty="0">
                 <a:solidFill>
                   <a:schemeClr val="tx1"/>
                 </a:solidFill>
@@ -8437,7 +8352,7 @@
               <a:t> 문제</a:t>
             </a:r>
             <a:r>
-              <a:rPr lang="en-US" altLang="ko-KR" sz="1400" dirty="0" smtClean="0">
+              <a:rPr lang="en-US" altLang="ko-KR" sz="1400" dirty="0">
                 <a:solidFill>
                   <a:schemeClr val="tx1"/>
                 </a:solidFill>
@@ -8447,7 +8362,7 @@
               <a:t>(stale gradient problem)</a:t>
             </a:r>
             <a:r>
-              <a:rPr lang="ko-KR" altLang="en-US" sz="1400" dirty="0" smtClean="0">
+              <a:rPr lang="ko-KR" altLang="en-US" sz="1400" dirty="0">
                 <a:solidFill>
                   <a:schemeClr val="tx1"/>
                 </a:solidFill>
@@ -8467,7 +8382,7 @@
               <a:t> </a:t>
             </a:r>
             <a:r>
-              <a:rPr lang="ko-KR" altLang="en-US" sz="1400" dirty="0" smtClean="0">
+              <a:rPr lang="ko-KR" altLang="en-US" sz="1400" dirty="0">
                 <a:solidFill>
                   <a:schemeClr val="tx1"/>
                 </a:solidFill>
@@ -8476,7 +8391,7 @@
               </a:rPr>
               <a:t>치명적인 문제가 있음</a:t>
             </a:r>
-            <a:endParaRPr lang="en-US" altLang="ko-KR" sz="1400" dirty="0" smtClean="0">
+            <a:endParaRPr lang="en-US" altLang="ko-KR" sz="1400" dirty="0">
               <a:solidFill>
                 <a:schemeClr val="tx1"/>
               </a:solidFill>
@@ -8800,7 +8715,7 @@
               <a:defRPr/>
             </a:pPr>
             <a:r>
-              <a:rPr lang="ko-KR" altLang="en-US" sz="1400" dirty="0" smtClean="0">
+              <a:rPr lang="ko-KR" altLang="en-US" sz="1400" dirty="0">
                 <a:solidFill>
                   <a:schemeClr val="tx1"/>
                 </a:solidFill>
@@ -8810,7 +8725,7 @@
               <a:t>지연된 </a:t>
             </a:r>
             <a:r>
-              <a:rPr lang="ko-KR" altLang="en-US" sz="1400" dirty="0" err="1" smtClean="0">
+              <a:rPr lang="ko-KR" altLang="en-US" sz="1400" dirty="0" err="1">
                 <a:solidFill>
                   <a:schemeClr val="tx1"/>
                 </a:solidFill>
@@ -8820,7 +8735,7 @@
               <a:t>그래디언트</a:t>
             </a:r>
             <a:r>
-              <a:rPr lang="ko-KR" altLang="en-US" sz="1400" dirty="0" smtClean="0">
+              <a:rPr lang="ko-KR" altLang="en-US" sz="1400" dirty="0">
                 <a:solidFill>
                   <a:schemeClr val="tx1"/>
                 </a:solidFill>
@@ -8830,7 +8745,7 @@
               <a:t> 문제란</a:t>
             </a:r>
             <a:r>
-              <a:rPr lang="en-US" altLang="ko-KR" sz="1400" dirty="0" smtClean="0">
+              <a:rPr lang="en-US" altLang="ko-KR" sz="1400" dirty="0">
                 <a:solidFill>
                   <a:schemeClr val="tx1"/>
                 </a:solidFill>
@@ -9132,7 +9047,7 @@
               <a:defRPr/>
             </a:pPr>
             <a:r>
-              <a:rPr lang="ko-KR" altLang="en-US" sz="1400" dirty="0" smtClean="0">
+              <a:rPr lang="ko-KR" altLang="en-US" sz="1400" dirty="0">
                 <a:solidFill>
                   <a:schemeClr val="tx1"/>
                 </a:solidFill>
@@ -9142,7 +9057,7 @@
               <a:t>각 모델이 그 모델의 </a:t>
             </a:r>
             <a:r>
-              <a:rPr lang="ko-KR" altLang="en-US" sz="1400" dirty="0" err="1" smtClean="0">
+              <a:rPr lang="ko-KR" altLang="en-US" sz="1400" dirty="0" err="1">
                 <a:solidFill>
                   <a:schemeClr val="tx1"/>
                 </a:solidFill>
@@ -9152,7 +9067,7 @@
               <a:t>파라미터의</a:t>
             </a:r>
             <a:r>
-              <a:rPr lang="ko-KR" altLang="en-US" sz="1400" dirty="0" smtClean="0">
+              <a:rPr lang="ko-KR" altLang="en-US" sz="1400" dirty="0">
                 <a:solidFill>
                   <a:schemeClr val="tx1"/>
                 </a:solidFill>
@@ -9162,7 +9077,7 @@
               <a:t> </a:t>
             </a:r>
             <a:r>
-              <a:rPr lang="ko-KR" altLang="en-US" sz="1400" dirty="0" err="1" smtClean="0">
+              <a:rPr lang="ko-KR" altLang="en-US" sz="1400" dirty="0" err="1">
                 <a:solidFill>
                   <a:schemeClr val="tx1"/>
                 </a:solidFill>
@@ -9172,7 +9087,7 @@
               <a:t>그래디언트를</a:t>
             </a:r>
             <a:r>
-              <a:rPr lang="ko-KR" altLang="en-US" sz="1400" dirty="0" smtClean="0">
+              <a:rPr lang="ko-KR" altLang="en-US" sz="1400" dirty="0">
                 <a:solidFill>
                   <a:schemeClr val="tx1"/>
                 </a:solidFill>
@@ -9182,7 +9097,7 @@
               <a:t> 구하는 동안 다른 모델들이 그 모델의 </a:t>
             </a:r>
             <a:r>
-              <a:rPr lang="ko-KR" altLang="en-US" sz="1400" dirty="0" err="1" smtClean="0">
+              <a:rPr lang="ko-KR" altLang="en-US" sz="1400" dirty="0" err="1">
                 <a:solidFill>
                   <a:schemeClr val="tx1"/>
                 </a:solidFill>
@@ -9192,7 +9107,7 @@
               <a:t>파라미터를</a:t>
             </a:r>
             <a:r>
-              <a:rPr lang="ko-KR" altLang="en-US" sz="1400" dirty="0" smtClean="0">
+              <a:rPr lang="ko-KR" altLang="en-US" sz="1400" dirty="0">
                 <a:solidFill>
                   <a:schemeClr val="tx1"/>
                 </a:solidFill>
@@ -9202,7 +9117,7 @@
               <a:t> 업데이트 하기 때문에 업데이트를 할 시점이 오게 되면 처음과는 다른 </a:t>
             </a:r>
             <a:r>
-              <a:rPr lang="ko-KR" altLang="en-US" sz="1400" dirty="0" err="1" smtClean="0">
+              <a:rPr lang="ko-KR" altLang="en-US" sz="1400" dirty="0" err="1">
                 <a:solidFill>
                   <a:schemeClr val="tx1"/>
                 </a:solidFill>
@@ -9212,7 +9127,7 @@
               <a:t>파라미터를</a:t>
             </a:r>
             <a:r>
-              <a:rPr lang="ko-KR" altLang="en-US" sz="1400" dirty="0" smtClean="0">
+              <a:rPr lang="ko-KR" altLang="en-US" sz="1400" dirty="0">
                 <a:solidFill>
                   <a:schemeClr val="tx1"/>
                 </a:solidFill>
@@ -9221,7 +9136,7 @@
               </a:rPr>
               <a:t> 업데이트하게 되는 문제</a:t>
             </a:r>
-            <a:endParaRPr lang="en-US" altLang="ko-KR" sz="1400" dirty="0" smtClean="0">
+            <a:endParaRPr lang="en-US" altLang="ko-KR" sz="1400" dirty="0">
               <a:solidFill>
                 <a:schemeClr val="tx1"/>
               </a:solidFill>
@@ -9423,20 +9338,20 @@
               <a:buNone/>
             </a:pPr>
             <a:r>
-              <a:rPr lang="en-US" altLang="ko-KR" sz="2800" kern="0" smtClean="0">
+              <a:rPr lang="en-US" altLang="ko-KR" sz="2800" kern="0">
                 <a:latin typeface="나눔고딕 ExtraBold" panose="020D0904000000000000" pitchFamily="50" charset="-127"/>
                 <a:ea typeface="나눔고딕 ExtraBold" panose="020D0904000000000000" pitchFamily="50" charset="-127"/>
               </a:rPr>
               <a:t>1. </a:t>
             </a:r>
             <a:r>
-              <a:rPr lang="ko-KR" altLang="en-US" sz="2800" kern="0" smtClean="0">
+              <a:rPr lang="ko-KR" altLang="en-US" sz="2800" kern="0">
                 <a:latin typeface="나눔고딕 ExtraBold" panose="020D0904000000000000" pitchFamily="50" charset="-127"/>
                 <a:ea typeface="나눔고딕 ExtraBold" panose="020D0904000000000000" pitchFamily="50" charset="-127"/>
               </a:rPr>
               <a:t>분산처리 기술</a:t>
             </a:r>
-            <a:endParaRPr lang="ko-KR" altLang="en-US" sz="2800" kern="0" dirty="0" smtClean="0">
+            <a:endParaRPr lang="ko-KR" altLang="en-US" sz="2800" kern="0" dirty="0">
               <a:latin typeface="나눔고딕 ExtraBold" panose="020D0904000000000000" pitchFamily="50" charset="-127"/>
               <a:ea typeface="나눔고딕 ExtraBold" panose="020D0904000000000000" pitchFamily="50" charset="-127"/>
             </a:endParaRPr>
@@ -9453,13 +9368,6 @@
   <p:clrMapOvr>
     <a:masterClrMapping/>
   </p:clrMapOvr>
-  <p:timing>
-    <p:tnLst>
-      <p:par>
-        <p:cTn id="1" dur="indefinite" restart="never" nodeType="tmRoot"/>
-      </p:par>
-    </p:tnLst>
-  </p:timing>
 </p:sld>
 </file>
 
@@ -9770,7 +9678,7 @@
               <a:defRPr/>
             </a:pPr>
             <a:r>
-              <a:rPr lang="ko-KR" altLang="en-US" sz="2000" b="1" dirty="0" smtClean="0">
+              <a:rPr lang="ko-KR" altLang="en-US" sz="2000" b="1" dirty="0">
                 <a:gradFill>
                   <a:gsLst>
                     <a:gs pos="0">
@@ -9788,7 +9696,7 @@
               <a:t>동기화 방식 </a:t>
             </a:r>
             <a:r>
-              <a:rPr lang="en-US" altLang="ko-KR" sz="2000" b="1" dirty="0" smtClean="0">
+              <a:rPr lang="en-US" altLang="ko-KR" sz="2000" b="1" dirty="0">
                 <a:gradFill>
                   <a:gsLst>
                     <a:gs pos="0">
@@ -9806,7 +9714,7 @@
               <a:t>: </a:t>
             </a:r>
             <a:r>
-              <a:rPr lang="ko-KR" altLang="en-US" sz="2000" b="1" dirty="0" smtClean="0">
+              <a:rPr lang="ko-KR" altLang="en-US" sz="2000" b="1" dirty="0">
                 <a:gradFill>
                   <a:gsLst>
                     <a:gs pos="0">
@@ -10170,7 +10078,7 @@
               <a:defRPr/>
             </a:pPr>
             <a:r>
-              <a:rPr lang="en-US" altLang="ko-KR" sz="1400" dirty="0" smtClean="0">
+              <a:rPr lang="en-US" altLang="ko-KR" sz="1400" dirty="0">
                 <a:solidFill>
                   <a:schemeClr val="tx1"/>
                 </a:solidFill>
@@ -10180,7 +10088,7 @@
               <a:t>ASGD(Asynchronous SGD): </a:t>
             </a:r>
             <a:r>
-              <a:rPr lang="ko-KR" altLang="en-US" sz="1400" dirty="0" smtClean="0">
+              <a:rPr lang="ko-KR" altLang="en-US" sz="1400" dirty="0">
                 <a:solidFill>
                   <a:schemeClr val="tx1"/>
                 </a:solidFill>
@@ -10190,7 +10098,7 @@
               <a:t>비동기적 동기화 방식에서 각 모델이 학습하는 즉시 업데이트 하는 것이 아니라 </a:t>
             </a:r>
             <a:r>
-              <a:rPr lang="en-US" altLang="ko-KR" sz="1400" dirty="0" smtClean="0">
+              <a:rPr lang="en-US" altLang="ko-KR" sz="1400" dirty="0">
                 <a:solidFill>
                   <a:schemeClr val="tx1"/>
                 </a:solidFill>
@@ -10200,7 +10108,7 @@
               <a:t>K</a:t>
             </a:r>
             <a:r>
-              <a:rPr lang="ko-KR" altLang="en-US" sz="1400" dirty="0" smtClean="0">
+              <a:rPr lang="ko-KR" altLang="en-US" sz="1400" dirty="0">
                 <a:solidFill>
                   <a:schemeClr val="tx1"/>
                 </a:solidFill>
@@ -10209,7 +10117,7 @@
               </a:rPr>
               <a:t>개의 모델이 학습하기까지 기다려서 업데이트하는 방법</a:t>
             </a:r>
-            <a:endParaRPr lang="en-US" altLang="ko-KR" sz="1400" dirty="0" smtClean="0">
+            <a:endParaRPr lang="en-US" altLang="ko-KR" sz="1400" dirty="0">
               <a:solidFill>
                 <a:schemeClr val="tx1"/>
               </a:solidFill>
@@ -10509,7 +10417,7 @@
               <a:defRPr/>
             </a:pPr>
             <a:r>
-              <a:rPr lang="en-US" altLang="ko-KR" sz="1400" dirty="0" smtClean="0">
+              <a:rPr lang="en-US" altLang="ko-KR" sz="1400" dirty="0">
                 <a:solidFill>
                   <a:schemeClr val="tx1"/>
                 </a:solidFill>
@@ -10835,7 +10743,7 @@
               <a:defRPr/>
             </a:pPr>
             <a:r>
-              <a:rPr lang="ko-KR" altLang="en-US" sz="1400" dirty="0" smtClean="0">
+              <a:rPr lang="ko-KR" altLang="en-US" sz="1400" dirty="0">
                 <a:solidFill>
                   <a:schemeClr val="tx1"/>
                 </a:solidFill>
@@ -10845,7 +10753,7 @@
               <a:t>가장 느린 학습자를 기다리도록 강제로 모델들 간의 </a:t>
             </a:r>
             <a:r>
-              <a:rPr lang="ko-KR" altLang="en-US" sz="1400" dirty="0" err="1" smtClean="0">
+              <a:rPr lang="ko-KR" altLang="en-US" sz="1400" dirty="0" err="1">
                 <a:solidFill>
                   <a:schemeClr val="tx1"/>
                 </a:solidFill>
@@ -10855,7 +10763,7 @@
               <a:t>지연성을</a:t>
             </a:r>
             <a:r>
-              <a:rPr lang="ko-KR" altLang="en-US" sz="1400" dirty="0" smtClean="0">
+              <a:rPr lang="ko-KR" altLang="en-US" sz="1400" dirty="0">
                 <a:solidFill>
                   <a:schemeClr val="tx1"/>
                 </a:solidFill>
@@ -10865,7 +10773,7 @@
               <a:t> 일정 </a:t>
             </a:r>
             <a:r>
-              <a:rPr lang="ko-KR" altLang="en-US" sz="1400" dirty="0" err="1" smtClean="0">
+              <a:rPr lang="ko-KR" altLang="en-US" sz="1400" dirty="0" err="1">
                 <a:solidFill>
                   <a:schemeClr val="tx1"/>
                 </a:solidFill>
@@ -10875,7 +10783,7 @@
               <a:t>수준이하로</a:t>
             </a:r>
             <a:r>
-              <a:rPr lang="ko-KR" altLang="en-US" sz="1400" dirty="0" smtClean="0">
+              <a:rPr lang="ko-KR" altLang="en-US" sz="1400" dirty="0">
                 <a:solidFill>
                   <a:schemeClr val="tx1"/>
                 </a:solidFill>
@@ -10884,7 +10792,7 @@
               </a:rPr>
               <a:t> 유지</a:t>
             </a:r>
-            <a:endParaRPr lang="en-US" altLang="ko-KR" sz="1400" dirty="0" smtClean="0">
+            <a:endParaRPr lang="en-US" altLang="ko-KR" sz="1400" dirty="0">
               <a:solidFill>
                 <a:schemeClr val="tx1"/>
               </a:solidFill>
@@ -11086,20 +10994,20 @@
               <a:buNone/>
             </a:pPr>
             <a:r>
-              <a:rPr lang="en-US" altLang="ko-KR" sz="2800" kern="0" smtClean="0">
+              <a:rPr lang="en-US" altLang="ko-KR" sz="2800" kern="0">
                 <a:latin typeface="나눔고딕 ExtraBold" panose="020D0904000000000000" pitchFamily="50" charset="-127"/>
                 <a:ea typeface="나눔고딕 ExtraBold" panose="020D0904000000000000" pitchFamily="50" charset="-127"/>
               </a:rPr>
               <a:t>1. </a:t>
             </a:r>
             <a:r>
-              <a:rPr lang="ko-KR" altLang="en-US" sz="2800" kern="0" smtClean="0">
+              <a:rPr lang="ko-KR" altLang="en-US" sz="2800" kern="0">
                 <a:latin typeface="나눔고딕 ExtraBold" panose="020D0904000000000000" pitchFamily="50" charset="-127"/>
                 <a:ea typeface="나눔고딕 ExtraBold" panose="020D0904000000000000" pitchFamily="50" charset="-127"/>
               </a:rPr>
               <a:t>분산처리 기술</a:t>
             </a:r>
-            <a:endParaRPr lang="ko-KR" altLang="en-US" sz="2800" kern="0" dirty="0" smtClean="0">
+            <a:endParaRPr lang="ko-KR" altLang="en-US" sz="2800" kern="0" dirty="0">
               <a:latin typeface="나눔고딕 ExtraBold" panose="020D0904000000000000" pitchFamily="50" charset="-127"/>
               <a:ea typeface="나눔고딕 ExtraBold" panose="020D0904000000000000" pitchFamily="50" charset="-127"/>
             </a:endParaRPr>
@@ -11116,13 +11024,6 @@
   <p:clrMapOvr>
     <a:masterClrMapping/>
   </p:clrMapOvr>
-  <p:timing>
-    <p:tnLst>
-      <p:par>
-        <p:cTn id="1" dur="indefinite" restart="never" nodeType="tmRoot"/>
-      </p:par>
-    </p:tnLst>
-  </p:timing>
 </p:sld>
 </file>
 
@@ -11433,7 +11334,7 @@
               <a:defRPr/>
             </a:pPr>
             <a:r>
-              <a:rPr lang="ko-KR" altLang="en-US" sz="2000" b="1" dirty="0" err="1" smtClean="0">
+              <a:rPr lang="ko-KR" altLang="en-US" sz="2000" b="1" dirty="0" err="1">
                 <a:gradFill>
                   <a:gsLst>
                     <a:gs pos="0">
@@ -11451,7 +11352,7 @@
               <a:t>분산학습</a:t>
             </a:r>
             <a:r>
-              <a:rPr lang="ko-KR" altLang="en-US" sz="2000" b="1" dirty="0" smtClean="0">
+              <a:rPr lang="ko-KR" altLang="en-US" sz="2000" b="1" dirty="0">
                 <a:gradFill>
                   <a:gsLst>
                     <a:gs pos="0">
@@ -11776,34 +11677,14 @@
               <a:defRPr/>
             </a:pPr>
             <a:r>
-              <a:rPr lang="ko-KR" altLang="en-US" sz="1400" dirty="0" smtClean="0">
+              <a:rPr lang="ko-KR" altLang="en-US" sz="1400" dirty="0">
                 <a:solidFill>
                   <a:schemeClr val="tx1"/>
                 </a:solidFill>
                 <a:latin typeface="나눔고딕" panose="020D0604000000000000" pitchFamily="50" charset="-127"/>
                 <a:ea typeface="나눔고딕" panose="020D0604000000000000" pitchFamily="50" charset="-127"/>
               </a:rPr>
-              <a:t>동기화 방식과는 별개로 분산 학습 구조는 실행 측면에서 분산 </a:t>
-            </a:r>
-            <a:r>
-              <a:rPr lang="ko-KR" altLang="en-US" sz="1400" dirty="0">
-                <a:solidFill>
-                  <a:schemeClr val="tx1"/>
-                </a:solidFill>
-                <a:latin typeface="나눔고딕" panose="020D0604000000000000" pitchFamily="50" charset="-127"/>
-                <a:ea typeface="나눔고딕" panose="020D0604000000000000" pitchFamily="50" charset="-127"/>
-              </a:rPr>
-              <a:t>학</a:t>
-            </a:r>
-            <a:r>
-              <a:rPr lang="ko-KR" altLang="en-US" sz="1400" dirty="0" smtClean="0">
-                <a:solidFill>
-                  <a:schemeClr val="tx1"/>
-                </a:solidFill>
-                <a:latin typeface="나눔고딕" panose="020D0604000000000000" pitchFamily="50" charset="-127"/>
-                <a:ea typeface="나눔고딕" panose="020D0604000000000000" pitchFamily="50" charset="-127"/>
-              </a:rPr>
-              <a:t>습에 중요한 영향을 미침 </a:t>
+              <a:t>동기화 방식과는 별개로 분산 학습 구조는 실행 측면에서 분산 학습에 중요한 영향을 미침 </a:t>
             </a:r>
             <a:endParaRPr sz="1400" dirty="0">
               <a:solidFill>
@@ -12046,20 +11927,20 @@
               <a:buNone/>
             </a:pPr>
             <a:r>
-              <a:rPr lang="en-US" altLang="ko-KR" sz="2800" kern="0" smtClean="0">
+              <a:rPr lang="en-US" altLang="ko-KR" sz="2800" kern="0">
                 <a:latin typeface="나눔고딕 ExtraBold" panose="020D0904000000000000" pitchFamily="50" charset="-127"/>
                 <a:ea typeface="나눔고딕 ExtraBold" panose="020D0904000000000000" pitchFamily="50" charset="-127"/>
               </a:rPr>
               <a:t>1. </a:t>
             </a:r>
             <a:r>
-              <a:rPr lang="ko-KR" altLang="en-US" sz="2800" kern="0" smtClean="0">
+              <a:rPr lang="ko-KR" altLang="en-US" sz="2800" kern="0">
                 <a:latin typeface="나눔고딕 ExtraBold" panose="020D0904000000000000" pitchFamily="50" charset="-127"/>
                 <a:ea typeface="나눔고딕 ExtraBold" panose="020D0904000000000000" pitchFamily="50" charset="-127"/>
               </a:rPr>
               <a:t>분산처리 기술</a:t>
             </a:r>
-            <a:endParaRPr lang="ko-KR" altLang="en-US" sz="2800" kern="0" dirty="0" smtClean="0">
+            <a:endParaRPr lang="ko-KR" altLang="en-US" sz="2800" kern="0" dirty="0">
               <a:latin typeface="나눔고딕 ExtraBold" panose="020D0904000000000000" pitchFamily="50" charset="-127"/>
               <a:ea typeface="나눔고딕 ExtraBold" panose="020D0904000000000000" pitchFamily="50" charset="-127"/>
             </a:endParaRPr>
@@ -12076,13 +11957,6 @@
   <p:clrMapOvr>
     <a:masterClrMapping/>
   </p:clrMapOvr>
-  <p:timing>
-    <p:tnLst>
-      <p:par>
-        <p:cTn id="1" dur="indefinite" restart="never" nodeType="tmRoot"/>
-      </p:par>
-    </p:tnLst>
-  </p:timing>
 </p:sld>
 </file>
 
@@ -12393,7 +12267,7 @@
               <a:defRPr/>
             </a:pPr>
             <a:r>
-              <a:rPr lang="ko-KR" altLang="en-US" sz="2000" b="1" dirty="0" err="1" smtClean="0">
+              <a:rPr lang="ko-KR" altLang="en-US" sz="2000" b="1" dirty="0" err="1">
                 <a:gradFill>
                   <a:gsLst>
                     <a:gs pos="0">
@@ -12480,41 +12354,8 @@
                 <a:latin typeface="나눔고딕" panose="020D0604000000000000" pitchFamily="50" charset="-127"/>
                 <a:ea typeface="나눔고딕 ExtraBold"/>
               </a:rPr>
-              <a:t> 서버 </a:t>
-            </a:r>
-            <a:r>
-              <a:rPr lang="ko-KR" altLang="en-US" sz="2000" b="1" dirty="0" smtClean="0">
-                <a:gradFill>
-                  <a:gsLst>
-                    <a:gs pos="0">
-                      <a:srgbClr val="404040"/>
-                    </a:gs>
-                    <a:gs pos="100000">
-                      <a:srgbClr val="404040"/>
-                    </a:gs>
-                  </a:gsLst>
-                  <a:lin ang="5400000" scaled="0"/>
-                </a:gradFill>
-                <a:latin typeface="나눔고딕" panose="020D0604000000000000" pitchFamily="50" charset="-127"/>
-                <a:ea typeface="나눔고딕 ExtraBold"/>
-              </a:rPr>
-              <a:t>구조</a:t>
-            </a:r>
-            <a:endParaRPr lang="ko-KR" altLang="en-US" sz="2000" b="1" dirty="0">
-              <a:gradFill>
-                <a:gsLst>
-                  <a:gs pos="0">
-                    <a:srgbClr val="404040"/>
-                  </a:gs>
-                  <a:gs pos="100000">
-                    <a:srgbClr val="404040"/>
-                  </a:gs>
-                </a:gsLst>
-                <a:lin ang="5400000" scaled="0"/>
-              </a:gradFill>
-              <a:latin typeface="나눔고딕" panose="020D0604000000000000" pitchFamily="50" charset="-127"/>
-              <a:ea typeface="나눔고딕 ExtraBold"/>
-            </a:endParaRPr>
+              <a:t> 서버 구조</a:t>
+            </a:r>
           </a:p>
         </p:txBody>
       </p:sp>
@@ -12808,34 +12649,14 @@
               <a:defRPr/>
             </a:pPr>
             <a:r>
-              <a:rPr lang="ko-KR" altLang="en-US" sz="1400" dirty="0" smtClean="0">
+              <a:rPr lang="ko-KR" altLang="en-US" sz="1400" dirty="0">
                 <a:solidFill>
                   <a:schemeClr val="tx1"/>
                 </a:solidFill>
                 <a:latin typeface="나눔고딕" panose="020D0604000000000000" pitchFamily="50" charset="-127"/>
                 <a:ea typeface="나눔고딕" panose="020D0604000000000000" pitchFamily="50" charset="-127"/>
               </a:rPr>
-              <a:t>동기화 방식과는 별개로 분산 학습 구조는 실행 측면에서 분산 </a:t>
-            </a:r>
-            <a:r>
-              <a:rPr lang="ko-KR" altLang="en-US" sz="1400" dirty="0">
-                <a:solidFill>
-                  <a:schemeClr val="tx1"/>
-                </a:solidFill>
-                <a:latin typeface="나눔고딕" panose="020D0604000000000000" pitchFamily="50" charset="-127"/>
-                <a:ea typeface="나눔고딕" panose="020D0604000000000000" pitchFamily="50" charset="-127"/>
-              </a:rPr>
-              <a:t>학</a:t>
-            </a:r>
-            <a:r>
-              <a:rPr lang="ko-KR" altLang="en-US" sz="1400" dirty="0" smtClean="0">
-                <a:solidFill>
-                  <a:schemeClr val="tx1"/>
-                </a:solidFill>
-                <a:latin typeface="나눔고딕" panose="020D0604000000000000" pitchFamily="50" charset="-127"/>
-                <a:ea typeface="나눔고딕" panose="020D0604000000000000" pitchFamily="50" charset="-127"/>
-              </a:rPr>
-              <a:t>습에 중요한 영향을 미침 </a:t>
+              <a:t>동기화 방식과는 별개로 분산 학습 구조는 실행 측면에서 분산 학습에 중요한 영향을 미침 </a:t>
             </a:r>
             <a:endParaRPr sz="1400" dirty="0">
               <a:solidFill>
@@ -13202,7 +13023,7 @@
               <a:defRPr/>
             </a:pPr>
             <a:r>
-              <a:rPr lang="ko-KR" altLang="en-US" sz="1400" dirty="0" err="1" smtClean="0">
+              <a:rPr lang="ko-KR" altLang="en-US" sz="1400" dirty="0" err="1">
                 <a:solidFill>
                   <a:schemeClr val="tx1"/>
                 </a:solidFill>
@@ -13212,7 +13033,7 @@
               <a:t>파라미터</a:t>
             </a:r>
             <a:r>
-              <a:rPr lang="ko-KR" altLang="en-US" sz="1400" dirty="0" smtClean="0">
+              <a:rPr lang="ko-KR" altLang="en-US" sz="1400" dirty="0">
                 <a:solidFill>
                   <a:schemeClr val="tx1"/>
                 </a:solidFill>
@@ -13221,7 +13042,7 @@
               </a:rPr>
               <a:t> 서버와 분산 학습을 하는 노드로 나눔</a:t>
             </a:r>
-            <a:endParaRPr lang="en-US" altLang="ko-KR" sz="1400" dirty="0" smtClean="0">
+            <a:endParaRPr lang="en-US" altLang="ko-KR" sz="1400" dirty="0">
               <a:solidFill>
                 <a:schemeClr val="tx1"/>
               </a:solidFill>
@@ -13239,7 +13060,7 @@
               <a:defRPr/>
             </a:pPr>
             <a:r>
-              <a:rPr lang="ko-KR" altLang="en-US" sz="1400" dirty="0" smtClean="0">
+              <a:rPr lang="ko-KR" altLang="en-US" sz="1400" dirty="0">
                 <a:solidFill>
                   <a:schemeClr val="tx1"/>
                 </a:solidFill>
@@ -13249,7 +13070,7 @@
               <a:t>서버 노드들은 모델의 </a:t>
             </a:r>
             <a:r>
-              <a:rPr lang="ko-KR" altLang="en-US" sz="1400" dirty="0" err="1" smtClean="0">
+              <a:rPr lang="ko-KR" altLang="en-US" sz="1400" dirty="0" err="1">
                 <a:solidFill>
                   <a:schemeClr val="tx1"/>
                 </a:solidFill>
@@ -13259,7 +13080,7 @@
               <a:t>파라미터를</a:t>
             </a:r>
             <a:r>
-              <a:rPr lang="ko-KR" altLang="en-US" sz="1400" dirty="0" smtClean="0">
+              <a:rPr lang="ko-KR" altLang="en-US" sz="1400" dirty="0">
                 <a:solidFill>
                   <a:schemeClr val="tx1"/>
                 </a:solidFill>
@@ -13269,7 +13090,7 @@
               <a:t> 분할하여 </a:t>
             </a:r>
             <a:r>
-              <a:rPr lang="ko-KR" altLang="en-US" sz="1400" dirty="0" err="1" smtClean="0">
+              <a:rPr lang="ko-KR" altLang="en-US" sz="1400" dirty="0" err="1">
                 <a:solidFill>
                   <a:schemeClr val="tx1"/>
                 </a:solidFill>
@@ -13279,7 +13100,7 @@
               <a:t>파라미터</a:t>
             </a:r>
             <a:r>
-              <a:rPr lang="ko-KR" altLang="en-US" sz="1400" dirty="0" smtClean="0">
+              <a:rPr lang="ko-KR" altLang="en-US" sz="1400" dirty="0">
                 <a:solidFill>
                   <a:schemeClr val="tx1"/>
                 </a:solidFill>
@@ -13288,7 +13109,7 @@
               </a:rPr>
               <a:t> 서버에 저장</a:t>
             </a:r>
-            <a:endParaRPr lang="en-US" altLang="ko-KR" sz="1400" dirty="0" smtClean="0">
+            <a:endParaRPr lang="en-US" altLang="ko-KR" sz="1400" dirty="0">
               <a:solidFill>
                 <a:schemeClr val="tx1"/>
               </a:solidFill>
@@ -13306,7 +13127,7 @@
               <a:defRPr/>
             </a:pPr>
             <a:r>
-              <a:rPr lang="ko-KR" altLang="en-US" sz="1400" dirty="0" smtClean="0">
+              <a:rPr lang="ko-KR" altLang="en-US" sz="1400" dirty="0">
                 <a:solidFill>
                   <a:schemeClr val="tx1"/>
                 </a:solidFill>
@@ -13316,7 +13137,7 @@
               <a:t>서버 노드는 </a:t>
             </a:r>
             <a:r>
-              <a:rPr lang="ko-KR" altLang="en-US" sz="1400" dirty="0" err="1" smtClean="0">
+              <a:rPr lang="ko-KR" altLang="en-US" sz="1400" dirty="0" err="1">
                 <a:solidFill>
                   <a:schemeClr val="tx1"/>
                 </a:solidFill>
@@ -13326,7 +13147,7 @@
               <a:t>파라미터</a:t>
             </a:r>
             <a:r>
-              <a:rPr lang="ko-KR" altLang="en-US" sz="1400" dirty="0" smtClean="0">
+              <a:rPr lang="ko-KR" altLang="en-US" sz="1400" dirty="0">
                 <a:solidFill>
                   <a:schemeClr val="tx1"/>
                 </a:solidFill>
@@ -13336,7 +13157,7 @@
               <a:t> </a:t>
             </a:r>
             <a:r>
-              <a:rPr lang="ko-KR" altLang="en-US" sz="1400" dirty="0" err="1" smtClean="0">
+              <a:rPr lang="ko-KR" altLang="en-US" sz="1400" dirty="0" err="1">
                 <a:solidFill>
                   <a:schemeClr val="tx1"/>
                 </a:solidFill>
@@ -13346,7 +13167,7 @@
               <a:t>서버와만</a:t>
             </a:r>
             <a:r>
-              <a:rPr lang="ko-KR" altLang="en-US" sz="1400" dirty="0" smtClean="0">
+              <a:rPr lang="ko-KR" altLang="en-US" sz="1400" dirty="0">
                 <a:solidFill>
                   <a:schemeClr val="tx1"/>
                 </a:solidFill>
@@ -13355,7 +13176,7 @@
               </a:rPr>
               <a:t> 통신 </a:t>
             </a:r>
-            <a:endParaRPr lang="en-US" altLang="ko-KR" sz="1400" dirty="0" smtClean="0">
+            <a:endParaRPr lang="en-US" altLang="ko-KR" sz="1400" dirty="0">
               <a:solidFill>
                 <a:schemeClr val="tx1"/>
               </a:solidFill>
@@ -13557,20 +13378,20 @@
               <a:buNone/>
             </a:pPr>
             <a:r>
-              <a:rPr lang="en-US" altLang="ko-KR" sz="2800" kern="0" smtClean="0">
+              <a:rPr lang="en-US" altLang="ko-KR" sz="2800" kern="0">
                 <a:latin typeface="나눔고딕 ExtraBold" panose="020D0904000000000000" pitchFamily="50" charset="-127"/>
                 <a:ea typeface="나눔고딕 ExtraBold" panose="020D0904000000000000" pitchFamily="50" charset="-127"/>
               </a:rPr>
               <a:t>1. </a:t>
             </a:r>
             <a:r>
-              <a:rPr lang="ko-KR" altLang="en-US" sz="2800" kern="0" smtClean="0">
+              <a:rPr lang="ko-KR" altLang="en-US" sz="2800" kern="0">
                 <a:latin typeface="나눔고딕 ExtraBold" panose="020D0904000000000000" pitchFamily="50" charset="-127"/>
                 <a:ea typeface="나눔고딕 ExtraBold" panose="020D0904000000000000" pitchFamily="50" charset="-127"/>
               </a:rPr>
               <a:t>분산처리 기술</a:t>
             </a:r>
-            <a:endParaRPr lang="ko-KR" altLang="en-US" sz="2800" kern="0" dirty="0" smtClean="0">
+            <a:endParaRPr lang="ko-KR" altLang="en-US" sz="2800" kern="0" dirty="0">
               <a:latin typeface="나눔고딕 ExtraBold" panose="020D0904000000000000" pitchFamily="50" charset="-127"/>
               <a:ea typeface="나눔고딕 ExtraBold" panose="020D0904000000000000" pitchFamily="50" charset="-127"/>
             </a:endParaRPr>
@@ -13587,13 +13408,6 @@
   <p:clrMapOvr>
     <a:masterClrMapping/>
   </p:clrMapOvr>
-  <p:timing>
-    <p:tnLst>
-      <p:par>
-        <p:cTn id="1" dur="indefinite" restart="never" nodeType="tmRoot"/>
-      </p:par>
-    </p:tnLst>
-  </p:timing>
 </p:sld>
 </file>
 
@@ -13904,7 +13718,7 @@
               <a:defRPr/>
             </a:pPr>
             <a:r>
-              <a:rPr lang="ko-KR" altLang="en-US" sz="2000" b="1" dirty="0" err="1" smtClean="0">
+              <a:rPr lang="ko-KR" altLang="en-US" sz="2000" b="1" dirty="0" err="1">
                 <a:gradFill>
                   <a:gsLst>
                     <a:gs pos="0">
@@ -13958,7 +13772,7 @@
               <a:t>: </a:t>
             </a:r>
             <a:r>
-              <a:rPr lang="ko-KR" altLang="en-US" sz="2000" b="1" dirty="0" smtClean="0">
+              <a:rPr lang="ko-KR" altLang="en-US" sz="2000" b="1" dirty="0">
                 <a:gradFill>
                   <a:gsLst>
                     <a:gs pos="0">
@@ -13975,21 +13789,6 @@
               </a:rPr>
               <a:t>집단 통신 구조</a:t>
             </a:r>
-            <a:endParaRPr lang="ko-KR" altLang="en-US" sz="2000" b="1" dirty="0">
-              <a:gradFill>
-                <a:gsLst>
-                  <a:gs pos="0">
-                    <a:srgbClr val="404040"/>
-                  </a:gs>
-                  <a:gs pos="100000">
-                    <a:srgbClr val="404040"/>
-                  </a:gs>
-                </a:gsLst>
-                <a:lin ang="5400000" scaled="0"/>
-              </a:gradFill>
-              <a:latin typeface="나눔고딕" panose="020D0604000000000000" pitchFamily="50" charset="-127"/>
-              <a:ea typeface="나눔고딕 ExtraBold"/>
-            </a:endParaRPr>
           </a:p>
         </p:txBody>
       </p:sp>
@@ -14283,34 +14082,14 @@
               <a:defRPr/>
             </a:pPr>
             <a:r>
-              <a:rPr lang="ko-KR" altLang="en-US" sz="1400" dirty="0" smtClean="0">
+              <a:rPr lang="ko-KR" altLang="en-US" sz="1400" dirty="0">
                 <a:solidFill>
                   <a:schemeClr val="tx1"/>
                 </a:solidFill>
                 <a:latin typeface="나눔고딕" panose="020D0604000000000000" pitchFamily="50" charset="-127"/>
                 <a:ea typeface="나눔고딕" panose="020D0604000000000000" pitchFamily="50" charset="-127"/>
               </a:rPr>
-              <a:t>동기화 방식과는 별개로 분산 학습 구조는 실행 측면에서 분산 </a:t>
-            </a:r>
-            <a:r>
-              <a:rPr lang="ko-KR" altLang="en-US" sz="1400" dirty="0">
-                <a:solidFill>
-                  <a:schemeClr val="tx1"/>
-                </a:solidFill>
-                <a:latin typeface="나눔고딕" panose="020D0604000000000000" pitchFamily="50" charset="-127"/>
-                <a:ea typeface="나눔고딕" panose="020D0604000000000000" pitchFamily="50" charset="-127"/>
-              </a:rPr>
-              <a:t>학</a:t>
-            </a:r>
-            <a:r>
-              <a:rPr lang="ko-KR" altLang="en-US" sz="1400" dirty="0" smtClean="0">
-                <a:solidFill>
-                  <a:schemeClr val="tx1"/>
-                </a:solidFill>
-                <a:latin typeface="나눔고딕" panose="020D0604000000000000" pitchFamily="50" charset="-127"/>
-                <a:ea typeface="나눔고딕" panose="020D0604000000000000" pitchFamily="50" charset="-127"/>
-              </a:rPr>
-              <a:t>습에 중요한 영향을 미침 </a:t>
+              <a:t>동기화 방식과는 별개로 분산 학습 구조는 실행 측면에서 분산 학습에 중요한 영향을 미침 </a:t>
             </a:r>
             <a:endParaRPr sz="1400" dirty="0">
               <a:solidFill>
@@ -14653,7 +14432,7 @@
               <a:defRPr/>
             </a:pPr>
             <a:r>
-              <a:rPr lang="ko-KR" altLang="en-US" sz="1400" dirty="0" smtClean="0">
+              <a:rPr lang="ko-KR" altLang="en-US" sz="1400" dirty="0">
                 <a:solidFill>
                   <a:schemeClr val="tx1"/>
                 </a:solidFill>
@@ -14662,7 +14441,7 @@
               </a:rPr>
               <a:t>서버를 따로 두지 않고 각각 학습한 후 워커들 간의 집단 통신을 통하여 동기화 하는 방식</a:t>
             </a:r>
-            <a:endParaRPr lang="en-US" altLang="ko-KR" sz="1400" dirty="0" smtClean="0">
+            <a:endParaRPr lang="en-US" altLang="ko-KR" sz="1400" dirty="0">
               <a:solidFill>
                 <a:schemeClr val="tx1"/>
               </a:solidFill>
@@ -14680,7 +14459,7 @@
               <a:defRPr/>
             </a:pPr>
             <a:r>
-              <a:rPr lang="ko-KR" altLang="en-US" sz="1400" dirty="0" smtClean="0">
+              <a:rPr lang="ko-KR" altLang="en-US" sz="1400" dirty="0">
                 <a:solidFill>
                   <a:schemeClr val="tx1"/>
                 </a:solidFill>
@@ -14690,7 +14469,7 @@
               <a:t>주로 </a:t>
             </a:r>
             <a:r>
-              <a:rPr lang="en-US" altLang="ko-KR" sz="1400" dirty="0" smtClean="0">
+              <a:rPr lang="en-US" altLang="ko-KR" sz="1400" dirty="0">
                 <a:solidFill>
                   <a:schemeClr val="tx1"/>
                 </a:solidFill>
@@ -14700,7 +14479,7 @@
               <a:t>MPI(Message Passing Interface)</a:t>
             </a:r>
             <a:r>
-              <a:rPr lang="ko-KR" altLang="en-US" sz="1400" dirty="0" smtClean="0">
+              <a:rPr lang="ko-KR" altLang="en-US" sz="1400" dirty="0">
                 <a:solidFill>
                   <a:schemeClr val="tx1"/>
                 </a:solidFill>
@@ -14709,7 +14488,7 @@
               </a:rPr>
               <a:t>에 기반하여 구현</a:t>
             </a:r>
-            <a:endParaRPr lang="en-US" altLang="ko-KR" sz="1400" dirty="0" smtClean="0">
+            <a:endParaRPr lang="en-US" altLang="ko-KR" sz="1400" dirty="0">
               <a:solidFill>
                 <a:schemeClr val="tx1"/>
               </a:solidFill>
@@ -14727,7 +14506,7 @@
               <a:defRPr/>
             </a:pPr>
             <a:r>
-              <a:rPr lang="ko-KR" altLang="en-US" sz="1400" dirty="0" smtClean="0">
+              <a:rPr lang="ko-KR" altLang="en-US" sz="1400" dirty="0">
                 <a:solidFill>
                   <a:schemeClr val="tx1"/>
                 </a:solidFill>
@@ -14737,7 +14516,7 @@
               <a:t>메시지 </a:t>
             </a:r>
             <a:r>
-              <a:rPr lang="ko-KR" altLang="en-US" sz="1400" dirty="0" err="1" smtClean="0">
+              <a:rPr lang="ko-KR" altLang="en-US" sz="1400" dirty="0" err="1">
                 <a:solidFill>
                   <a:schemeClr val="tx1"/>
                 </a:solidFill>
@@ -14747,7 +14526,7 @@
               <a:t>패싱</a:t>
             </a:r>
             <a:r>
-              <a:rPr lang="ko-KR" altLang="en-US" sz="1400" dirty="0" smtClean="0">
+              <a:rPr lang="ko-KR" altLang="en-US" sz="1400" dirty="0">
                 <a:solidFill>
                   <a:schemeClr val="tx1"/>
                 </a:solidFill>
@@ -14757,7 +14536,7 @@
               <a:t> 라이브러리 </a:t>
             </a:r>
             <a:r>
-              <a:rPr lang="en-US" altLang="ko-KR" sz="1400" dirty="0" smtClean="0">
+              <a:rPr lang="en-US" altLang="ko-KR" sz="1400" dirty="0">
                 <a:solidFill>
                   <a:schemeClr val="tx1"/>
                 </a:solidFill>
@@ -14767,7 +14546,7 @@
               <a:t>: MPI, PVM, </a:t>
             </a:r>
             <a:r>
-              <a:rPr lang="en-US" altLang="ko-KR" sz="1400" dirty="0" err="1" smtClean="0">
+              <a:rPr lang="en-US" altLang="ko-KR" sz="1400" dirty="0" err="1">
                 <a:solidFill>
                   <a:schemeClr val="tx1"/>
                 </a:solidFill>
@@ -14776,7 +14555,7 @@
               </a:rPr>
               <a:t>Shmem</a:t>
             </a:r>
-            <a:endParaRPr lang="en-US" altLang="ko-KR" sz="1400" dirty="0" smtClean="0">
+            <a:endParaRPr lang="en-US" altLang="ko-KR" sz="1400" dirty="0">
               <a:solidFill>
                 <a:schemeClr val="tx1"/>
               </a:solidFill>
@@ -15002,20 +14781,20 @@
               <a:buNone/>
             </a:pPr>
             <a:r>
-              <a:rPr lang="en-US" altLang="ko-KR" sz="2800" kern="0" smtClean="0">
+              <a:rPr lang="en-US" altLang="ko-KR" sz="2800" kern="0">
                 <a:latin typeface="나눔고딕 ExtraBold" panose="020D0904000000000000" pitchFamily="50" charset="-127"/>
                 <a:ea typeface="나눔고딕 ExtraBold" panose="020D0904000000000000" pitchFamily="50" charset="-127"/>
               </a:rPr>
               <a:t>1. </a:t>
             </a:r>
             <a:r>
-              <a:rPr lang="ko-KR" altLang="en-US" sz="2800" kern="0" smtClean="0">
+              <a:rPr lang="ko-KR" altLang="en-US" sz="2800" kern="0">
                 <a:latin typeface="나눔고딕 ExtraBold" panose="020D0904000000000000" pitchFamily="50" charset="-127"/>
                 <a:ea typeface="나눔고딕 ExtraBold" panose="020D0904000000000000" pitchFamily="50" charset="-127"/>
               </a:rPr>
               <a:t>분산처리 기술</a:t>
             </a:r>
-            <a:endParaRPr lang="ko-KR" altLang="en-US" sz="2800" kern="0" dirty="0" smtClean="0">
+            <a:endParaRPr lang="ko-KR" altLang="en-US" sz="2800" kern="0" dirty="0">
               <a:latin typeface="나눔고딕 ExtraBold" panose="020D0904000000000000" pitchFamily="50" charset="-127"/>
               <a:ea typeface="나눔고딕 ExtraBold" panose="020D0904000000000000" pitchFamily="50" charset="-127"/>
             </a:endParaRPr>
@@ -15032,13 +14811,6 @@
   <p:clrMapOvr>
     <a:masterClrMapping/>
   </p:clrMapOvr>
-  <p:timing>
-    <p:tnLst>
-      <p:par>
-        <p:cTn id="1" dur="indefinite" restart="never" nodeType="tmRoot"/>
-      </p:par>
-    </p:tnLst>
-  </p:timing>
 </p:sld>
 </file>
 
@@ -15241,7 +15013,7 @@
               <a:defRPr/>
             </a:pPr>
             <a:r>
-              <a:rPr lang="ko-KR" altLang="en-US" sz="3800" kern="0" dirty="0" err="1" smtClean="0">
+              <a:rPr lang="ko-KR" altLang="en-US" sz="3800" kern="0" dirty="0" err="1">
                 <a:solidFill>
                   <a:schemeClr val="tx1"/>
                 </a:solidFill>
@@ -15252,7 +15024,7 @@
               <a:t>딥러닝</a:t>
             </a:r>
             <a:r>
-              <a:rPr lang="ko-KR" altLang="en-US" sz="3800" kern="0" dirty="0" smtClean="0">
+              <a:rPr lang="ko-KR" altLang="en-US" sz="3800" kern="0" dirty="0">
                 <a:solidFill>
                   <a:schemeClr val="tx1"/>
                 </a:solidFill>
@@ -15458,7 +15230,7 @@
               <a:defRPr/>
             </a:pPr>
             <a:r>
-              <a:rPr lang="en-US" altLang="ko-KR" sz="3800" kern="0" dirty="0" smtClean="0">
+              <a:rPr lang="en-US" altLang="ko-KR" sz="3800" kern="0" dirty="0">
                 <a:solidFill>
                   <a:srgbClr val="0070C0"/>
                 </a:solidFill>
@@ -15468,7 +15240,7 @@
               </a:rPr>
               <a:t>02.</a:t>
             </a:r>
-            <a:endParaRPr lang="ko-KR" altLang="en-US" sz="3800" kern="0" dirty="0" smtClean="0">
+            <a:endParaRPr lang="ko-KR" altLang="en-US" sz="3800" kern="0" dirty="0">
               <a:solidFill>
                 <a:srgbClr val="0070C0"/>
               </a:solidFill>
@@ -15489,13 +15261,6 @@
   <p:clrMapOvr>
     <a:masterClrMapping/>
   </p:clrMapOvr>
-  <p:timing>
-    <p:tnLst>
-      <p:par>
-        <p:cTn id="1" dur="indefinite" restart="never" nodeType="tmRoot"/>
-      </p:par>
-    </p:tnLst>
-  </p:timing>
 </p:sld>
 </file>
 
@@ -15568,24 +15333,17 @@
                 <a:latin typeface="나눔고딕 ExtraBold" panose="020D0904000000000000" pitchFamily="50" charset="-127"/>
                 <a:ea typeface="나눔고딕 ExtraBold" panose="020D0904000000000000" pitchFamily="50" charset="-127"/>
               </a:rPr>
-              <a:t>2</a:t>
-            </a:r>
-            <a:r>
-              <a:rPr lang="en-US" altLang="ko-KR" sz="2800" dirty="0" smtClean="0">
+              <a:t>2. </a:t>
+            </a:r>
+            <a:r>
+              <a:rPr lang="ko-KR" altLang="en-US" sz="2800" dirty="0" err="1">
                 <a:latin typeface="나눔고딕 ExtraBold" panose="020D0904000000000000" pitchFamily="50" charset="-127"/>
                 <a:ea typeface="나눔고딕 ExtraBold" panose="020D0904000000000000" pitchFamily="50" charset="-127"/>
               </a:rPr>
-              <a:t>. </a:t>
-            </a:r>
-            <a:r>
-              <a:rPr lang="ko-KR" altLang="en-US" sz="2800" dirty="0" err="1" smtClean="0">
-                <a:latin typeface="나눔고딕 ExtraBold" panose="020D0904000000000000" pitchFamily="50" charset="-127"/>
-                <a:ea typeface="나눔고딕 ExtraBold" panose="020D0904000000000000" pitchFamily="50" charset="-127"/>
-              </a:rPr>
               <a:t>딥러닝</a:t>
             </a:r>
             <a:r>
-              <a:rPr lang="ko-KR" altLang="en-US" sz="2800" dirty="0" smtClean="0">
+              <a:rPr lang="ko-KR" altLang="en-US" sz="2800" dirty="0">
                 <a:latin typeface="나눔고딕 ExtraBold" panose="020D0904000000000000" pitchFamily="50" charset="-127"/>
                 <a:ea typeface="나눔고딕 ExtraBold" panose="020D0904000000000000" pitchFamily="50" charset="-127"/>
               </a:rPr>
@@ -15884,7 +15642,7 @@
               <a:defRPr/>
             </a:pPr>
             <a:r>
-              <a:rPr lang="en-US" sz="2000" b="1" dirty="0" smtClean="0">
+              <a:rPr lang="en-US" sz="2000" b="1" dirty="0">
                 <a:gradFill>
                   <a:gsLst>
                     <a:gs pos="0">
@@ -16209,7 +15967,7 @@
               <a:defRPr/>
             </a:pPr>
             <a:r>
-              <a:rPr lang="en-US" altLang="ko-KR" sz="1400" dirty="0" smtClean="0">
+              <a:rPr lang="en-US" altLang="ko-KR" sz="1400" dirty="0">
                 <a:solidFill>
                   <a:schemeClr val="tx1"/>
                 </a:solidFill>
@@ -16219,7 +15977,7 @@
               <a:t>SINGA</a:t>
             </a:r>
             <a:r>
-              <a:rPr lang="ko-KR" altLang="en-US" sz="1400" dirty="0" smtClean="0">
+              <a:rPr lang="ko-KR" altLang="en-US" sz="1400" dirty="0">
                 <a:solidFill>
                   <a:schemeClr val="tx1"/>
                 </a:solidFill>
@@ -16229,7 +15987,7 @@
               <a:t>는 분산 </a:t>
             </a:r>
             <a:r>
-              <a:rPr lang="ko-KR" altLang="en-US" sz="1400" dirty="0" err="1" smtClean="0">
+              <a:rPr lang="ko-KR" altLang="en-US" sz="1400" dirty="0" err="1">
                 <a:solidFill>
                   <a:schemeClr val="tx1"/>
                 </a:solidFill>
@@ -16239,7 +15997,7 @@
               <a:t>딥러닝</a:t>
             </a:r>
             <a:r>
-              <a:rPr lang="ko-KR" altLang="en-US" sz="1400" dirty="0" smtClean="0">
+              <a:rPr lang="ko-KR" altLang="en-US" sz="1400" dirty="0">
                 <a:solidFill>
                   <a:schemeClr val="tx1"/>
                 </a:solidFill>
@@ -16249,7 +16007,7 @@
               <a:t> 플랫폼의 이용성</a:t>
             </a:r>
             <a:r>
-              <a:rPr lang="en-US" altLang="ko-KR" sz="1400" dirty="0" smtClean="0">
+              <a:rPr lang="en-US" altLang="ko-KR" sz="1400" dirty="0">
                 <a:solidFill>
                   <a:schemeClr val="tx1"/>
                 </a:solidFill>
@@ -16259,7 +16017,7 @@
               <a:t>(Usability)</a:t>
             </a:r>
             <a:r>
-              <a:rPr lang="ko-KR" altLang="en-US" sz="1400" dirty="0" smtClean="0">
+              <a:rPr lang="ko-KR" altLang="en-US" sz="1400" dirty="0">
                 <a:solidFill>
                   <a:schemeClr val="tx1"/>
                 </a:solidFill>
@@ -16269,7 +16027,7 @@
               <a:t>과 확장성</a:t>
             </a:r>
             <a:r>
-              <a:rPr lang="en-US" altLang="ko-KR" sz="1400" dirty="0" smtClean="0">
+              <a:rPr lang="en-US" altLang="ko-KR" sz="1400" dirty="0">
                 <a:solidFill>
                   <a:schemeClr val="tx1"/>
                 </a:solidFill>
@@ -16279,7 +16037,7 @@
               <a:t>(Scalability) </a:t>
             </a:r>
             <a:r>
-              <a:rPr lang="ko-KR" altLang="en-US" sz="1400" dirty="0" smtClean="0">
+              <a:rPr lang="ko-KR" altLang="en-US" sz="1400" dirty="0">
                 <a:solidFill>
                   <a:schemeClr val="tx1"/>
                 </a:solidFill>
@@ -16289,7 +16047,7 @@
               <a:t>향상을 목표로 개발된 분산 </a:t>
             </a:r>
             <a:r>
-              <a:rPr lang="ko-KR" altLang="en-US" sz="1400" dirty="0" err="1" smtClean="0">
+              <a:rPr lang="ko-KR" altLang="en-US" sz="1400" dirty="0" err="1">
                 <a:solidFill>
                   <a:schemeClr val="tx1"/>
                 </a:solidFill>
@@ -16299,7 +16057,7 @@
               <a:t>딥러닝</a:t>
             </a:r>
             <a:r>
-              <a:rPr lang="ko-KR" altLang="en-US" sz="1400" dirty="0" smtClean="0">
+              <a:rPr lang="ko-KR" altLang="en-US" sz="1400" dirty="0">
                 <a:solidFill>
                   <a:schemeClr val="tx1"/>
                 </a:solidFill>
@@ -16307,61 +16065,6 @@
                 <a:ea typeface="나눔고딕" panose="020D0604000000000000" pitchFamily="50" charset="-127"/>
               </a:rPr>
               <a:t> 플랫폼</a:t>
-            </a:r>
-            <a:endParaRPr lang="en-US" altLang="ko-KR" sz="1400" dirty="0" smtClean="0">
-              <a:solidFill>
-                <a:schemeClr val="tx1"/>
-              </a:solidFill>
-              <a:latin typeface="나눔고딕" panose="020D0604000000000000" pitchFamily="50" charset="-127"/>
-              <a:ea typeface="나눔고딕" panose="020D0604000000000000" pitchFamily="50" charset="-127"/>
-            </a:endParaRPr>
-          </a:p>
-          <a:p>
-            <a:pPr lvl="2" algn="l">
-              <a:lnSpc>
-                <a:spcPct val="150000"/>
-              </a:lnSpc>
-              <a:defRPr/>
-            </a:pPr>
-            <a:r>
-              <a:rPr lang="en-US" altLang="ko-KR" sz="1400" dirty="0" smtClean="0">
-                <a:solidFill>
-                  <a:schemeClr val="tx1"/>
-                </a:solidFill>
-                <a:latin typeface="나눔고딕" panose="020D0604000000000000" pitchFamily="50" charset="-127"/>
-                <a:ea typeface="나눔고딕" panose="020D0604000000000000" pitchFamily="50" charset="-127"/>
-              </a:rPr>
-              <a:t>   - </a:t>
-            </a:r>
-            <a:r>
-              <a:rPr lang="ko-KR" altLang="en-US" sz="1400" dirty="0" smtClean="0">
-                <a:solidFill>
-                  <a:schemeClr val="tx1"/>
-                </a:solidFill>
-                <a:latin typeface="나눔고딕" panose="020D0604000000000000" pitchFamily="50" charset="-127"/>
-                <a:ea typeface="나눔고딕" panose="020D0604000000000000" pitchFamily="50" charset="-127"/>
-              </a:rPr>
-              <a:t>이용성은 </a:t>
-            </a:r>
-            <a:r>
-              <a:rPr lang="ko-KR" altLang="en-US" sz="1400" dirty="0" err="1" smtClean="0">
-                <a:solidFill>
-                  <a:schemeClr val="tx1"/>
-                </a:solidFill>
-                <a:latin typeface="나눔고딕" panose="020D0604000000000000" pitchFamily="50" charset="-127"/>
-                <a:ea typeface="나눔고딕" panose="020D0604000000000000" pitchFamily="50" charset="-127"/>
-              </a:rPr>
-              <a:t>딥러닝</a:t>
-            </a:r>
-            <a:r>
-              <a:rPr lang="ko-KR" altLang="en-US" sz="1400" dirty="0" smtClean="0">
-                <a:solidFill>
-                  <a:schemeClr val="tx1"/>
-                </a:solidFill>
-                <a:latin typeface="나눔고딕" panose="020D0604000000000000" pitchFamily="50" charset="-127"/>
-                <a:ea typeface="나눔고딕" panose="020D0604000000000000" pitchFamily="50" charset="-127"/>
-              </a:rPr>
-              <a:t> 모델의 구조 및 훈련 알고리즘의 추상화를 통해서 달성</a:t>
             </a:r>
             <a:endParaRPr lang="en-US" altLang="ko-KR" sz="1400" dirty="0">
               <a:solidFill>
@@ -16379,7 +16082,7 @@
               <a:defRPr/>
             </a:pPr>
             <a:r>
-              <a:rPr lang="en-US" altLang="ko-KR" sz="1400" dirty="0" smtClean="0">
+              <a:rPr lang="en-US" altLang="ko-KR" sz="1400" dirty="0">
                 <a:solidFill>
                   <a:schemeClr val="tx1"/>
                 </a:solidFill>
@@ -16389,14 +16092,24 @@
               <a:t>   - </a:t>
             </a:r>
             <a:r>
-              <a:rPr lang="ko-KR" altLang="en-US" sz="1400" dirty="0" smtClean="0">
+              <a:rPr lang="ko-KR" altLang="en-US" sz="1400" dirty="0">
                 <a:solidFill>
                   <a:schemeClr val="tx1"/>
                 </a:solidFill>
                 <a:latin typeface="나눔고딕" panose="020D0604000000000000" pitchFamily="50" charset="-127"/>
                 <a:ea typeface="나눔고딕" panose="020D0604000000000000" pitchFamily="50" charset="-127"/>
               </a:rPr>
-              <a:t>확장성은 </a:t>
+              <a:t>이용성은 </a:t>
+            </a:r>
+            <a:r>
+              <a:rPr lang="ko-KR" altLang="en-US" sz="1400" dirty="0" err="1">
+                <a:solidFill>
+                  <a:schemeClr val="tx1"/>
+                </a:solidFill>
+                <a:latin typeface="나눔고딕" panose="020D0604000000000000" pitchFamily="50" charset="-127"/>
+                <a:ea typeface="나눔고딕" panose="020D0604000000000000" pitchFamily="50" charset="-127"/>
+              </a:rPr>
+              <a:t>딥러닝</a:t>
             </a:r>
             <a:r>
               <a:rPr lang="ko-KR" altLang="en-US" sz="1400" dirty="0">
@@ -16406,45 +16119,63 @@
                 <a:latin typeface="나눔고딕" panose="020D0604000000000000" pitchFamily="50" charset="-127"/>
                 <a:ea typeface="나눔고딕" panose="020D0604000000000000" pitchFamily="50" charset="-127"/>
               </a:rPr>
-              <a:t>워커와 워커 그룹을 이용한 </a:t>
-            </a:r>
-            <a:r>
-              <a:rPr lang="ko-KR" altLang="en-US" sz="1400" dirty="0" err="1">
-                <a:solidFill>
-                  <a:schemeClr val="tx1"/>
-                </a:solidFill>
-                <a:latin typeface="나눔고딕" panose="020D0604000000000000" pitchFamily="50" charset="-127"/>
-                <a:ea typeface="나눔고딕" panose="020D0604000000000000" pitchFamily="50" charset="-127"/>
-              </a:rPr>
-              <a:t>하이브리드</a:t>
-            </a:r>
-            <a:r>
-              <a:rPr lang="ko-KR" altLang="en-US" sz="1400" dirty="0">
-                <a:solidFill>
-                  <a:schemeClr val="tx1"/>
-                </a:solidFill>
-                <a:latin typeface="나눔고딕" panose="020D0604000000000000" pitchFamily="50" charset="-127"/>
-                <a:ea typeface="나눔고딕" panose="020D0604000000000000" pitchFamily="50" charset="-127"/>
-              </a:rPr>
-              <a:t> 아키텍처 디자인을 통해 </a:t>
-            </a:r>
-            <a:r>
-              <a:rPr lang="ko-KR" altLang="en-US" sz="1400" dirty="0" smtClean="0">
-                <a:solidFill>
-                  <a:schemeClr val="tx1"/>
-                </a:solidFill>
-                <a:latin typeface="나눔고딕" panose="020D0604000000000000" pitchFamily="50" charset="-127"/>
-                <a:ea typeface="나눔고딕" panose="020D0604000000000000" pitchFamily="50" charset="-127"/>
-              </a:rPr>
-              <a:t>달성</a:t>
-            </a:r>
-            <a:endParaRPr lang="ko-KR" altLang="en-US" sz="1400" dirty="0">
+              <a:t> 모델의 구조 및 훈련 알고리즘의 추상화를 통해서 달성</a:t>
+            </a:r>
+            <a:endParaRPr lang="en-US" altLang="ko-KR" sz="1400" dirty="0">
               <a:solidFill>
                 <a:schemeClr val="tx1"/>
               </a:solidFill>
               <a:latin typeface="나눔고딕" panose="020D0604000000000000" pitchFamily="50" charset="-127"/>
               <a:ea typeface="나눔고딕" panose="020D0604000000000000" pitchFamily="50" charset="-127"/>
             </a:endParaRPr>
+          </a:p>
+          <a:p>
+            <a:pPr lvl="2" algn="l">
+              <a:lnSpc>
+                <a:spcPct val="150000"/>
+              </a:lnSpc>
+              <a:defRPr/>
+            </a:pPr>
+            <a:r>
+              <a:rPr lang="en-US" altLang="ko-KR" sz="1400" dirty="0">
+                <a:solidFill>
+                  <a:schemeClr val="tx1"/>
+                </a:solidFill>
+                <a:latin typeface="나눔고딕" panose="020D0604000000000000" pitchFamily="50" charset="-127"/>
+                <a:ea typeface="나눔고딕" panose="020D0604000000000000" pitchFamily="50" charset="-127"/>
+              </a:rPr>
+              <a:t>   - </a:t>
+            </a:r>
+            <a:r>
+              <a:rPr lang="ko-KR" altLang="en-US" sz="1400" dirty="0">
+                <a:solidFill>
+                  <a:schemeClr val="tx1"/>
+                </a:solidFill>
+                <a:latin typeface="나눔고딕" panose="020D0604000000000000" pitchFamily="50" charset="-127"/>
+                <a:ea typeface="나눔고딕" panose="020D0604000000000000" pitchFamily="50" charset="-127"/>
+              </a:rPr>
+              <a:t>확장성은 워커와 워커 그룹을 이용한 </a:t>
+            </a:r>
+            <a:r>
+              <a:rPr lang="ko-KR" altLang="en-US" sz="1400" dirty="0" err="1">
+                <a:solidFill>
+                  <a:schemeClr val="tx1"/>
+                </a:solidFill>
+                <a:latin typeface="나눔고딕" panose="020D0604000000000000" pitchFamily="50" charset="-127"/>
+                <a:ea typeface="나눔고딕" panose="020D0604000000000000" pitchFamily="50" charset="-127"/>
+              </a:rPr>
+              <a:t>하이브리드</a:t>
+            </a:r>
+            <a:r>
+              <a:rPr lang="ko-KR" altLang="en-US" sz="1400" dirty="0">
+                <a:solidFill>
+                  <a:schemeClr val="tx1"/>
+                </a:solidFill>
+                <a:latin typeface="나눔고딕" panose="020D0604000000000000" pitchFamily="50" charset="-127"/>
+                <a:ea typeface="나눔고딕" panose="020D0604000000000000" pitchFamily="50" charset="-127"/>
+              </a:rPr>
+              <a:t> 아키텍처 디자인을 통해 달성</a:t>
+            </a:r>
           </a:p>
         </p:txBody>
       </p:sp>
@@ -16762,7 +16493,7 @@
               <a:defRPr/>
             </a:pPr>
             <a:r>
-              <a:rPr lang="ko-KR" altLang="en-US" sz="1400" dirty="0" smtClean="0">
+              <a:rPr lang="ko-KR" altLang="en-US" sz="1400" dirty="0">
                 <a:solidFill>
                   <a:schemeClr val="tx1"/>
                 </a:solidFill>
@@ -16771,7 +16502,7 @@
               </a:rPr>
               <a:t>상호 통신</a:t>
             </a:r>
-            <a:endParaRPr lang="en-US" altLang="ko-KR" sz="1400" dirty="0" smtClean="0">
+            <a:endParaRPr lang="en-US" altLang="ko-KR" sz="1400" dirty="0">
               <a:solidFill>
                 <a:schemeClr val="tx1"/>
               </a:solidFill>
@@ -16789,7 +16520,7 @@
               <a:defRPr/>
             </a:pPr>
             <a:r>
-              <a:rPr lang="ko-KR" altLang="en-US" sz="1400" dirty="0" smtClean="0">
+              <a:rPr lang="ko-KR" altLang="en-US" sz="1400" dirty="0">
                 <a:solidFill>
                   <a:schemeClr val="tx1"/>
                 </a:solidFill>
@@ -16799,7 +16530,7 @@
               <a:t>워커 </a:t>
             </a:r>
             <a:r>
-              <a:rPr lang="ko-KR" altLang="en-US" sz="1400" dirty="0" err="1" smtClean="0">
+              <a:rPr lang="ko-KR" altLang="en-US" sz="1400" dirty="0" err="1">
                 <a:solidFill>
                   <a:schemeClr val="tx1"/>
                 </a:solidFill>
@@ -16809,7 +16540,7 @@
               <a:t>그룹간에는</a:t>
             </a:r>
             <a:r>
-              <a:rPr lang="ko-KR" altLang="en-US" sz="1400" dirty="0" smtClean="0">
+              <a:rPr lang="ko-KR" altLang="en-US" sz="1400" dirty="0">
                 <a:solidFill>
                   <a:schemeClr val="tx1"/>
                 </a:solidFill>
@@ -16818,7 +16549,7 @@
               </a:rPr>
               <a:t> 비동기적으로 동작</a:t>
             </a:r>
-            <a:endParaRPr lang="en-US" altLang="ko-KR" sz="1400" dirty="0" smtClean="0">
+            <a:endParaRPr lang="en-US" altLang="ko-KR" sz="1400" dirty="0">
               <a:solidFill>
                 <a:schemeClr val="tx1"/>
               </a:solidFill>
@@ -16836,7 +16567,7 @@
               <a:defRPr/>
             </a:pPr>
             <a:r>
-              <a:rPr lang="ko-KR" altLang="en-US" sz="1400" dirty="0" smtClean="0">
+              <a:rPr lang="ko-KR" altLang="en-US" sz="1400" dirty="0">
                 <a:solidFill>
                   <a:schemeClr val="tx1"/>
                 </a:solidFill>
@@ -16845,7 +16576,7 @@
               </a:rPr>
               <a:t>워커 그룹 내의 워커들은 동기적으로 동작</a:t>
             </a:r>
-            <a:endParaRPr lang="en-US" altLang="ko-KR" sz="1400" dirty="0" smtClean="0">
+            <a:endParaRPr lang="en-US" altLang="ko-KR" sz="1400" dirty="0">
               <a:solidFill>
                 <a:schemeClr val="tx1"/>
               </a:solidFill>
@@ -16863,7 +16594,7 @@
               <a:defRPr/>
             </a:pPr>
             <a:r>
-              <a:rPr lang="ko-KR" altLang="en-US" sz="1400" dirty="0" smtClean="0">
+              <a:rPr lang="ko-KR" altLang="en-US" sz="1400" dirty="0">
                 <a:solidFill>
                   <a:schemeClr val="tx1"/>
                 </a:solidFill>
@@ -16873,7 +16604,7 @@
               <a:t>서버를 두어 워커 간의 </a:t>
             </a:r>
             <a:r>
-              <a:rPr lang="ko-KR" altLang="en-US" sz="1400" dirty="0" err="1" smtClean="0">
+              <a:rPr lang="ko-KR" altLang="en-US" sz="1400" dirty="0" err="1">
                 <a:solidFill>
                   <a:schemeClr val="tx1"/>
                 </a:solidFill>
@@ -16883,7 +16614,7 @@
               <a:t>파라미터</a:t>
             </a:r>
             <a:r>
-              <a:rPr lang="ko-KR" altLang="en-US" sz="1400" dirty="0" smtClean="0">
+              <a:rPr lang="ko-KR" altLang="en-US" sz="1400" dirty="0">
                 <a:solidFill>
                   <a:schemeClr val="tx1"/>
                 </a:solidFill>
@@ -17192,7 +16923,7 @@
               <a:defRPr/>
             </a:pPr>
             <a:r>
-              <a:rPr lang="ko-KR" altLang="en-US" sz="1400" dirty="0" err="1" smtClean="0">
+              <a:rPr lang="ko-KR" altLang="en-US" sz="1400" dirty="0" err="1">
                 <a:solidFill>
                   <a:schemeClr val="tx1"/>
                 </a:solidFill>
@@ -17202,7 +16933,7 @@
               <a:t>딥러닝</a:t>
             </a:r>
             <a:r>
-              <a:rPr lang="ko-KR" altLang="en-US" sz="1400" dirty="0" smtClean="0">
+              <a:rPr lang="ko-KR" altLang="en-US" sz="1400" dirty="0">
                 <a:solidFill>
                   <a:schemeClr val="tx1"/>
                 </a:solidFill>
@@ -17211,7 +16942,7 @@
               </a:rPr>
               <a:t> 모델 분할 방법</a:t>
             </a:r>
-            <a:endParaRPr lang="en-US" altLang="ko-KR" sz="1400" dirty="0" smtClean="0">
+            <a:endParaRPr lang="en-US" altLang="ko-KR" sz="1400" dirty="0">
               <a:solidFill>
                 <a:schemeClr val="tx1"/>
               </a:solidFill>
@@ -17229,7 +16960,7 @@
               <a:defRPr/>
             </a:pPr>
             <a:r>
-              <a:rPr lang="ko-KR" altLang="en-US" sz="1400" dirty="0" err="1" smtClean="0">
+              <a:rPr lang="ko-KR" altLang="en-US" sz="1400" dirty="0" err="1">
                 <a:solidFill>
                   <a:schemeClr val="tx1"/>
                 </a:solidFill>
@@ -17239,7 +16970,7 @@
               <a:t>레이어간</a:t>
             </a:r>
             <a:r>
-              <a:rPr lang="ko-KR" altLang="en-US" sz="1400" dirty="0" smtClean="0">
+              <a:rPr lang="ko-KR" altLang="en-US" sz="1400" dirty="0">
                 <a:solidFill>
                   <a:schemeClr val="tx1"/>
                 </a:solidFill>
@@ -17249,7 +16980,7 @@
               <a:t> </a:t>
             </a:r>
             <a:r>
-              <a:rPr lang="ko-KR" altLang="en-US" sz="1400" dirty="0" err="1" smtClean="0">
+              <a:rPr lang="ko-KR" altLang="en-US" sz="1400" dirty="0" err="1">
                 <a:solidFill>
                   <a:schemeClr val="tx1"/>
                 </a:solidFill>
@@ -17258,7 +16989,7 @@
               </a:rPr>
               <a:t>파티셔닝</a:t>
             </a:r>
-            <a:endParaRPr lang="en-US" altLang="ko-KR" sz="1400" dirty="0" smtClean="0">
+            <a:endParaRPr lang="en-US" altLang="ko-KR" sz="1400" dirty="0">
               <a:solidFill>
                 <a:schemeClr val="tx1"/>
               </a:solidFill>
@@ -17276,7 +17007,7 @@
               <a:defRPr/>
             </a:pPr>
             <a:r>
-              <a:rPr lang="ko-KR" altLang="en-US" sz="1400" dirty="0" smtClean="0">
+              <a:rPr lang="ko-KR" altLang="en-US" sz="1400" dirty="0">
                 <a:solidFill>
                   <a:schemeClr val="tx1"/>
                 </a:solidFill>
@@ -17286,7 +17017,7 @@
               <a:t>싱글 레이어 </a:t>
             </a:r>
             <a:r>
-              <a:rPr lang="ko-KR" altLang="en-US" sz="1400" dirty="0" err="1" smtClean="0">
+              <a:rPr lang="ko-KR" altLang="en-US" sz="1400" dirty="0" err="1">
                 <a:solidFill>
                   <a:schemeClr val="tx1"/>
                 </a:solidFill>
@@ -17295,7 +17026,7 @@
               </a:rPr>
               <a:t>파티셔닝</a:t>
             </a:r>
-            <a:endParaRPr lang="en-US" altLang="ko-KR" sz="1400" dirty="0" smtClean="0">
+            <a:endParaRPr lang="en-US" altLang="ko-KR" sz="1400" dirty="0">
               <a:solidFill>
                 <a:schemeClr val="tx1"/>
               </a:solidFill>
@@ -17313,7 +17044,7 @@
               <a:defRPr/>
             </a:pPr>
             <a:r>
-              <a:rPr lang="ko-KR" altLang="en-US" sz="1400" dirty="0" err="1" smtClean="0">
+              <a:rPr lang="ko-KR" altLang="en-US" sz="1400" dirty="0" err="1">
                 <a:solidFill>
                   <a:schemeClr val="tx1"/>
                 </a:solidFill>
@@ -17323,7 +17054,7 @@
               <a:t>하이브리드</a:t>
             </a:r>
             <a:r>
-              <a:rPr lang="ko-KR" altLang="en-US" sz="1400" dirty="0" smtClean="0">
+              <a:rPr lang="ko-KR" altLang="en-US" sz="1400" dirty="0">
                 <a:solidFill>
                   <a:schemeClr val="tx1"/>
                 </a:solidFill>
@@ -17333,7 +17064,7 @@
               <a:t> </a:t>
             </a:r>
             <a:r>
-              <a:rPr lang="ko-KR" altLang="en-US" sz="1400" dirty="0" err="1" smtClean="0">
+              <a:rPr lang="ko-KR" altLang="en-US" sz="1400" dirty="0" err="1">
                 <a:solidFill>
                   <a:schemeClr val="tx1"/>
                 </a:solidFill>
@@ -17342,7 +17073,7 @@
               </a:rPr>
               <a:t>파티셔닝</a:t>
             </a:r>
-            <a:endParaRPr lang="en-US" altLang="ko-KR" sz="1400" dirty="0" smtClean="0">
+            <a:endParaRPr lang="en-US" altLang="ko-KR" sz="1400" dirty="0">
               <a:solidFill>
                 <a:schemeClr val="tx1"/>
               </a:solidFill>
@@ -17362,13 +17093,6 @@
   <p:clrMapOvr>
     <a:masterClrMapping/>
   </p:clrMapOvr>
-  <p:timing>
-    <p:tnLst>
-      <p:par>
-        <p:cTn id="1" dur="indefinite" restart="never" nodeType="tmRoot"/>
-      </p:par>
-    </p:tnLst>
-  </p:timing>
 </p:sld>
 </file>
 
@@ -17437,21 +17161,21 @@
               <a:buNone/>
             </a:pPr>
             <a:r>
-              <a:rPr lang="en-US" altLang="ko-KR" sz="2800" dirty="0" smtClean="0">
+              <a:rPr lang="en-US" altLang="ko-KR" sz="2800" dirty="0">
                 <a:latin typeface="나눔고딕 ExtraBold" panose="020D0904000000000000" pitchFamily="50" charset="-127"/>
                 <a:ea typeface="나눔고딕 ExtraBold" panose="020D0904000000000000" pitchFamily="50" charset="-127"/>
               </a:rPr>
               <a:t>1. </a:t>
             </a:r>
             <a:r>
-              <a:rPr lang="ko-KR" altLang="en-US" sz="2800" dirty="0" err="1" smtClean="0">
+              <a:rPr lang="ko-KR" altLang="en-US" sz="2800" dirty="0" err="1">
                 <a:latin typeface="나눔고딕 ExtraBold" panose="020D0904000000000000" pitchFamily="50" charset="-127"/>
                 <a:ea typeface="나눔고딕 ExtraBold" panose="020D0904000000000000" pitchFamily="50" charset="-127"/>
               </a:rPr>
               <a:t>딥러닝</a:t>
             </a:r>
             <a:r>
-              <a:rPr lang="ko-KR" altLang="en-US" sz="2800" dirty="0" smtClean="0">
+              <a:rPr lang="ko-KR" altLang="en-US" sz="2800" dirty="0">
                 <a:latin typeface="나눔고딕 ExtraBold" panose="020D0904000000000000" pitchFamily="50" charset="-127"/>
                 <a:ea typeface="나눔고딕 ExtraBold" panose="020D0904000000000000" pitchFamily="50" charset="-127"/>
               </a:rPr>
@@ -17750,7 +17474,7 @@
               <a:defRPr/>
             </a:pPr>
             <a:r>
-              <a:rPr lang="en-US" sz="2000" b="1" dirty="0" err="1" smtClean="0">
+              <a:rPr lang="en-US" sz="2000" b="1" dirty="0" err="1">
                 <a:gradFill>
                   <a:gsLst>
                     <a:gs pos="0">
@@ -18075,7 +17799,7 @@
               <a:defRPr/>
             </a:pPr>
             <a:r>
-              <a:rPr lang="ko-KR" altLang="en-US" sz="1400" dirty="0" smtClean="0">
+              <a:rPr lang="ko-KR" altLang="en-US" sz="1400" dirty="0">
                 <a:solidFill>
                   <a:schemeClr val="tx1"/>
                 </a:solidFill>
@@ -18085,7 +17809,7 @@
               <a:t>효율성과 유연성을 목표로 하여 설계한 </a:t>
             </a:r>
             <a:r>
-              <a:rPr lang="ko-KR" altLang="en-US" sz="1400" dirty="0" err="1" smtClean="0">
+              <a:rPr lang="ko-KR" altLang="en-US" sz="1400" dirty="0" err="1">
                 <a:solidFill>
                   <a:schemeClr val="tx1"/>
                 </a:solidFill>
@@ -18095,7 +17819,7 @@
               <a:t>딥러닝</a:t>
             </a:r>
             <a:r>
-              <a:rPr lang="ko-KR" altLang="en-US" sz="1400" dirty="0" smtClean="0">
+              <a:rPr lang="ko-KR" altLang="en-US" sz="1400" dirty="0">
                 <a:solidFill>
                   <a:schemeClr val="tx1"/>
                 </a:solidFill>
@@ -18104,13 +17828,6 @@
               </a:rPr>
               <a:t> 프레임워크</a:t>
             </a:r>
-            <a:endParaRPr lang="ko-KR" altLang="en-US" sz="1400" dirty="0">
-              <a:solidFill>
-                <a:schemeClr val="tx1"/>
-              </a:solidFill>
-              <a:latin typeface="나눔고딕" panose="020D0604000000000000" pitchFamily="50" charset="-127"/>
-              <a:ea typeface="나눔고딕" panose="020D0604000000000000" pitchFamily="50" charset="-127"/>
-            </a:endParaRPr>
           </a:p>
         </p:txBody>
       </p:sp>
@@ -18404,7 +18121,7 @@
               <a:defRPr/>
             </a:pPr>
             <a:r>
-              <a:rPr lang="ko-KR" altLang="en-US" sz="1400" dirty="0" err="1" smtClean="0">
+              <a:rPr lang="ko-KR" altLang="en-US" sz="1400" dirty="0" err="1">
                 <a:solidFill>
                   <a:schemeClr val="tx1"/>
                 </a:solidFill>
@@ -18414,7 +18131,7 @@
               <a:t>딥러닝을</a:t>
             </a:r>
             <a:r>
-              <a:rPr lang="ko-KR" altLang="en-US" sz="1400" dirty="0" smtClean="0">
+              <a:rPr lang="ko-KR" altLang="en-US" sz="1400" dirty="0">
                 <a:solidFill>
                   <a:schemeClr val="tx1"/>
                 </a:solidFill>
@@ -18423,7 +18140,7 @@
               </a:rPr>
               <a:t> 포함 기계 학습 알고리즘을 쉽게 개발할 수 있도록 하는 다중 언어를 지원</a:t>
             </a:r>
-            <a:endParaRPr lang="en-US" altLang="ko-KR" sz="1400" dirty="0" smtClean="0">
+            <a:endParaRPr lang="en-US" altLang="ko-KR" sz="1400" dirty="0">
               <a:solidFill>
                 <a:schemeClr val="tx1"/>
               </a:solidFill>
@@ -18439,7 +18156,7 @@
               <a:defRPr/>
             </a:pPr>
             <a:r>
-              <a:rPr lang="ko-KR" altLang="en-US" sz="1400" dirty="0" smtClean="0">
+              <a:rPr lang="ko-KR" altLang="en-US" sz="1400" dirty="0">
                 <a:solidFill>
                   <a:schemeClr val="tx1"/>
                 </a:solidFill>
@@ -18449,7 +18166,7 @@
               <a:t>모바일 장치로부터 </a:t>
             </a:r>
             <a:r>
-              <a:rPr lang="en-US" altLang="ko-KR" sz="1400" dirty="0" smtClean="0">
+              <a:rPr lang="en-US" altLang="ko-KR" sz="1400" dirty="0">
                 <a:solidFill>
                   <a:schemeClr val="tx1"/>
                 </a:solidFill>
@@ -18459,7 +18176,7 @@
               <a:t>GPGPU </a:t>
             </a:r>
             <a:r>
-              <a:rPr lang="ko-KR" altLang="en-US" sz="1400" dirty="0" smtClean="0">
+              <a:rPr lang="ko-KR" altLang="en-US" sz="1400" dirty="0">
                 <a:solidFill>
                   <a:schemeClr val="tx1"/>
                 </a:solidFill>
@@ -18468,13 +18185,6 @@
               </a:rPr>
               <a:t>클러스터까지 다양한 이종 시스템상에서 실행 가능</a:t>
             </a:r>
-            <a:endParaRPr lang="ko-KR" altLang="en-US" sz="1400" dirty="0">
-              <a:solidFill>
-                <a:schemeClr val="tx1"/>
-              </a:solidFill>
-              <a:latin typeface="나눔고딕" panose="020D0604000000000000" pitchFamily="50" charset="-127"/>
-              <a:ea typeface="나눔고딕" panose="020D0604000000000000" pitchFamily="50" charset="-127"/>
-            </a:endParaRPr>
           </a:p>
         </p:txBody>
       </p:sp>
@@ -18794,7 +18504,7 @@
               <a:defRPr/>
             </a:pPr>
             <a:r>
-              <a:rPr lang="ko-KR" altLang="en-US" sz="1400" dirty="0" smtClean="0">
+              <a:rPr lang="ko-KR" altLang="en-US" sz="1400" dirty="0">
                 <a:solidFill>
                   <a:schemeClr val="tx1"/>
                 </a:solidFill>
@@ -18803,7 +18513,7 @@
               </a:rPr>
               <a:t>두 가지를 혼합하는 형태를 택함</a:t>
             </a:r>
-            <a:endParaRPr lang="en-US" altLang="ko-KR" sz="1400" dirty="0" smtClean="0">
+            <a:endParaRPr lang="en-US" altLang="ko-KR" sz="1400" dirty="0">
               <a:solidFill>
                 <a:schemeClr val="tx1"/>
               </a:solidFill>
@@ -18819,7 +18529,7 @@
               <a:defRPr/>
             </a:pPr>
             <a:r>
-              <a:rPr lang="en-US" altLang="ko-KR" sz="1400" dirty="0" smtClean="0">
+              <a:rPr lang="en-US" altLang="ko-KR" sz="1400" dirty="0">
                 <a:solidFill>
                   <a:schemeClr val="tx1"/>
                 </a:solidFill>
@@ -18829,7 +18539,7 @@
               <a:t>   - </a:t>
             </a:r>
             <a:r>
-              <a:rPr lang="ko-KR" altLang="en-US" sz="1400" dirty="0" smtClean="0">
+              <a:rPr lang="ko-KR" altLang="en-US" sz="1400" dirty="0">
                 <a:solidFill>
                   <a:schemeClr val="tx1"/>
                 </a:solidFill>
@@ -18839,7 +18549,7 @@
               <a:t>선언적 </a:t>
             </a:r>
             <a:r>
-              <a:rPr lang="en-US" altLang="ko-KR" sz="1400" dirty="0" smtClean="0">
+              <a:rPr lang="en-US" altLang="ko-KR" sz="1400" dirty="0">
                 <a:solidFill>
                   <a:schemeClr val="tx1"/>
                 </a:solidFill>
@@ -18849,7 +18559,7 @@
               <a:t>:</a:t>
             </a:r>
             <a:r>
-              <a:rPr lang="ko-KR" altLang="en-US" sz="1400" dirty="0" smtClean="0">
+              <a:rPr lang="ko-KR" altLang="en-US" sz="1400" dirty="0">
                 <a:solidFill>
                   <a:schemeClr val="tx1"/>
                 </a:solidFill>
@@ -18858,7 +18568,7 @@
               </a:rPr>
               <a:t> 계산 구조를 명시하는데</a:t>
             </a:r>
-            <a:endParaRPr lang="en-US" altLang="ko-KR" sz="1400" dirty="0" smtClean="0">
+            <a:endParaRPr lang="en-US" altLang="ko-KR" sz="1400" dirty="0">
               <a:solidFill>
                 <a:schemeClr val="tx1"/>
               </a:solidFill>
@@ -18874,7 +18584,7 @@
               <a:defRPr/>
             </a:pPr>
             <a:r>
-              <a:rPr lang="ko-KR" altLang="en-US" sz="1400" dirty="0" smtClean="0">
+              <a:rPr lang="ko-KR" altLang="en-US" sz="1400" dirty="0">
                 <a:solidFill>
                   <a:schemeClr val="tx1"/>
                 </a:solidFill>
@@ -18883,7 +18593,7 @@
               </a:rPr>
               <a:t>                  유용</a:t>
             </a:r>
-            <a:endParaRPr lang="en-US" altLang="ko-KR" sz="1400" dirty="0" smtClean="0">
+            <a:endParaRPr lang="en-US" altLang="ko-KR" sz="1400" dirty="0">
               <a:solidFill>
                 <a:schemeClr val="tx1"/>
               </a:solidFill>
@@ -18899,7 +18609,7 @@
               <a:defRPr/>
             </a:pPr>
             <a:r>
-              <a:rPr lang="en-US" altLang="ko-KR" sz="1400" dirty="0" smtClean="0">
+              <a:rPr lang="en-US" altLang="ko-KR" sz="1400" dirty="0">
                 <a:solidFill>
                   <a:schemeClr val="tx1"/>
                 </a:solidFill>
@@ -18909,7 +18619,7 @@
               <a:t>   - </a:t>
             </a:r>
             <a:r>
-              <a:rPr lang="ko-KR" altLang="en-US" sz="1400" dirty="0" smtClean="0">
+              <a:rPr lang="ko-KR" altLang="en-US" sz="1400" dirty="0">
                 <a:solidFill>
                   <a:schemeClr val="tx1"/>
                 </a:solidFill>
@@ -18919,7 +18629,7 @@
               <a:t>지시적 </a:t>
             </a:r>
             <a:r>
-              <a:rPr lang="en-US" altLang="ko-KR" sz="1400" dirty="0" smtClean="0">
+              <a:rPr lang="en-US" altLang="ko-KR" sz="1400" dirty="0">
                 <a:solidFill>
                   <a:schemeClr val="tx1"/>
                 </a:solidFill>
@@ -18929,7 +18639,7 @@
               <a:t>:</a:t>
             </a:r>
             <a:r>
-              <a:rPr lang="ko-KR" altLang="en-US" sz="1400" dirty="0" smtClean="0">
+              <a:rPr lang="ko-KR" altLang="en-US" sz="1400" dirty="0">
                 <a:solidFill>
                   <a:schemeClr val="tx1"/>
                 </a:solidFill>
@@ -18939,7 +18649,7 @@
               <a:t> </a:t>
             </a:r>
             <a:r>
-              <a:rPr lang="ko-KR" altLang="en-US" sz="1400" dirty="0" err="1" smtClean="0">
+              <a:rPr lang="ko-KR" altLang="en-US" sz="1400" dirty="0" err="1">
                 <a:solidFill>
                   <a:schemeClr val="tx1"/>
                 </a:solidFill>
@@ -18949,7 +18659,7 @@
               <a:t>파라미터</a:t>
             </a:r>
             <a:r>
-              <a:rPr lang="ko-KR" altLang="en-US" sz="1400" dirty="0" smtClean="0">
+              <a:rPr lang="ko-KR" altLang="en-US" sz="1400" dirty="0">
                 <a:solidFill>
                   <a:schemeClr val="tx1"/>
                 </a:solidFill>
@@ -18958,7 +18668,7 @@
               </a:rPr>
               <a:t> 업데이트와     </a:t>
             </a:r>
-            <a:endParaRPr lang="en-US" altLang="ko-KR" sz="1400" dirty="0" smtClean="0">
+            <a:endParaRPr lang="en-US" altLang="ko-KR" sz="1400" dirty="0">
               <a:solidFill>
                 <a:schemeClr val="tx1"/>
               </a:solidFill>
@@ -18981,39 +18691,29 @@
                 <a:latin typeface="나눔고딕" panose="020D0604000000000000" pitchFamily="50" charset="-127"/>
                 <a:ea typeface="나눔고딕" panose="020D0604000000000000" pitchFamily="50" charset="-127"/>
               </a:rPr>
-              <a:t> </a:t>
-            </a:r>
-            <a:r>
-              <a:rPr lang="en-US" altLang="ko-KR" sz="1400" dirty="0" smtClean="0">
+              <a:t>                  </a:t>
+            </a:r>
+            <a:r>
+              <a:rPr lang="ko-KR" altLang="en-US" sz="1400" dirty="0" err="1">
                 <a:solidFill>
                   <a:schemeClr val="tx1"/>
                 </a:solidFill>
                 <a:latin typeface="나눔고딕" panose="020D0604000000000000" pitchFamily="50" charset="-127"/>
                 <a:ea typeface="나눔고딕" panose="020D0604000000000000" pitchFamily="50" charset="-127"/>
               </a:rPr>
-              <a:t>                 </a:t>
-            </a:r>
-            <a:r>
-              <a:rPr lang="ko-KR" altLang="en-US" sz="1400" dirty="0" err="1" smtClean="0">
+              <a:t>인터렉티브</a:t>
+            </a:r>
+            <a:r>
+              <a:rPr lang="ko-KR" altLang="en-US" sz="1400" dirty="0">
                 <a:solidFill>
                   <a:schemeClr val="tx1"/>
                 </a:solidFill>
                 <a:latin typeface="나눔고딕" panose="020D0604000000000000" pitchFamily="50" charset="-127"/>
                 <a:ea typeface="나눔고딕" panose="020D0604000000000000" pitchFamily="50" charset="-127"/>
               </a:rPr>
-              <a:t>인터렉티브</a:t>
-            </a:r>
-            <a:r>
-              <a:rPr lang="ko-KR" altLang="en-US" sz="1400" dirty="0" smtClean="0">
-                <a:solidFill>
-                  <a:schemeClr val="tx1"/>
-                </a:solidFill>
-                <a:latin typeface="나눔고딕" panose="020D0604000000000000" pitchFamily="50" charset="-127"/>
-                <a:ea typeface="나눔고딕" panose="020D0604000000000000" pitchFamily="50" charset="-127"/>
-              </a:rPr>
               <a:t> 디버깅에 유용</a:t>
             </a:r>
-            <a:endParaRPr lang="en-US" altLang="ko-KR" sz="1400" dirty="0" smtClean="0">
+            <a:endParaRPr lang="en-US" altLang="ko-KR" sz="1400" dirty="0">
               <a:solidFill>
                 <a:schemeClr val="tx1"/>
               </a:solidFill>
@@ -19031,7 +18731,7 @@
               <a:defRPr/>
             </a:pPr>
             <a:r>
-              <a:rPr lang="en-US" altLang="ko-KR" sz="1400" dirty="0" smtClean="0">
+              <a:rPr lang="en-US" altLang="ko-KR" sz="1400" dirty="0">
                 <a:solidFill>
                   <a:schemeClr val="tx1"/>
                 </a:solidFill>
@@ -19041,7 +18741,7 @@
               <a:t>Symbol : </a:t>
             </a:r>
             <a:r>
-              <a:rPr lang="ko-KR" altLang="en-US" sz="1400" dirty="0" smtClean="0">
+              <a:rPr lang="ko-KR" altLang="en-US" sz="1400" dirty="0">
                 <a:solidFill>
                   <a:schemeClr val="tx1"/>
                 </a:solidFill>
@@ -19050,7 +18750,7 @@
               </a:rPr>
               <a:t>계산 그래프를 선언</a:t>
             </a:r>
-            <a:endParaRPr lang="en-US" altLang="ko-KR" sz="1400" dirty="0" smtClean="0">
+            <a:endParaRPr lang="en-US" altLang="ko-KR" sz="1400" dirty="0">
               <a:solidFill>
                 <a:schemeClr val="tx1"/>
               </a:solidFill>
@@ -19068,7 +18768,7 @@
               <a:defRPr/>
             </a:pPr>
             <a:r>
-              <a:rPr lang="en-US" altLang="ko-KR" sz="1400" dirty="0" err="1" smtClean="0">
+              <a:rPr lang="en-US" altLang="ko-KR" sz="1400" dirty="0" err="1">
                 <a:solidFill>
                   <a:schemeClr val="tx1"/>
                 </a:solidFill>
@@ -19078,7 +18778,7 @@
               <a:t>NDArray</a:t>
             </a:r>
             <a:r>
-              <a:rPr lang="en-US" altLang="ko-KR" sz="1400" dirty="0" smtClean="0">
+              <a:rPr lang="en-US" altLang="ko-KR" sz="1400" dirty="0">
                 <a:solidFill>
                   <a:schemeClr val="tx1"/>
                 </a:solidFill>
@@ -19088,7 +18788,7 @@
               <a:t> : </a:t>
             </a:r>
             <a:r>
-              <a:rPr lang="ko-KR" altLang="en-US" sz="1400" dirty="0" smtClean="0">
+              <a:rPr lang="ko-KR" altLang="en-US" sz="1400" dirty="0">
                 <a:solidFill>
                   <a:schemeClr val="tx1"/>
                 </a:solidFill>
@@ -19097,7 +18797,7 @@
               </a:rPr>
               <a:t>지시적 연산</a:t>
             </a:r>
-            <a:endParaRPr lang="en-US" altLang="ko-KR" sz="1400" dirty="0" smtClean="0">
+            <a:endParaRPr lang="en-US" altLang="ko-KR" sz="1400" dirty="0">
               <a:solidFill>
                 <a:schemeClr val="tx1"/>
               </a:solidFill>
@@ -19115,7 +18815,7 @@
               <a:defRPr/>
             </a:pPr>
             <a:r>
-              <a:rPr lang="en-US" altLang="ko-KR" sz="1400" dirty="0" err="1" smtClean="0">
+              <a:rPr lang="en-US" altLang="ko-KR" sz="1400" dirty="0" err="1">
                 <a:solidFill>
                   <a:schemeClr val="tx1"/>
                 </a:solidFill>
@@ -19125,7 +18825,7 @@
               <a:t>KVStore</a:t>
             </a:r>
             <a:r>
-              <a:rPr lang="en-US" altLang="ko-KR" sz="1400" dirty="0" smtClean="0">
+              <a:rPr lang="en-US" altLang="ko-KR" sz="1400" dirty="0">
                 <a:solidFill>
                   <a:schemeClr val="tx1"/>
                 </a:solidFill>
@@ -19135,7 +18835,7 @@
               <a:t> : </a:t>
             </a:r>
             <a:r>
-              <a:rPr lang="ko-KR" altLang="en-US" sz="1400" dirty="0" smtClean="0">
+              <a:rPr lang="ko-KR" altLang="en-US" sz="1400" dirty="0">
                 <a:solidFill>
                   <a:schemeClr val="tx1"/>
                 </a:solidFill>
@@ -19144,7 +18844,7 @@
               </a:rPr>
               <a:t>여러 장치 데이터 </a:t>
             </a:r>
-            <a:endParaRPr lang="en-US" altLang="ko-KR" sz="1400" dirty="0" smtClean="0">
+            <a:endParaRPr lang="en-US" altLang="ko-KR" sz="1400" dirty="0">
               <a:solidFill>
                 <a:schemeClr val="tx1"/>
               </a:solidFill>
@@ -19167,49 +18867,39 @@
                 <a:latin typeface="나눔고딕" panose="020D0604000000000000" pitchFamily="50" charset="-127"/>
                 <a:ea typeface="나눔고딕" panose="020D0604000000000000" pitchFamily="50" charset="-127"/>
               </a:rPr>
+              <a:t>                      </a:t>
+            </a:r>
+            <a:r>
+              <a:rPr lang="ko-KR" altLang="en-US" sz="1400" dirty="0">
+                <a:solidFill>
+                  <a:schemeClr val="tx1"/>
+                </a:solidFill>
+                <a:latin typeface="나눔고딕" panose="020D0604000000000000" pitchFamily="50" charset="-127"/>
+                <a:ea typeface="나눔고딕" panose="020D0604000000000000" pitchFamily="50" charset="-127"/>
+              </a:rPr>
+              <a:t>동기화를 위한 </a:t>
+            </a:r>
+            <a:r>
+              <a:rPr lang="ko-KR" altLang="en-US" sz="1400" dirty="0" err="1">
+                <a:solidFill>
+                  <a:schemeClr val="tx1"/>
+                </a:solidFill>
+                <a:latin typeface="나눔고딕" panose="020D0604000000000000" pitchFamily="50" charset="-127"/>
+                <a:ea typeface="나눔고딕" panose="020D0604000000000000" pitchFamily="50" charset="-127"/>
+              </a:rPr>
+              <a:t>파라미터</a:t>
+            </a:r>
+            <a:r>
+              <a:rPr lang="ko-KR" altLang="en-US" sz="1400" dirty="0">
+                <a:solidFill>
+                  <a:schemeClr val="tx1"/>
+                </a:solidFill>
+                <a:latin typeface="나눔고딕" panose="020D0604000000000000" pitchFamily="50" charset="-127"/>
+                <a:ea typeface="나눔고딕" panose="020D0604000000000000" pitchFamily="50" charset="-127"/>
+              </a:rPr>
               <a:t> </a:t>
             </a:r>
-            <a:r>
-              <a:rPr lang="en-US" altLang="ko-KR" sz="1400" dirty="0" smtClean="0">
-                <a:solidFill>
-                  <a:schemeClr val="tx1"/>
-                </a:solidFill>
-                <a:latin typeface="나눔고딕" panose="020D0604000000000000" pitchFamily="50" charset="-127"/>
-                <a:ea typeface="나눔고딕" panose="020D0604000000000000" pitchFamily="50" charset="-127"/>
-              </a:rPr>
-              <a:t>                     </a:t>
-            </a:r>
-            <a:r>
-              <a:rPr lang="ko-KR" altLang="en-US" sz="1400" dirty="0" smtClean="0">
-                <a:solidFill>
-                  <a:schemeClr val="tx1"/>
-                </a:solidFill>
-                <a:latin typeface="나눔고딕" panose="020D0604000000000000" pitchFamily="50" charset="-127"/>
-                <a:ea typeface="나눔고딕" panose="020D0604000000000000" pitchFamily="50" charset="-127"/>
-              </a:rPr>
-              <a:t>동기화를 위한 </a:t>
-            </a:r>
-            <a:r>
-              <a:rPr lang="ko-KR" altLang="en-US" sz="1400" dirty="0" err="1" smtClean="0">
-                <a:solidFill>
-                  <a:schemeClr val="tx1"/>
-                </a:solidFill>
-                <a:latin typeface="나눔고딕" panose="020D0604000000000000" pitchFamily="50" charset="-127"/>
-                <a:ea typeface="나눔고딕" panose="020D0604000000000000" pitchFamily="50" charset="-127"/>
-              </a:rPr>
-              <a:t>파라미터</a:t>
-            </a:r>
-            <a:r>
-              <a:rPr lang="ko-KR" altLang="en-US" sz="1400" dirty="0" smtClean="0">
-                <a:solidFill>
-                  <a:schemeClr val="tx1"/>
-                </a:solidFill>
-                <a:latin typeface="나눔고딕" panose="020D0604000000000000" pitchFamily="50" charset="-127"/>
-                <a:ea typeface="나눔고딕" panose="020D0604000000000000" pitchFamily="50" charset="-127"/>
-              </a:rPr>
-              <a:t> </a:t>
-            </a:r>
-            <a:endParaRPr lang="en-US" altLang="ko-KR" sz="1400" dirty="0" smtClean="0">
+            <a:endParaRPr lang="en-US" altLang="ko-KR" sz="1400" dirty="0">
               <a:solidFill>
                 <a:schemeClr val="tx1"/>
               </a:solidFill>
@@ -19232,45 +18922,28 @@
                 <a:latin typeface="나눔고딕" panose="020D0604000000000000" pitchFamily="50" charset="-127"/>
                 <a:ea typeface="나눔고딕" panose="020D0604000000000000" pitchFamily="50" charset="-127"/>
               </a:rPr>
+              <a:t>                      </a:t>
+            </a:r>
+            <a:r>
+              <a:rPr lang="ko-KR" altLang="en-US" sz="1400" dirty="0">
+                <a:solidFill>
+                  <a:schemeClr val="tx1"/>
+                </a:solidFill>
+                <a:latin typeface="나눔고딕" panose="020D0604000000000000" pitchFamily="50" charset="-127"/>
+                <a:ea typeface="나눔고딕" panose="020D0604000000000000" pitchFamily="50" charset="-127"/>
+              </a:rPr>
+              <a:t>서버 기반의 분산</a:t>
+            </a:r>
+            <a:r>
+              <a:rPr lang="en-US" altLang="ko-KR" sz="1400" dirty="0">
+                <a:solidFill>
+                  <a:schemeClr val="tx1"/>
+                </a:solidFill>
+                <a:latin typeface="나눔고딕" panose="020D0604000000000000" pitchFamily="50" charset="-127"/>
+                <a:ea typeface="나눔고딕" panose="020D0604000000000000" pitchFamily="50" charset="-127"/>
+              </a:rPr>
               <a:t> </a:t>
             </a:r>
-            <a:r>
-              <a:rPr lang="en-US" altLang="ko-KR" sz="1400" dirty="0" smtClean="0">
-                <a:solidFill>
-                  <a:schemeClr val="tx1"/>
-                </a:solidFill>
-                <a:latin typeface="나눔고딕" panose="020D0604000000000000" pitchFamily="50" charset="-127"/>
-                <a:ea typeface="나눔고딕" panose="020D0604000000000000" pitchFamily="50" charset="-127"/>
-              </a:rPr>
-              <a:t>                     </a:t>
-            </a:r>
-            <a:r>
-              <a:rPr lang="ko-KR" altLang="en-US" sz="1400" dirty="0" smtClean="0">
-                <a:solidFill>
-                  <a:schemeClr val="tx1"/>
-                </a:solidFill>
-                <a:latin typeface="나눔고딕" panose="020D0604000000000000" pitchFamily="50" charset="-127"/>
-                <a:ea typeface="나눔고딕" panose="020D0604000000000000" pitchFamily="50" charset="-127"/>
-              </a:rPr>
-              <a:t>서버 기반의 분산</a:t>
-            </a:r>
-            <a:r>
-              <a:rPr lang="en-US" altLang="ko-KR" sz="1400" dirty="0">
-                <a:solidFill>
-                  <a:schemeClr val="tx1"/>
-                </a:solidFill>
-                <a:latin typeface="나눔고딕" panose="020D0604000000000000" pitchFamily="50" charset="-127"/>
-                <a:ea typeface="나눔고딕" panose="020D0604000000000000" pitchFamily="50" charset="-127"/>
-              </a:rPr>
-              <a:t> </a:t>
-            </a:r>
-            <a:endParaRPr lang="en-US" altLang="ko-KR" sz="1400" dirty="0" smtClean="0">
-              <a:solidFill>
-                <a:schemeClr val="tx1"/>
-              </a:solidFill>
-              <a:latin typeface="나눔고딕" panose="020D0604000000000000" pitchFamily="50" charset="-127"/>
-              <a:ea typeface="나눔고딕" panose="020D0604000000000000" pitchFamily="50" charset="-127"/>
-            </a:endParaRPr>
           </a:p>
           <a:p>
             <a:pPr algn="l">
@@ -19280,7 +18953,7 @@
               <a:defRPr/>
             </a:pPr>
             <a:r>
-              <a:rPr lang="ko-KR" altLang="en-US" sz="1400" dirty="0" smtClean="0">
+              <a:rPr lang="ko-KR" altLang="en-US" sz="1400" dirty="0">
                 <a:solidFill>
                   <a:schemeClr val="tx1"/>
                 </a:solidFill>
@@ -19290,7 +18963,7 @@
               <a:t>                      키</a:t>
             </a:r>
             <a:r>
-              <a:rPr lang="en-US" altLang="ko-KR" sz="1400" dirty="0" smtClean="0">
+              <a:rPr lang="en-US" altLang="ko-KR" sz="1400" dirty="0">
                 <a:solidFill>
                   <a:schemeClr val="tx1"/>
                 </a:solidFill>
@@ -19300,7 +18973,7 @@
               <a:t>-</a:t>
             </a:r>
             <a:r>
-              <a:rPr lang="ko-KR" altLang="en-US" sz="1400" dirty="0" err="1" smtClean="0">
+              <a:rPr lang="ko-KR" altLang="en-US" sz="1400" dirty="0" err="1">
                 <a:solidFill>
                   <a:schemeClr val="tx1"/>
                 </a:solidFill>
@@ -19310,7 +18983,7 @@
               <a:t>밸류</a:t>
             </a:r>
             <a:r>
-              <a:rPr lang="ko-KR" altLang="en-US" sz="1400" dirty="0" smtClean="0">
+              <a:rPr lang="ko-KR" altLang="en-US" sz="1400" dirty="0">
                 <a:solidFill>
                   <a:schemeClr val="tx1"/>
                 </a:solidFill>
@@ -19319,7 +18992,7 @@
               </a:rPr>
               <a:t> 저장소</a:t>
             </a:r>
-            <a:endParaRPr lang="en-US" altLang="ko-KR" sz="1400" dirty="0" smtClean="0">
+            <a:endParaRPr lang="en-US" altLang="ko-KR" sz="1400" dirty="0">
               <a:solidFill>
                 <a:schemeClr val="tx1"/>
               </a:solidFill>
@@ -19354,13 +19027,6 @@
   <p:clrMapOvr>
     <a:masterClrMapping/>
   </p:clrMapOvr>
-  <p:timing>
-    <p:tnLst>
-      <p:par>
-        <p:cTn id="1" dur="indefinite" restart="never" nodeType="tmRoot"/>
-      </p:par>
-    </p:tnLst>
-  </p:timing>
 </p:sld>
 </file>
 
@@ -19561,13 +19227,6 @@
   <p:clrMapOvr>
     <a:masterClrMapping/>
   </p:clrMapOvr>
-  <p:timing>
-    <p:tnLst>
-      <p:par>
-        <p:cTn id="1" dur="indefinite" restart="never" nodeType="tmRoot"/>
-      </p:par>
-    </p:tnLst>
-  </p:timing>
 </p:sld>
 </file>
 
@@ -19764,7 +19423,7 @@
           <p:cNvPr id="9" name="텍스트 상자 1">
             <a:extLst>
               <a:ext uri="{FF2B5EF4-FFF2-40B4-BE49-F238E27FC236}">
-                <a16:creationId xmlns:a16="http://schemas.microsoft.com/office/drawing/2014/main" xmlns="" id="{3DBE8121-48B8-C34E-90BF-426B3648BA4E}"/>
+                <a16:creationId xmlns:a16="http://schemas.microsoft.com/office/drawing/2014/main" id="{3DBE8121-48B8-C34E-90BF-426B3648BA4E}"/>
               </a:ext>
             </a:extLst>
           </p:cNvPr>
@@ -19800,7 +19459,7 @@
               <a:defRPr/>
             </a:pPr>
             <a:r>
-              <a:rPr lang="en-US" altLang="ko-KR" sz="2100" b="1" spc="-150" dirty="0" smtClean="0">
+              <a:rPr lang="en-US" altLang="ko-KR" sz="2100" b="1" spc="-150" dirty="0">
                 <a:latin typeface="나눔고딕" panose="020D0604000000000000" pitchFamily="50" charset="-127"/>
                 <a:ea typeface="나눔고딕" panose="020D0604000000000000" pitchFamily="50" charset="-127"/>
                 <a:cs typeface="Nanum Gothic" charset="-127"/>
@@ -19808,14 +19467,14 @@
               <a:t>1. </a:t>
             </a:r>
             <a:r>
-              <a:rPr lang="ko-KR" altLang="en-US" sz="2100" b="1" spc="-150" dirty="0" smtClean="0">
+              <a:rPr lang="ko-KR" altLang="en-US" sz="2100" b="1" spc="-150" dirty="0">
                 <a:latin typeface="나눔고딕" panose="020D0604000000000000" pitchFamily="50" charset="-127"/>
                 <a:ea typeface="나눔고딕" panose="020D0604000000000000" pitchFamily="50" charset="-127"/>
                 <a:cs typeface="Nanum Gothic" charset="-127"/>
               </a:rPr>
               <a:t>분산처리 기술</a:t>
             </a:r>
-            <a:endParaRPr lang="en-US" altLang="ko-KR" sz="2100" b="1" spc="-150" dirty="0" smtClean="0">
+            <a:endParaRPr lang="en-US" altLang="ko-KR" sz="2100" b="1" spc="-150" dirty="0">
               <a:latin typeface="나눔고딕" panose="020D0604000000000000" pitchFamily="50" charset="-127"/>
               <a:ea typeface="나눔고딕" panose="020D0604000000000000" pitchFamily="50" charset="-127"/>
               <a:cs typeface="Nanum Gothic" charset="-127"/>
@@ -19835,7 +19494,7 @@
               <a:defRPr/>
             </a:pPr>
             <a:r>
-              <a:rPr lang="en-US" altLang="ko-KR" sz="1400" spc="-150" dirty="0" smtClean="0">
+              <a:rPr lang="en-US" altLang="ko-KR" sz="1400" spc="-150" dirty="0">
                 <a:latin typeface="나눔고딕" panose="020D0604000000000000" pitchFamily="50" charset="-127"/>
                 <a:ea typeface="나눔고딕" panose="020D0604000000000000" pitchFamily="50" charset="-127"/>
                 <a:cs typeface="Nanum Gothic" charset="-127"/>
@@ -19843,14 +19502,14 @@
               <a:t>          - </a:t>
             </a:r>
             <a:r>
-              <a:rPr lang="ko-KR" altLang="en-US" sz="1400" spc="-150" dirty="0" smtClean="0">
+              <a:rPr lang="ko-KR" altLang="en-US" sz="1400" spc="-150" dirty="0">
                 <a:latin typeface="나눔고딕" panose="020D0604000000000000" pitchFamily="50" charset="-127"/>
                 <a:ea typeface="나눔고딕" panose="020D0604000000000000" pitchFamily="50" charset="-127"/>
                 <a:cs typeface="Nanum Gothic" charset="-127"/>
               </a:rPr>
               <a:t>분산의 종류</a:t>
             </a:r>
-            <a:endParaRPr lang="en-US" altLang="ko-KR" sz="1400" spc="-150" dirty="0" smtClean="0">
+            <a:endParaRPr lang="en-US" altLang="ko-KR" sz="1400" spc="-150" dirty="0">
               <a:latin typeface="나눔고딕" panose="020D0604000000000000" pitchFamily="50" charset="-127"/>
               <a:ea typeface="나눔고딕" panose="020D0604000000000000" pitchFamily="50" charset="-127"/>
               <a:cs typeface="Nanum Gothic" charset="-127"/>
@@ -19875,25 +19534,17 @@
                 <a:ea typeface="나눔고딕" panose="020D0604000000000000" pitchFamily="50" charset="-127"/>
                 <a:cs typeface="Nanum Gothic" charset="-127"/>
               </a:rPr>
-              <a:t> </a:t>
-            </a:r>
-            <a:r>
-              <a:rPr lang="en-US" altLang="ko-KR" sz="1400" spc="-150" dirty="0" smtClean="0">
+              <a:t>          - </a:t>
+            </a:r>
+            <a:r>
+              <a:rPr lang="ko-KR" altLang="en-US" sz="1400" spc="-150" dirty="0">
                 <a:latin typeface="나눔고딕" panose="020D0604000000000000" pitchFamily="50" charset="-127"/>
                 <a:ea typeface="나눔고딕" panose="020D0604000000000000" pitchFamily="50" charset="-127"/>
                 <a:cs typeface="Nanum Gothic" charset="-127"/>
               </a:rPr>
-              <a:t>         - </a:t>
-            </a:r>
-            <a:r>
-              <a:rPr lang="ko-KR" altLang="en-US" sz="1400" spc="-150" dirty="0" smtClean="0">
-                <a:latin typeface="나눔고딕" panose="020D0604000000000000" pitchFamily="50" charset="-127"/>
-                <a:ea typeface="나눔고딕" panose="020D0604000000000000" pitchFamily="50" charset="-127"/>
-                <a:cs typeface="Nanum Gothic" charset="-127"/>
-              </a:rPr>
               <a:t>동기화 방식</a:t>
             </a:r>
-            <a:endParaRPr lang="en-US" altLang="ko-KR" sz="1400" spc="-150" dirty="0" smtClean="0">
+            <a:endParaRPr lang="en-US" altLang="ko-KR" sz="1400" spc="-150" dirty="0">
               <a:latin typeface="나눔고딕" panose="020D0604000000000000" pitchFamily="50" charset="-127"/>
               <a:ea typeface="나눔고딕" panose="020D0604000000000000" pitchFamily="50" charset="-127"/>
               <a:cs typeface="Nanum Gothic" charset="-127"/>
@@ -19913,7 +19564,7 @@
               <a:defRPr/>
             </a:pPr>
             <a:r>
-              <a:rPr lang="en-US" altLang="ko-KR" sz="1400" spc="-150" dirty="0" smtClean="0">
+              <a:rPr lang="en-US" altLang="ko-KR" sz="1400" spc="-150" dirty="0">
                 <a:latin typeface="나눔고딕" panose="020D0604000000000000" pitchFamily="50" charset="-127"/>
                 <a:ea typeface="나눔고딕" panose="020D0604000000000000" pitchFamily="50" charset="-127"/>
                 <a:cs typeface="Nanum Gothic" charset="-127"/>
@@ -19921,7 +19572,7 @@
               <a:t>          - </a:t>
             </a:r>
             <a:r>
-              <a:rPr lang="ko-KR" altLang="en-US" sz="1400" spc="-150" dirty="0" err="1" smtClean="0">
+              <a:rPr lang="ko-KR" altLang="en-US" sz="1400" spc="-150" dirty="0" err="1">
                 <a:latin typeface="나눔고딕" panose="020D0604000000000000" pitchFamily="50" charset="-127"/>
                 <a:ea typeface="나눔고딕" panose="020D0604000000000000" pitchFamily="50" charset="-127"/>
                 <a:cs typeface="Nanum Gothic" charset="-127"/>
@@ -19929,7 +19580,7 @@
               <a:t>분산학습</a:t>
             </a:r>
             <a:r>
-              <a:rPr lang="ko-KR" altLang="en-US" sz="1400" spc="-150" dirty="0" smtClean="0">
+              <a:rPr lang="ko-KR" altLang="en-US" sz="1400" spc="-150" dirty="0">
                 <a:latin typeface="나눔고딕" panose="020D0604000000000000" pitchFamily="50" charset="-127"/>
                 <a:ea typeface="나눔고딕" panose="020D0604000000000000" pitchFamily="50" charset="-127"/>
                 <a:cs typeface="Nanum Gothic" charset="-127"/>
@@ -19949,7 +19600,7 @@
           <p:cNvPr id="6" name="텍스트 상자 1">
             <a:extLst>
               <a:ext uri="{FF2B5EF4-FFF2-40B4-BE49-F238E27FC236}">
-                <a16:creationId xmlns:a16="http://schemas.microsoft.com/office/drawing/2014/main" xmlns="" id="{3DBE8121-48B8-C34E-90BF-426B3648BA4E}"/>
+                <a16:creationId xmlns:a16="http://schemas.microsoft.com/office/drawing/2014/main" id="{3DBE8121-48B8-C34E-90BF-426B3648BA4E}"/>
               </a:ext>
             </a:extLst>
           </p:cNvPr>
@@ -19990,33 +19641,25 @@
                 <a:ea typeface="나눔고딕" panose="020D0604000000000000" pitchFamily="50" charset="-127"/>
                 <a:cs typeface="Nanum Gothic" charset="-127"/>
               </a:rPr>
-              <a:t>2</a:t>
-            </a:r>
-            <a:r>
-              <a:rPr lang="en-US" altLang="ko-KR" sz="2100" b="1" spc="-150" dirty="0" smtClean="0">
+              <a:t>2. </a:t>
+            </a:r>
+            <a:r>
+              <a:rPr lang="ko-KR" altLang="en-US" sz="2100" b="1" spc="-150" dirty="0" err="1">
                 <a:latin typeface="나눔고딕" panose="020D0604000000000000" pitchFamily="50" charset="-127"/>
                 <a:ea typeface="나눔고딕" panose="020D0604000000000000" pitchFamily="50" charset="-127"/>
                 <a:cs typeface="Nanum Gothic" charset="-127"/>
               </a:rPr>
-              <a:t>. </a:t>
-            </a:r>
-            <a:r>
-              <a:rPr lang="ko-KR" altLang="en-US" sz="2100" b="1" spc="-150" dirty="0" err="1" smtClean="0">
+              <a:t>딥러닝</a:t>
+            </a:r>
+            <a:r>
+              <a:rPr lang="ko-KR" altLang="en-US" sz="2100" b="1" spc="-150" dirty="0">
                 <a:latin typeface="나눔고딕" panose="020D0604000000000000" pitchFamily="50" charset="-127"/>
                 <a:ea typeface="나눔고딕" panose="020D0604000000000000" pitchFamily="50" charset="-127"/>
                 <a:cs typeface="Nanum Gothic" charset="-127"/>
               </a:rPr>
-              <a:t>딥러닝</a:t>
-            </a:r>
-            <a:r>
-              <a:rPr lang="ko-KR" altLang="en-US" sz="2100" b="1" spc="-150" dirty="0" smtClean="0">
-                <a:latin typeface="나눔고딕" panose="020D0604000000000000" pitchFamily="50" charset="-127"/>
-                <a:ea typeface="나눔고딕" panose="020D0604000000000000" pitchFamily="50" charset="-127"/>
-                <a:cs typeface="Nanum Gothic" charset="-127"/>
-              </a:rPr>
               <a:t> 전용 분산처리</a:t>
             </a:r>
-            <a:endParaRPr lang="en-US" altLang="ko-KR" sz="2100" b="1" spc="-150" dirty="0" smtClean="0">
+            <a:endParaRPr lang="en-US" altLang="ko-KR" sz="2100" b="1" spc="-150" dirty="0">
               <a:latin typeface="나눔고딕" panose="020D0604000000000000" pitchFamily="50" charset="-127"/>
               <a:ea typeface="나눔고딕" panose="020D0604000000000000" pitchFamily="50" charset="-127"/>
               <a:cs typeface="Nanum Gothic" charset="-127"/>
@@ -20036,7 +19679,7 @@
               <a:defRPr/>
             </a:pPr>
             <a:r>
-              <a:rPr lang="en-US" altLang="ko-KR" sz="1400" spc="-150" dirty="0" smtClean="0">
+              <a:rPr lang="en-US" altLang="ko-KR" sz="1400" spc="-150" dirty="0">
                 <a:latin typeface="나눔고딕" panose="020D0604000000000000" pitchFamily="50" charset="-127"/>
                 <a:ea typeface="나눔고딕" panose="020D0604000000000000" pitchFamily="50" charset="-127"/>
                 <a:cs typeface="Nanum Gothic" charset="-127"/>
@@ -20058,7 +19701,7 @@
               <a:defRPr/>
             </a:pPr>
             <a:r>
-              <a:rPr lang="en-US" altLang="ko-KR" sz="1400" spc="-150" dirty="0" smtClean="0">
+              <a:rPr lang="en-US" altLang="ko-KR" sz="1400" spc="-150" dirty="0">
                 <a:latin typeface="나눔고딕" panose="020D0604000000000000" pitchFamily="50" charset="-127"/>
                 <a:ea typeface="나눔고딕" panose="020D0604000000000000" pitchFamily="50" charset="-127"/>
                 <a:cs typeface="Nanum Gothic" charset="-127"/>
@@ -20066,7 +19709,7 @@
               <a:t>          - </a:t>
             </a:r>
             <a:r>
-              <a:rPr lang="en-US" altLang="ko-KR" sz="1400" spc="-150" dirty="0" err="1" smtClean="0">
+              <a:rPr lang="en-US" altLang="ko-KR" sz="1400" spc="-150" dirty="0" err="1">
                 <a:latin typeface="나눔고딕" panose="020D0604000000000000" pitchFamily="50" charset="-127"/>
                 <a:ea typeface="나눔고딕" panose="020D0604000000000000" pitchFamily="50" charset="-127"/>
                 <a:cs typeface="Nanum Gothic" charset="-127"/>
@@ -20091,13 +19734,6 @@
   <p:clrMapOvr>
     <a:masterClrMapping/>
   </p:clrMapOvr>
-  <p:timing>
-    <p:tnLst>
-      <p:par>
-        <p:cTn id="1" dur="indefinite" restart="never" nodeType="tmRoot"/>
-      </p:par>
-    </p:tnLst>
-  </p:timing>
 </p:sld>
 </file>
 
@@ -20300,7 +19936,7 @@
               <a:defRPr/>
             </a:pPr>
             <a:r>
-              <a:rPr lang="ko-KR" altLang="en-US" sz="3800" kern="0" dirty="0" smtClean="0">
+              <a:rPr lang="ko-KR" altLang="en-US" sz="3800" kern="0" dirty="0">
                 <a:solidFill>
                   <a:schemeClr val="tx1"/>
                 </a:solidFill>
@@ -20506,7 +20142,7 @@
               <a:defRPr/>
             </a:pPr>
             <a:r>
-              <a:rPr lang="en-US" altLang="ko-KR" sz="3800" kern="0" dirty="0" smtClean="0">
+              <a:rPr lang="en-US" altLang="ko-KR" sz="3800" kern="0" dirty="0">
                 <a:solidFill>
                   <a:srgbClr val="0070C0"/>
                 </a:solidFill>
@@ -20516,7 +20152,7 @@
               </a:rPr>
               <a:t>01.</a:t>
             </a:r>
-            <a:endParaRPr lang="ko-KR" altLang="en-US" sz="3800" kern="0" dirty="0" smtClean="0">
+            <a:endParaRPr lang="ko-KR" altLang="en-US" sz="3800" kern="0" dirty="0">
               <a:solidFill>
                 <a:srgbClr val="0070C0"/>
               </a:solidFill>
@@ -20532,13 +20168,6 @@
   <p:clrMapOvr>
     <a:masterClrMapping/>
   </p:clrMapOvr>
-  <p:timing>
-    <p:tnLst>
-      <p:par>
-        <p:cTn id="1" dur="indefinite" restart="never" nodeType="tmRoot"/>
-      </p:par>
-    </p:tnLst>
-  </p:timing>
 </p:sld>
 </file>
 
@@ -20849,7 +20478,7 @@
               <a:defRPr/>
             </a:pPr>
             <a:r>
-              <a:rPr lang="ko-KR" altLang="en-US" sz="2000" b="1" dirty="0" smtClean="0">
+              <a:rPr lang="ko-KR" altLang="en-US" sz="2000" b="1" dirty="0">
                 <a:gradFill>
                   <a:gsLst>
                     <a:gs pos="0">
@@ -21174,7 +20803,7 @@
               <a:defRPr/>
             </a:pPr>
             <a:r>
-              <a:rPr lang="ko-KR" altLang="en-US" sz="1400" dirty="0" err="1" smtClean="0">
+              <a:rPr lang="ko-KR" altLang="en-US" sz="1400" dirty="0" err="1">
                 <a:solidFill>
                   <a:schemeClr val="tx1"/>
                 </a:solidFill>
@@ -21184,7 +20813,7 @@
               <a:t>딥러닝</a:t>
             </a:r>
             <a:r>
-              <a:rPr lang="ko-KR" altLang="en-US" sz="1400" dirty="0" smtClean="0">
+              <a:rPr lang="ko-KR" altLang="en-US" sz="1400" dirty="0">
                 <a:solidFill>
                   <a:schemeClr val="tx1"/>
                 </a:solidFill>
@@ -21192,71 +20821,6 @@
                 <a:ea typeface="나눔고딕" panose="020D0604000000000000" pitchFamily="50" charset="-127"/>
               </a:rPr>
               <a:t> 분산은 목적에 따라 크게 두 가지로 분류</a:t>
-            </a:r>
-            <a:endParaRPr lang="en-US" altLang="ko-KR" sz="1400" dirty="0" smtClean="0">
-              <a:solidFill>
-                <a:schemeClr val="tx1"/>
-              </a:solidFill>
-              <a:latin typeface="나눔고딕" panose="020D0604000000000000" pitchFamily="50" charset="-127"/>
-              <a:ea typeface="나눔고딕" panose="020D0604000000000000" pitchFamily="50" charset="-127"/>
-            </a:endParaRPr>
-          </a:p>
-          <a:p>
-            <a:pPr algn="l">
-              <a:lnSpc>
-                <a:spcPct val="150000"/>
-              </a:lnSpc>
-              <a:defRPr/>
-            </a:pPr>
-            <a:r>
-              <a:rPr lang="ko-KR" altLang="en-US" sz="1400" dirty="0">
-                <a:solidFill>
-                  <a:schemeClr val="tx1"/>
-                </a:solidFill>
-                <a:latin typeface="나눔고딕" panose="020D0604000000000000" pitchFamily="50" charset="-127"/>
-                <a:ea typeface="나눔고딕" panose="020D0604000000000000" pitchFamily="50" charset="-127"/>
-              </a:rPr>
-              <a:t>데이터 병렬처리 </a:t>
-            </a:r>
-            <a:r>
-              <a:rPr lang="en-US" altLang="ko-KR" sz="1400" dirty="0">
-                <a:solidFill>
-                  <a:schemeClr val="tx1"/>
-                </a:solidFill>
-                <a:latin typeface="나눔고딕" panose="020D0604000000000000" pitchFamily="50" charset="-127"/>
-                <a:ea typeface="나눔고딕" panose="020D0604000000000000" pitchFamily="50" charset="-127"/>
-              </a:rPr>
-              <a:t>: </a:t>
-            </a:r>
-            <a:r>
-              <a:rPr lang="ko-KR" altLang="en-US" sz="1400" dirty="0">
-                <a:solidFill>
-                  <a:schemeClr val="tx1"/>
-                </a:solidFill>
-                <a:latin typeface="나눔고딕" panose="020D0604000000000000" pitchFamily="50" charset="-127"/>
-                <a:ea typeface="나눔고딕" panose="020D0604000000000000" pitchFamily="50" charset="-127"/>
-              </a:rPr>
-              <a:t>모델의 학습을 가속하기 위해 여러 장비에 데이터들의 학습을 </a:t>
-            </a:r>
-            <a:r>
-              <a:rPr lang="ko-KR" altLang="en-US" sz="1400" dirty="0" err="1">
-                <a:solidFill>
-                  <a:schemeClr val="tx1"/>
-                </a:solidFill>
-                <a:latin typeface="나눔고딕" panose="020D0604000000000000" pitchFamily="50" charset="-127"/>
-                <a:ea typeface="나눔고딕" panose="020D0604000000000000" pitchFamily="50" charset="-127"/>
-              </a:rPr>
-              <a:t>병렬화하는</a:t>
-            </a:r>
-            <a:r>
-              <a:rPr lang="ko-KR" altLang="en-US" sz="1400" dirty="0">
-                <a:solidFill>
-                  <a:schemeClr val="tx1"/>
-                </a:solidFill>
-                <a:latin typeface="나눔고딕" panose="020D0604000000000000" pitchFamily="50" charset="-127"/>
-                <a:ea typeface="나눔고딕" panose="020D0604000000000000" pitchFamily="50" charset="-127"/>
-              </a:rPr>
-              <a:t> 데이터 분산</a:t>
             </a:r>
             <a:endParaRPr lang="en-US" altLang="ko-KR" sz="1400" dirty="0">
               <a:solidFill>
@@ -21274,14 +20838,24 @@
               <a:defRPr/>
             </a:pPr>
             <a:r>
-              <a:rPr lang="ko-KR" altLang="en-US" sz="1400" dirty="0" smtClean="0">
+              <a:rPr lang="ko-KR" altLang="en-US" sz="1400" dirty="0">
                 <a:solidFill>
                   <a:schemeClr val="tx1"/>
                 </a:solidFill>
                 <a:latin typeface="나눔고딕" panose="020D0604000000000000" pitchFamily="50" charset="-127"/>
                 <a:ea typeface="나눔고딕" panose="020D0604000000000000" pitchFamily="50" charset="-127"/>
               </a:rPr>
-              <a:t>모델 </a:t>
+              <a:t>데이터 병렬처리 </a:t>
+            </a:r>
+            <a:r>
+              <a:rPr lang="en-US" altLang="ko-KR" sz="1400" dirty="0">
+                <a:solidFill>
+                  <a:schemeClr val="tx1"/>
+                </a:solidFill>
+                <a:latin typeface="나눔고딕" panose="020D0604000000000000" pitchFamily="50" charset="-127"/>
+                <a:ea typeface="나눔고딕" panose="020D0604000000000000" pitchFamily="50" charset="-127"/>
+              </a:rPr>
+              <a:t>: </a:t>
             </a:r>
             <a:r>
               <a:rPr lang="ko-KR" altLang="en-US" sz="1400" dirty="0">
@@ -21291,17 +20865,17 @@
                 <a:latin typeface="나눔고딕" panose="020D0604000000000000" pitchFamily="50" charset="-127"/>
                 <a:ea typeface="나눔고딕" panose="020D0604000000000000" pitchFamily="50" charset="-127"/>
               </a:rPr>
-              <a:t>병렬처리 </a:t>
-            </a:r>
-            <a:r>
-              <a:rPr lang="en-US" altLang="ko-KR" sz="1400" dirty="0">
+              <a:t>모델의 학습을 가속하기 위해 여러 장비에 데이터들의 학습을 </a:t>
+            </a:r>
+            <a:r>
+              <a:rPr lang="ko-KR" altLang="en-US" sz="1400" dirty="0" err="1">
                 <a:solidFill>
                   <a:schemeClr val="tx1"/>
                 </a:solidFill>
                 <a:latin typeface="나눔고딕" panose="020D0604000000000000" pitchFamily="50" charset="-127"/>
                 <a:ea typeface="나눔고딕" panose="020D0604000000000000" pitchFamily="50" charset="-127"/>
               </a:rPr>
-              <a:t>: </a:t>
+              <a:t>병렬화하는</a:t>
             </a:r>
             <a:r>
               <a:rPr lang="ko-KR" altLang="en-US" sz="1400" dirty="0">
@@ -21311,45 +20885,73 @@
                 <a:latin typeface="나눔고딕" panose="020D0604000000000000" pitchFamily="50" charset="-127"/>
                 <a:ea typeface="나눔고딕" panose="020D0604000000000000" pitchFamily="50" charset="-127"/>
               </a:rPr>
-              <a:t>모델의 </a:t>
-            </a:r>
-            <a:r>
-              <a:rPr lang="ko-KR" altLang="en-US" sz="1400" dirty="0" err="1">
-                <a:solidFill>
-                  <a:schemeClr val="tx1"/>
-                </a:solidFill>
-                <a:latin typeface="나눔고딕" panose="020D0604000000000000" pitchFamily="50" charset="-127"/>
-                <a:ea typeface="나눔고딕" panose="020D0604000000000000" pitchFamily="50" charset="-127"/>
-              </a:rPr>
-              <a:t>파라미터를</a:t>
-            </a:r>
-            <a:r>
-              <a:rPr lang="ko-KR" altLang="en-US" sz="1400" dirty="0">
-                <a:solidFill>
-                  <a:schemeClr val="tx1"/>
-                </a:solidFill>
-                <a:latin typeface="나눔고딕" panose="020D0604000000000000" pitchFamily="50" charset="-127"/>
-                <a:ea typeface="나눔고딕" panose="020D0604000000000000" pitchFamily="50" charset="-127"/>
-              </a:rPr>
-              <a:t> 여러 장비에 나누어 보관하는 모델 </a:t>
-            </a:r>
-            <a:r>
-              <a:rPr lang="ko-KR" altLang="en-US" sz="1400" dirty="0" smtClean="0">
-                <a:solidFill>
-                  <a:schemeClr val="tx1"/>
-                </a:solidFill>
-                <a:latin typeface="나눔고딕" panose="020D0604000000000000" pitchFamily="50" charset="-127"/>
-                <a:ea typeface="나눔고딕" panose="020D0604000000000000" pitchFamily="50" charset="-127"/>
-              </a:rPr>
-              <a:t>분산</a:t>
-            </a:r>
-            <a:endParaRPr lang="ko-KR" altLang="en-US" sz="1400" dirty="0">
+              <a:t> 데이터 분산</a:t>
+            </a:r>
+            <a:endParaRPr lang="en-US" altLang="ko-KR" sz="1400" dirty="0">
               <a:solidFill>
                 <a:schemeClr val="tx1"/>
               </a:solidFill>
               <a:latin typeface="나눔고딕" panose="020D0604000000000000" pitchFamily="50" charset="-127"/>
               <a:ea typeface="나눔고딕" panose="020D0604000000000000" pitchFamily="50" charset="-127"/>
             </a:endParaRPr>
+          </a:p>
+          <a:p>
+            <a:pPr algn="l">
+              <a:lnSpc>
+                <a:spcPct val="150000"/>
+              </a:lnSpc>
+              <a:defRPr/>
+            </a:pPr>
+            <a:r>
+              <a:rPr lang="ko-KR" altLang="en-US" sz="1400" dirty="0">
+                <a:solidFill>
+                  <a:schemeClr val="tx1"/>
+                </a:solidFill>
+                <a:latin typeface="나눔고딕" panose="020D0604000000000000" pitchFamily="50" charset="-127"/>
+                <a:ea typeface="나눔고딕" panose="020D0604000000000000" pitchFamily="50" charset="-127"/>
+              </a:rPr>
+              <a:t>모델 병렬처리 </a:t>
+            </a:r>
+            <a:r>
+              <a:rPr lang="en-US" altLang="ko-KR" sz="1400" dirty="0">
+                <a:solidFill>
+                  <a:schemeClr val="tx1"/>
+                </a:solidFill>
+                <a:latin typeface="나눔고딕" panose="020D0604000000000000" pitchFamily="50" charset="-127"/>
+                <a:ea typeface="나눔고딕" panose="020D0604000000000000" pitchFamily="50" charset="-127"/>
+              </a:rPr>
+              <a:t>: </a:t>
+            </a:r>
+            <a:r>
+              <a:rPr lang="ko-KR" altLang="en-US" sz="1400" dirty="0">
+                <a:solidFill>
+                  <a:schemeClr val="tx1"/>
+                </a:solidFill>
+                <a:latin typeface="나눔고딕" panose="020D0604000000000000" pitchFamily="50" charset="-127"/>
+                <a:ea typeface="나눔고딕" panose="020D0604000000000000" pitchFamily="50" charset="-127"/>
+              </a:rPr>
+              <a:t>모델의 </a:t>
+            </a:r>
+            <a:r>
+              <a:rPr lang="ko-KR" altLang="en-US" sz="1400" dirty="0" err="1">
+                <a:solidFill>
+                  <a:schemeClr val="tx1"/>
+                </a:solidFill>
+                <a:latin typeface="나눔고딕" panose="020D0604000000000000" pitchFamily="50" charset="-127"/>
+                <a:ea typeface="나눔고딕" panose="020D0604000000000000" pitchFamily="50" charset="-127"/>
+              </a:rPr>
+              <a:t>파라미터를</a:t>
+            </a:r>
+            <a:r>
+              <a:rPr lang="ko-KR" altLang="en-US" sz="1400" dirty="0">
+                <a:solidFill>
+                  <a:schemeClr val="tx1"/>
+                </a:solidFill>
+                <a:latin typeface="나눔고딕" panose="020D0604000000000000" pitchFamily="50" charset="-127"/>
+                <a:ea typeface="나눔고딕" panose="020D0604000000000000" pitchFamily="50" charset="-127"/>
+              </a:rPr>
+              <a:t> 여러 장비에 나누어 보관하는 모델 분산</a:t>
+            </a:r>
           </a:p>
         </p:txBody>
       </p:sp>
@@ -21545,20 +21147,20 @@
               <a:buNone/>
             </a:pPr>
             <a:r>
-              <a:rPr lang="en-US" altLang="ko-KR" sz="2800" kern="0" smtClean="0">
+              <a:rPr lang="en-US" altLang="ko-KR" sz="2800" kern="0">
                 <a:latin typeface="나눔고딕 ExtraBold" panose="020D0904000000000000" pitchFamily="50" charset="-127"/>
                 <a:ea typeface="나눔고딕 ExtraBold" panose="020D0904000000000000" pitchFamily="50" charset="-127"/>
               </a:rPr>
               <a:t>1. </a:t>
             </a:r>
             <a:r>
-              <a:rPr lang="ko-KR" altLang="en-US" sz="2800" kern="0" smtClean="0">
+              <a:rPr lang="ko-KR" altLang="en-US" sz="2800" kern="0">
                 <a:latin typeface="나눔고딕 ExtraBold" panose="020D0904000000000000" pitchFamily="50" charset="-127"/>
                 <a:ea typeface="나눔고딕 ExtraBold" panose="020D0904000000000000" pitchFamily="50" charset="-127"/>
               </a:rPr>
               <a:t>분산처리 기술</a:t>
             </a:r>
-            <a:endParaRPr lang="ko-KR" altLang="en-US" sz="2800" kern="0" dirty="0" smtClean="0">
+            <a:endParaRPr lang="ko-KR" altLang="en-US" sz="2800" kern="0" dirty="0">
               <a:latin typeface="나눔고딕 ExtraBold" panose="020D0904000000000000" pitchFamily="50" charset="-127"/>
               <a:ea typeface="나눔고딕 ExtraBold" panose="020D0904000000000000" pitchFamily="50" charset="-127"/>
             </a:endParaRPr>
@@ -21575,13 +21177,6 @@
   <p:clrMapOvr>
     <a:masterClrMapping/>
   </p:clrMapOvr>
-  <p:timing>
-    <p:tnLst>
-      <p:par>
-        <p:cTn id="1" dur="indefinite" restart="never" nodeType="tmRoot"/>
-      </p:par>
-    </p:tnLst>
-  </p:timing>
 </p:sld>
 </file>
 
@@ -21892,7 +21487,7 @@
               <a:defRPr/>
             </a:pPr>
             <a:r>
-              <a:rPr lang="ko-KR" altLang="en-US" sz="2000" b="1" dirty="0" smtClean="0">
+              <a:rPr lang="ko-KR" altLang="en-US" sz="2000" b="1" dirty="0">
                 <a:gradFill>
                   <a:gsLst>
                     <a:gs pos="0">
@@ -21910,7 +21505,7 @@
               <a:t>분산의 종류 </a:t>
             </a:r>
             <a:r>
-              <a:rPr lang="en-US" altLang="ko-KR" sz="2000" b="1" dirty="0" smtClean="0">
+              <a:rPr lang="en-US" altLang="ko-KR" sz="2000" b="1" dirty="0">
                 <a:gradFill>
                   <a:gsLst>
                     <a:gs pos="0">
@@ -21928,7 +21523,7 @@
               <a:t>: </a:t>
             </a:r>
             <a:r>
-              <a:rPr lang="ko-KR" altLang="en-US" sz="2000" b="1" dirty="0" smtClean="0">
+              <a:rPr lang="ko-KR" altLang="en-US" sz="2000" b="1" dirty="0">
                 <a:gradFill>
                   <a:gsLst>
                     <a:gs pos="0">
@@ -22253,7 +21848,7 @@
               <a:defRPr/>
             </a:pPr>
             <a:r>
-              <a:rPr lang="ko-KR" altLang="en-US" sz="1400" dirty="0" err="1" smtClean="0">
+              <a:rPr lang="ko-KR" altLang="en-US" sz="1400" dirty="0" err="1">
                 <a:solidFill>
                   <a:schemeClr val="tx1"/>
                 </a:solidFill>
@@ -22263,7 +21858,7 @@
               <a:t>딥러닝</a:t>
             </a:r>
             <a:r>
-              <a:rPr lang="ko-KR" altLang="en-US" sz="1400" dirty="0" smtClean="0">
+              <a:rPr lang="ko-KR" altLang="en-US" sz="1400" dirty="0">
                 <a:solidFill>
                   <a:schemeClr val="tx1"/>
                 </a:solidFill>
@@ -22271,71 +21866,6 @@
                 <a:ea typeface="나눔고딕" panose="020D0604000000000000" pitchFamily="50" charset="-127"/>
               </a:rPr>
               <a:t> 분산은 목적에 따라 크게 두 가지로 분류</a:t>
-            </a:r>
-            <a:endParaRPr lang="en-US" altLang="ko-KR" sz="1400" dirty="0" smtClean="0">
-              <a:solidFill>
-                <a:schemeClr val="tx1"/>
-              </a:solidFill>
-              <a:latin typeface="나눔고딕" panose="020D0604000000000000" pitchFamily="50" charset="-127"/>
-              <a:ea typeface="나눔고딕" panose="020D0604000000000000" pitchFamily="50" charset="-127"/>
-            </a:endParaRPr>
-          </a:p>
-          <a:p>
-            <a:pPr algn="l">
-              <a:lnSpc>
-                <a:spcPct val="150000"/>
-              </a:lnSpc>
-              <a:defRPr/>
-            </a:pPr>
-            <a:r>
-              <a:rPr lang="ko-KR" altLang="en-US" sz="1400" dirty="0">
-                <a:solidFill>
-                  <a:schemeClr val="tx1"/>
-                </a:solidFill>
-                <a:latin typeface="나눔고딕" panose="020D0604000000000000" pitchFamily="50" charset="-127"/>
-                <a:ea typeface="나눔고딕" panose="020D0604000000000000" pitchFamily="50" charset="-127"/>
-              </a:rPr>
-              <a:t>데이터 병렬처리 </a:t>
-            </a:r>
-            <a:r>
-              <a:rPr lang="en-US" altLang="ko-KR" sz="1400" dirty="0">
-                <a:solidFill>
-                  <a:schemeClr val="tx1"/>
-                </a:solidFill>
-                <a:latin typeface="나눔고딕" panose="020D0604000000000000" pitchFamily="50" charset="-127"/>
-                <a:ea typeface="나눔고딕" panose="020D0604000000000000" pitchFamily="50" charset="-127"/>
-              </a:rPr>
-              <a:t>: </a:t>
-            </a:r>
-            <a:r>
-              <a:rPr lang="ko-KR" altLang="en-US" sz="1400" dirty="0">
-                <a:solidFill>
-                  <a:schemeClr val="tx1"/>
-                </a:solidFill>
-                <a:latin typeface="나눔고딕" panose="020D0604000000000000" pitchFamily="50" charset="-127"/>
-                <a:ea typeface="나눔고딕" panose="020D0604000000000000" pitchFamily="50" charset="-127"/>
-              </a:rPr>
-              <a:t>모델의 학습을 가속하기 위해 여러 장비에 데이터들의 학습을 </a:t>
-            </a:r>
-            <a:r>
-              <a:rPr lang="ko-KR" altLang="en-US" sz="1400" dirty="0" err="1">
-                <a:solidFill>
-                  <a:schemeClr val="tx1"/>
-                </a:solidFill>
-                <a:latin typeface="나눔고딕" panose="020D0604000000000000" pitchFamily="50" charset="-127"/>
-                <a:ea typeface="나눔고딕" panose="020D0604000000000000" pitchFamily="50" charset="-127"/>
-              </a:rPr>
-              <a:t>병렬화하는</a:t>
-            </a:r>
-            <a:r>
-              <a:rPr lang="ko-KR" altLang="en-US" sz="1400" dirty="0">
-                <a:solidFill>
-                  <a:schemeClr val="tx1"/>
-                </a:solidFill>
-                <a:latin typeface="나눔고딕" panose="020D0604000000000000" pitchFamily="50" charset="-127"/>
-                <a:ea typeface="나눔고딕" panose="020D0604000000000000" pitchFamily="50" charset="-127"/>
-              </a:rPr>
-              <a:t> 데이터 분산</a:t>
             </a:r>
             <a:endParaRPr lang="en-US" altLang="ko-KR" sz="1400" dirty="0">
               <a:solidFill>
@@ -22353,14 +21883,24 @@
               <a:defRPr/>
             </a:pPr>
             <a:r>
-              <a:rPr lang="ko-KR" altLang="en-US" sz="1400" dirty="0" smtClean="0">
+              <a:rPr lang="ko-KR" altLang="en-US" sz="1400" dirty="0">
                 <a:solidFill>
                   <a:schemeClr val="tx1"/>
                 </a:solidFill>
                 <a:latin typeface="나눔고딕" panose="020D0604000000000000" pitchFamily="50" charset="-127"/>
                 <a:ea typeface="나눔고딕" panose="020D0604000000000000" pitchFamily="50" charset="-127"/>
               </a:rPr>
-              <a:t>모델 </a:t>
+              <a:t>데이터 병렬처리 </a:t>
+            </a:r>
+            <a:r>
+              <a:rPr lang="en-US" altLang="ko-KR" sz="1400" dirty="0">
+                <a:solidFill>
+                  <a:schemeClr val="tx1"/>
+                </a:solidFill>
+                <a:latin typeface="나눔고딕" panose="020D0604000000000000" pitchFamily="50" charset="-127"/>
+                <a:ea typeface="나눔고딕" panose="020D0604000000000000" pitchFamily="50" charset="-127"/>
+              </a:rPr>
+              <a:t>: </a:t>
             </a:r>
             <a:r>
               <a:rPr lang="ko-KR" altLang="en-US" sz="1400" dirty="0">
@@ -22370,17 +21910,17 @@
                 <a:latin typeface="나눔고딕" panose="020D0604000000000000" pitchFamily="50" charset="-127"/>
                 <a:ea typeface="나눔고딕" panose="020D0604000000000000" pitchFamily="50" charset="-127"/>
               </a:rPr>
-              <a:t>병렬처리 </a:t>
-            </a:r>
-            <a:r>
-              <a:rPr lang="en-US" altLang="ko-KR" sz="1400" dirty="0">
+              <a:t>모델의 학습을 가속하기 위해 여러 장비에 데이터들의 학습을 </a:t>
+            </a:r>
+            <a:r>
+              <a:rPr lang="ko-KR" altLang="en-US" sz="1400" dirty="0" err="1">
                 <a:solidFill>
                   <a:schemeClr val="tx1"/>
                 </a:solidFill>
                 <a:latin typeface="나눔고딕" panose="020D0604000000000000" pitchFamily="50" charset="-127"/>
                 <a:ea typeface="나눔고딕" panose="020D0604000000000000" pitchFamily="50" charset="-127"/>
               </a:rPr>
-              <a:t>: </a:t>
+              <a:t>병렬화하는</a:t>
             </a:r>
             <a:r>
               <a:rPr lang="ko-KR" altLang="en-US" sz="1400" dirty="0">
@@ -22390,45 +21930,73 @@
                 <a:latin typeface="나눔고딕" panose="020D0604000000000000" pitchFamily="50" charset="-127"/>
                 <a:ea typeface="나눔고딕" panose="020D0604000000000000" pitchFamily="50" charset="-127"/>
               </a:rPr>
-              <a:t>모델의 </a:t>
-            </a:r>
-            <a:r>
-              <a:rPr lang="ko-KR" altLang="en-US" sz="1400" dirty="0" err="1">
-                <a:solidFill>
-                  <a:schemeClr val="tx1"/>
-                </a:solidFill>
-                <a:latin typeface="나눔고딕" panose="020D0604000000000000" pitchFamily="50" charset="-127"/>
-                <a:ea typeface="나눔고딕" panose="020D0604000000000000" pitchFamily="50" charset="-127"/>
-              </a:rPr>
-              <a:t>파라미터를</a:t>
-            </a:r>
-            <a:r>
-              <a:rPr lang="ko-KR" altLang="en-US" sz="1400" dirty="0">
-                <a:solidFill>
-                  <a:schemeClr val="tx1"/>
-                </a:solidFill>
-                <a:latin typeface="나눔고딕" panose="020D0604000000000000" pitchFamily="50" charset="-127"/>
-                <a:ea typeface="나눔고딕" panose="020D0604000000000000" pitchFamily="50" charset="-127"/>
-              </a:rPr>
-              <a:t> 여러 장비에 나누어 보관하는 모델 </a:t>
-            </a:r>
-            <a:r>
-              <a:rPr lang="ko-KR" altLang="en-US" sz="1400" dirty="0" smtClean="0">
-                <a:solidFill>
-                  <a:schemeClr val="tx1"/>
-                </a:solidFill>
-                <a:latin typeface="나눔고딕" panose="020D0604000000000000" pitchFamily="50" charset="-127"/>
-                <a:ea typeface="나눔고딕" panose="020D0604000000000000" pitchFamily="50" charset="-127"/>
-              </a:rPr>
-              <a:t>분산</a:t>
-            </a:r>
-            <a:endParaRPr lang="ko-KR" altLang="en-US" sz="1400" dirty="0">
+              <a:t> 데이터 분산</a:t>
+            </a:r>
+            <a:endParaRPr lang="en-US" altLang="ko-KR" sz="1400" dirty="0">
               <a:solidFill>
                 <a:schemeClr val="tx1"/>
               </a:solidFill>
               <a:latin typeface="나눔고딕" panose="020D0604000000000000" pitchFamily="50" charset="-127"/>
               <a:ea typeface="나눔고딕" panose="020D0604000000000000" pitchFamily="50" charset="-127"/>
             </a:endParaRPr>
+          </a:p>
+          <a:p>
+            <a:pPr algn="l">
+              <a:lnSpc>
+                <a:spcPct val="150000"/>
+              </a:lnSpc>
+              <a:defRPr/>
+            </a:pPr>
+            <a:r>
+              <a:rPr lang="ko-KR" altLang="en-US" sz="1400" dirty="0">
+                <a:solidFill>
+                  <a:schemeClr val="tx1"/>
+                </a:solidFill>
+                <a:latin typeface="나눔고딕" panose="020D0604000000000000" pitchFamily="50" charset="-127"/>
+                <a:ea typeface="나눔고딕" panose="020D0604000000000000" pitchFamily="50" charset="-127"/>
+              </a:rPr>
+              <a:t>모델 병렬처리 </a:t>
+            </a:r>
+            <a:r>
+              <a:rPr lang="en-US" altLang="ko-KR" sz="1400" dirty="0">
+                <a:solidFill>
+                  <a:schemeClr val="tx1"/>
+                </a:solidFill>
+                <a:latin typeface="나눔고딕" panose="020D0604000000000000" pitchFamily="50" charset="-127"/>
+                <a:ea typeface="나눔고딕" panose="020D0604000000000000" pitchFamily="50" charset="-127"/>
+              </a:rPr>
+              <a:t>: </a:t>
+            </a:r>
+            <a:r>
+              <a:rPr lang="ko-KR" altLang="en-US" sz="1400" dirty="0">
+                <a:solidFill>
+                  <a:schemeClr val="tx1"/>
+                </a:solidFill>
+                <a:latin typeface="나눔고딕" panose="020D0604000000000000" pitchFamily="50" charset="-127"/>
+                <a:ea typeface="나눔고딕" panose="020D0604000000000000" pitchFamily="50" charset="-127"/>
+              </a:rPr>
+              <a:t>모델의 </a:t>
+            </a:r>
+            <a:r>
+              <a:rPr lang="ko-KR" altLang="en-US" sz="1400" dirty="0" err="1">
+                <a:solidFill>
+                  <a:schemeClr val="tx1"/>
+                </a:solidFill>
+                <a:latin typeface="나눔고딕" panose="020D0604000000000000" pitchFamily="50" charset="-127"/>
+                <a:ea typeface="나눔고딕" panose="020D0604000000000000" pitchFamily="50" charset="-127"/>
+              </a:rPr>
+              <a:t>파라미터를</a:t>
+            </a:r>
+            <a:r>
+              <a:rPr lang="ko-KR" altLang="en-US" sz="1400" dirty="0">
+                <a:solidFill>
+                  <a:schemeClr val="tx1"/>
+                </a:solidFill>
+                <a:latin typeface="나눔고딕" panose="020D0604000000000000" pitchFamily="50" charset="-127"/>
+                <a:ea typeface="나눔고딕" panose="020D0604000000000000" pitchFamily="50" charset="-127"/>
+              </a:rPr>
+              <a:t> 여러 장비에 나누어 보관하는 모델 분산</a:t>
+            </a:r>
           </a:p>
         </p:txBody>
       </p:sp>
@@ -22721,20 +22289,20 @@
               <a:buNone/>
             </a:pPr>
             <a:r>
-              <a:rPr lang="en-US" altLang="ko-KR" sz="2800" kern="0" smtClean="0">
+              <a:rPr lang="en-US" altLang="ko-KR" sz="2800" kern="0">
                 <a:latin typeface="나눔고딕 ExtraBold" panose="020D0904000000000000" pitchFamily="50" charset="-127"/>
                 <a:ea typeface="나눔고딕 ExtraBold" panose="020D0904000000000000" pitchFamily="50" charset="-127"/>
               </a:rPr>
               <a:t>1. </a:t>
             </a:r>
             <a:r>
-              <a:rPr lang="ko-KR" altLang="en-US" sz="2800" kern="0" smtClean="0">
+              <a:rPr lang="ko-KR" altLang="en-US" sz="2800" kern="0">
                 <a:latin typeface="나눔고딕 ExtraBold" panose="020D0904000000000000" pitchFamily="50" charset="-127"/>
                 <a:ea typeface="나눔고딕 ExtraBold" panose="020D0904000000000000" pitchFamily="50" charset="-127"/>
               </a:rPr>
               <a:t>분산처리 기술</a:t>
             </a:r>
-            <a:endParaRPr lang="ko-KR" altLang="en-US" sz="2800" kern="0" dirty="0" smtClean="0">
+            <a:endParaRPr lang="ko-KR" altLang="en-US" sz="2800" kern="0" dirty="0">
               <a:latin typeface="나눔고딕 ExtraBold" panose="020D0904000000000000" pitchFamily="50" charset="-127"/>
               <a:ea typeface="나눔고딕 ExtraBold" panose="020D0904000000000000" pitchFamily="50" charset="-127"/>
             </a:endParaRPr>
@@ -22770,60 +22338,46 @@
               <a:buChar char="ü"/>
             </a:pPr>
             <a:r>
-              <a:rPr lang="ko-KR" altLang="en-US" sz="1400" dirty="0" err="1" smtClean="0">
+              <a:rPr lang="ko-KR" altLang="en-US" sz="1400" dirty="0" err="1">
                 <a:latin typeface="나눔고딕" panose="020D0604000000000000" pitchFamily="50" charset="-127"/>
                 <a:ea typeface="나눔고딕" panose="020D0604000000000000" pitchFamily="50" charset="-127"/>
               </a:rPr>
               <a:t>딥러닝</a:t>
             </a:r>
             <a:r>
-              <a:rPr lang="ko-KR" altLang="en-US" sz="1400" dirty="0" smtClean="0">
+              <a:rPr lang="ko-KR" altLang="en-US" sz="1400" dirty="0">
                 <a:latin typeface="나눔고딕" panose="020D0604000000000000" pitchFamily="50" charset="-127"/>
                 <a:ea typeface="나눔고딕" panose="020D0604000000000000" pitchFamily="50" charset="-127"/>
               </a:rPr>
-              <a:t> </a:t>
+              <a:t> 데이터 </a:t>
+            </a:r>
+            <a:r>
+              <a:rPr lang="ko-KR" altLang="en-US" sz="1400" dirty="0" err="1">
+                <a:latin typeface="나눔고딕" panose="020D0604000000000000" pitchFamily="50" charset="-127"/>
+                <a:ea typeface="나눔고딕" panose="020D0604000000000000" pitchFamily="50" charset="-127"/>
+              </a:rPr>
+              <a:t>분산처리는</a:t>
             </a:r>
             <a:r>
               <a:rPr lang="ko-KR" altLang="en-US" sz="1400" dirty="0">
                 <a:latin typeface="나눔고딕" panose="020D0604000000000000" pitchFamily="50" charset="-127"/>
                 <a:ea typeface="나눔고딕" panose="020D0604000000000000" pitchFamily="50" charset="-127"/>
               </a:rPr>
-              <a:t>데이터 </a:t>
+              <a:t> 모델의 파라미터들을 </a:t>
             </a:r>
             <a:r>
               <a:rPr lang="ko-KR" altLang="en-US" sz="1400" dirty="0" err="1">
                 <a:latin typeface="나눔고딕" panose="020D0604000000000000" pitchFamily="50" charset="-127"/>
                 <a:ea typeface="나눔고딕" panose="020D0604000000000000" pitchFamily="50" charset="-127"/>
               </a:rPr>
-              <a:t>분산처리는</a:t>
+              <a:t>업데이는</a:t>
             </a:r>
             <a:r>
               <a:rPr lang="ko-KR" altLang="en-US" sz="1400" dirty="0">
                 <a:latin typeface="나눔고딕" panose="020D0604000000000000" pitchFamily="50" charset="-127"/>
                 <a:ea typeface="나눔고딕" panose="020D0604000000000000" pitchFamily="50" charset="-127"/>
               </a:rPr>
-              <a:t> 모델의 파라미터들을 </a:t>
-            </a:r>
-            <a:r>
-              <a:rPr lang="ko-KR" altLang="en-US" sz="1400" dirty="0" err="1" smtClean="0">
-                <a:latin typeface="나눔고딕" panose="020D0604000000000000" pitchFamily="50" charset="-127"/>
-                <a:ea typeface="나눔고딕" panose="020D0604000000000000" pitchFamily="50" charset="-127"/>
-              </a:rPr>
-              <a:t>업데이는</a:t>
-            </a:r>
-            <a:r>
-              <a:rPr lang="ko-KR" altLang="en-US" sz="1400" dirty="0" smtClean="0">
-                <a:latin typeface="나눔고딕" panose="020D0604000000000000" pitchFamily="50" charset="-127"/>
-                <a:ea typeface="나눔고딕" panose="020D0604000000000000" pitchFamily="50" charset="-127"/>
-              </a:rPr>
-              <a:t> </a:t>
-            </a:r>
-            <a:r>
-              <a:rPr lang="ko-KR" altLang="en-US" sz="1400" dirty="0">
-                <a:latin typeface="나눔고딕" panose="020D0604000000000000" pitchFamily="50" charset="-127"/>
-                <a:ea typeface="나눔고딕" panose="020D0604000000000000" pitchFamily="50" charset="-127"/>
-              </a:rPr>
-              <a:t>하는 것을 목적으로 함</a:t>
+              <a:t> 하는 것을 목적으로 함</a:t>
             </a:r>
           </a:p>
         </p:txBody>
@@ -22838,13 +22392,6 @@
   <p:clrMapOvr>
     <a:masterClrMapping/>
   </p:clrMapOvr>
-  <p:timing>
-    <p:tnLst>
-      <p:par>
-        <p:cTn id="1" dur="indefinite" restart="never" nodeType="tmRoot"/>
-      </p:par>
-    </p:tnLst>
-  </p:timing>
 </p:sld>
 </file>
 
@@ -23155,7 +22702,7 @@
               <a:defRPr/>
             </a:pPr>
             <a:r>
-              <a:rPr lang="ko-KR" altLang="en-US" sz="2000" b="1" dirty="0" smtClean="0">
+              <a:rPr lang="ko-KR" altLang="en-US" sz="2000" b="1" dirty="0">
                 <a:gradFill>
                   <a:gsLst>
                     <a:gs pos="0">
@@ -23173,7 +22720,7 @@
               <a:t>분산의 종류 </a:t>
             </a:r>
             <a:r>
-              <a:rPr lang="en-US" altLang="ko-KR" sz="2000" b="1" dirty="0" smtClean="0">
+              <a:rPr lang="en-US" altLang="ko-KR" sz="2000" b="1" dirty="0">
                 <a:gradFill>
                   <a:gsLst>
                     <a:gs pos="0">
@@ -23191,7 +22738,7 @@
               <a:t>: </a:t>
             </a:r>
             <a:r>
-              <a:rPr lang="ko-KR" altLang="en-US" sz="2000" b="1" dirty="0" smtClean="0">
+              <a:rPr lang="ko-KR" altLang="en-US" sz="2000" b="1" dirty="0">
                 <a:gradFill>
                   <a:gsLst>
                     <a:gs pos="0">
@@ -23516,7 +23063,7 @@
               <a:defRPr/>
             </a:pPr>
             <a:r>
-              <a:rPr lang="ko-KR" altLang="en-US" sz="1400" dirty="0" err="1" smtClean="0">
+              <a:rPr lang="ko-KR" altLang="en-US" sz="1400" dirty="0" err="1">
                 <a:solidFill>
                   <a:schemeClr val="tx1"/>
                 </a:solidFill>
@@ -23526,7 +23073,7 @@
               <a:t>딥러닝</a:t>
             </a:r>
             <a:r>
-              <a:rPr lang="ko-KR" altLang="en-US" sz="1400" dirty="0" smtClean="0">
+              <a:rPr lang="ko-KR" altLang="en-US" sz="1400" dirty="0">
                 <a:solidFill>
                   <a:schemeClr val="tx1"/>
                 </a:solidFill>
@@ -23534,71 +23081,6 @@
                 <a:ea typeface="나눔고딕" panose="020D0604000000000000" pitchFamily="50" charset="-127"/>
               </a:rPr>
               <a:t> 분산은 목적에 따라 크게 두 가지로 분류</a:t>
-            </a:r>
-            <a:endParaRPr lang="en-US" altLang="ko-KR" sz="1400" dirty="0" smtClean="0">
-              <a:solidFill>
-                <a:schemeClr val="tx1"/>
-              </a:solidFill>
-              <a:latin typeface="나눔고딕" panose="020D0604000000000000" pitchFamily="50" charset="-127"/>
-              <a:ea typeface="나눔고딕" panose="020D0604000000000000" pitchFamily="50" charset="-127"/>
-            </a:endParaRPr>
-          </a:p>
-          <a:p>
-            <a:pPr algn="l">
-              <a:lnSpc>
-                <a:spcPct val="150000"/>
-              </a:lnSpc>
-              <a:defRPr/>
-            </a:pPr>
-            <a:r>
-              <a:rPr lang="ko-KR" altLang="en-US" sz="1400" dirty="0">
-                <a:solidFill>
-                  <a:schemeClr val="tx1"/>
-                </a:solidFill>
-                <a:latin typeface="나눔고딕" panose="020D0604000000000000" pitchFamily="50" charset="-127"/>
-                <a:ea typeface="나눔고딕" panose="020D0604000000000000" pitchFamily="50" charset="-127"/>
-              </a:rPr>
-              <a:t>데이터 병렬처리 </a:t>
-            </a:r>
-            <a:r>
-              <a:rPr lang="en-US" altLang="ko-KR" sz="1400" dirty="0">
-                <a:solidFill>
-                  <a:schemeClr val="tx1"/>
-                </a:solidFill>
-                <a:latin typeface="나눔고딕" panose="020D0604000000000000" pitchFamily="50" charset="-127"/>
-                <a:ea typeface="나눔고딕" panose="020D0604000000000000" pitchFamily="50" charset="-127"/>
-              </a:rPr>
-              <a:t>: </a:t>
-            </a:r>
-            <a:r>
-              <a:rPr lang="ko-KR" altLang="en-US" sz="1400" dirty="0">
-                <a:solidFill>
-                  <a:schemeClr val="tx1"/>
-                </a:solidFill>
-                <a:latin typeface="나눔고딕" panose="020D0604000000000000" pitchFamily="50" charset="-127"/>
-                <a:ea typeface="나눔고딕" panose="020D0604000000000000" pitchFamily="50" charset="-127"/>
-              </a:rPr>
-              <a:t>모델의 학습을 가속하기 위해 여러 장비에 데이터들의 학습을 </a:t>
-            </a:r>
-            <a:r>
-              <a:rPr lang="ko-KR" altLang="en-US" sz="1400" dirty="0" err="1">
-                <a:solidFill>
-                  <a:schemeClr val="tx1"/>
-                </a:solidFill>
-                <a:latin typeface="나눔고딕" panose="020D0604000000000000" pitchFamily="50" charset="-127"/>
-                <a:ea typeface="나눔고딕" panose="020D0604000000000000" pitchFamily="50" charset="-127"/>
-              </a:rPr>
-              <a:t>병렬화하는</a:t>
-            </a:r>
-            <a:r>
-              <a:rPr lang="ko-KR" altLang="en-US" sz="1400" dirty="0">
-                <a:solidFill>
-                  <a:schemeClr val="tx1"/>
-                </a:solidFill>
-                <a:latin typeface="나눔고딕" panose="020D0604000000000000" pitchFamily="50" charset="-127"/>
-                <a:ea typeface="나눔고딕" panose="020D0604000000000000" pitchFamily="50" charset="-127"/>
-              </a:rPr>
-              <a:t> 데이터 분산</a:t>
             </a:r>
             <a:endParaRPr lang="en-US" altLang="ko-KR" sz="1400" dirty="0">
               <a:solidFill>
@@ -23616,14 +23098,24 @@
               <a:defRPr/>
             </a:pPr>
             <a:r>
-              <a:rPr lang="ko-KR" altLang="en-US" sz="1400" dirty="0" smtClean="0">
+              <a:rPr lang="ko-KR" altLang="en-US" sz="1400" dirty="0">
                 <a:solidFill>
                   <a:schemeClr val="tx1"/>
                 </a:solidFill>
                 <a:latin typeface="나눔고딕" panose="020D0604000000000000" pitchFamily="50" charset="-127"/>
                 <a:ea typeface="나눔고딕" panose="020D0604000000000000" pitchFamily="50" charset="-127"/>
               </a:rPr>
-              <a:t>모델 </a:t>
+              <a:t>데이터 병렬처리 </a:t>
+            </a:r>
+            <a:r>
+              <a:rPr lang="en-US" altLang="ko-KR" sz="1400" dirty="0">
+                <a:solidFill>
+                  <a:schemeClr val="tx1"/>
+                </a:solidFill>
+                <a:latin typeface="나눔고딕" panose="020D0604000000000000" pitchFamily="50" charset="-127"/>
+                <a:ea typeface="나눔고딕" panose="020D0604000000000000" pitchFamily="50" charset="-127"/>
+              </a:rPr>
+              <a:t>: </a:t>
             </a:r>
             <a:r>
               <a:rPr lang="ko-KR" altLang="en-US" sz="1400" dirty="0">
@@ -23633,17 +23125,17 @@
                 <a:latin typeface="나눔고딕" panose="020D0604000000000000" pitchFamily="50" charset="-127"/>
                 <a:ea typeface="나눔고딕" panose="020D0604000000000000" pitchFamily="50" charset="-127"/>
               </a:rPr>
-              <a:t>병렬처리 </a:t>
-            </a:r>
-            <a:r>
-              <a:rPr lang="en-US" altLang="ko-KR" sz="1400" dirty="0">
+              <a:t>모델의 학습을 가속하기 위해 여러 장비에 데이터들의 학습을 </a:t>
+            </a:r>
+            <a:r>
+              <a:rPr lang="ko-KR" altLang="en-US" sz="1400" dirty="0" err="1">
                 <a:solidFill>
                   <a:schemeClr val="tx1"/>
                 </a:solidFill>
                 <a:latin typeface="나눔고딕" panose="020D0604000000000000" pitchFamily="50" charset="-127"/>
                 <a:ea typeface="나눔고딕" panose="020D0604000000000000" pitchFamily="50" charset="-127"/>
               </a:rPr>
-              <a:t>: </a:t>
+              <a:t>병렬화하는</a:t>
             </a:r>
             <a:r>
               <a:rPr lang="ko-KR" altLang="en-US" sz="1400" dirty="0">
@@ -23653,45 +23145,73 @@
                 <a:latin typeface="나눔고딕" panose="020D0604000000000000" pitchFamily="50" charset="-127"/>
                 <a:ea typeface="나눔고딕" panose="020D0604000000000000" pitchFamily="50" charset="-127"/>
               </a:rPr>
-              <a:t>모델의 </a:t>
-            </a:r>
-            <a:r>
-              <a:rPr lang="ko-KR" altLang="en-US" sz="1400" dirty="0" err="1">
-                <a:solidFill>
-                  <a:schemeClr val="tx1"/>
-                </a:solidFill>
-                <a:latin typeface="나눔고딕" panose="020D0604000000000000" pitchFamily="50" charset="-127"/>
-                <a:ea typeface="나눔고딕" panose="020D0604000000000000" pitchFamily="50" charset="-127"/>
-              </a:rPr>
-              <a:t>파라미터를</a:t>
-            </a:r>
-            <a:r>
-              <a:rPr lang="ko-KR" altLang="en-US" sz="1400" dirty="0">
-                <a:solidFill>
-                  <a:schemeClr val="tx1"/>
-                </a:solidFill>
-                <a:latin typeface="나눔고딕" panose="020D0604000000000000" pitchFamily="50" charset="-127"/>
-                <a:ea typeface="나눔고딕" panose="020D0604000000000000" pitchFamily="50" charset="-127"/>
-              </a:rPr>
-              <a:t> 여러 장비에 나누어 보관하는 모델 </a:t>
-            </a:r>
-            <a:r>
-              <a:rPr lang="ko-KR" altLang="en-US" sz="1400" dirty="0" smtClean="0">
-                <a:solidFill>
-                  <a:schemeClr val="tx1"/>
-                </a:solidFill>
-                <a:latin typeface="나눔고딕" panose="020D0604000000000000" pitchFamily="50" charset="-127"/>
-                <a:ea typeface="나눔고딕" panose="020D0604000000000000" pitchFamily="50" charset="-127"/>
-              </a:rPr>
-              <a:t>분산</a:t>
-            </a:r>
-            <a:endParaRPr lang="ko-KR" altLang="en-US" sz="1400" dirty="0">
+              <a:t> 데이터 분산</a:t>
+            </a:r>
+            <a:endParaRPr lang="en-US" altLang="ko-KR" sz="1400" dirty="0">
               <a:solidFill>
                 <a:schemeClr val="tx1"/>
               </a:solidFill>
               <a:latin typeface="나눔고딕" panose="020D0604000000000000" pitchFamily="50" charset="-127"/>
               <a:ea typeface="나눔고딕" panose="020D0604000000000000" pitchFamily="50" charset="-127"/>
             </a:endParaRPr>
+          </a:p>
+          <a:p>
+            <a:pPr algn="l">
+              <a:lnSpc>
+                <a:spcPct val="150000"/>
+              </a:lnSpc>
+              <a:defRPr/>
+            </a:pPr>
+            <a:r>
+              <a:rPr lang="ko-KR" altLang="en-US" sz="1400" dirty="0">
+                <a:solidFill>
+                  <a:schemeClr val="tx1"/>
+                </a:solidFill>
+                <a:latin typeface="나눔고딕" panose="020D0604000000000000" pitchFamily="50" charset="-127"/>
+                <a:ea typeface="나눔고딕" panose="020D0604000000000000" pitchFamily="50" charset="-127"/>
+              </a:rPr>
+              <a:t>모델 병렬처리 </a:t>
+            </a:r>
+            <a:r>
+              <a:rPr lang="en-US" altLang="ko-KR" sz="1400" dirty="0">
+                <a:solidFill>
+                  <a:schemeClr val="tx1"/>
+                </a:solidFill>
+                <a:latin typeface="나눔고딕" panose="020D0604000000000000" pitchFamily="50" charset="-127"/>
+                <a:ea typeface="나눔고딕" panose="020D0604000000000000" pitchFamily="50" charset="-127"/>
+              </a:rPr>
+              <a:t>: </a:t>
+            </a:r>
+            <a:r>
+              <a:rPr lang="ko-KR" altLang="en-US" sz="1400" dirty="0">
+                <a:solidFill>
+                  <a:schemeClr val="tx1"/>
+                </a:solidFill>
+                <a:latin typeface="나눔고딕" panose="020D0604000000000000" pitchFamily="50" charset="-127"/>
+                <a:ea typeface="나눔고딕" panose="020D0604000000000000" pitchFamily="50" charset="-127"/>
+              </a:rPr>
+              <a:t>모델의 </a:t>
+            </a:r>
+            <a:r>
+              <a:rPr lang="ko-KR" altLang="en-US" sz="1400" dirty="0" err="1">
+                <a:solidFill>
+                  <a:schemeClr val="tx1"/>
+                </a:solidFill>
+                <a:latin typeface="나눔고딕" panose="020D0604000000000000" pitchFamily="50" charset="-127"/>
+                <a:ea typeface="나눔고딕" panose="020D0604000000000000" pitchFamily="50" charset="-127"/>
+              </a:rPr>
+              <a:t>파라미터를</a:t>
+            </a:r>
+            <a:r>
+              <a:rPr lang="ko-KR" altLang="en-US" sz="1400" dirty="0">
+                <a:solidFill>
+                  <a:schemeClr val="tx1"/>
+                </a:solidFill>
+                <a:latin typeface="나눔고딕" panose="020D0604000000000000" pitchFamily="50" charset="-127"/>
+                <a:ea typeface="나눔고딕" panose="020D0604000000000000" pitchFamily="50" charset="-127"/>
+              </a:rPr>
+              <a:t> 여러 장비에 나누어 보관하는 모델 분산</a:t>
+            </a:r>
           </a:p>
         </p:txBody>
       </p:sp>
@@ -23782,16 +23302,12 @@
                 <a:tabLst/>
               </a:pPr>
               <a:r>
-                <a:rPr lang="ko-KR" altLang="en-US" sz="1400" u="sng" dirty="0" smtClean="0">
+                <a:rPr lang="ko-KR" altLang="en-US" sz="1400" u="sng" dirty="0">
                   <a:latin typeface="나눔고딕" panose="020D0604000000000000" pitchFamily="50" charset="-127"/>
                   <a:ea typeface="나눔고딕" panose="020D0604000000000000" pitchFamily="50" charset="-127"/>
                 </a:rPr>
                 <a:t>모델 병렬처리</a:t>
               </a:r>
-              <a:endParaRPr lang="ko-KR" altLang="en-US" sz="1400" u="sng" dirty="0">
-                <a:latin typeface="나눔고딕" panose="020D0604000000000000" pitchFamily="50" charset="-127"/>
-                <a:ea typeface="나눔고딕" panose="020D0604000000000000" pitchFamily="50" charset="-127"/>
-              </a:endParaRPr>
             </a:p>
           </p:txBody>
         </p:sp>
@@ -23988,20 +23504,20 @@
               <a:buNone/>
             </a:pPr>
             <a:r>
-              <a:rPr lang="en-US" altLang="ko-KR" sz="2800" kern="0" smtClean="0">
+              <a:rPr lang="en-US" altLang="ko-KR" sz="2800" kern="0">
                 <a:latin typeface="나눔고딕 ExtraBold" panose="020D0904000000000000" pitchFamily="50" charset="-127"/>
                 <a:ea typeface="나눔고딕 ExtraBold" panose="020D0904000000000000" pitchFamily="50" charset="-127"/>
               </a:rPr>
               <a:t>1. </a:t>
             </a:r>
             <a:r>
-              <a:rPr lang="ko-KR" altLang="en-US" sz="2800" kern="0" smtClean="0">
+              <a:rPr lang="ko-KR" altLang="en-US" sz="2800" kern="0">
                 <a:latin typeface="나눔고딕 ExtraBold" panose="020D0904000000000000" pitchFamily="50" charset="-127"/>
                 <a:ea typeface="나눔고딕 ExtraBold" panose="020D0904000000000000" pitchFamily="50" charset="-127"/>
               </a:rPr>
               <a:t>분산처리 기술</a:t>
             </a:r>
-            <a:endParaRPr lang="ko-KR" altLang="en-US" sz="2800" kern="0" dirty="0" smtClean="0">
+            <a:endParaRPr lang="ko-KR" altLang="en-US" sz="2800" kern="0" dirty="0">
               <a:latin typeface="나눔고딕 ExtraBold" panose="020D0904000000000000" pitchFamily="50" charset="-127"/>
               <a:ea typeface="나눔고딕 ExtraBold" panose="020D0904000000000000" pitchFamily="50" charset="-127"/>
             </a:endParaRPr>
@@ -24037,32 +23553,11 @@
               <a:buChar char="ü"/>
             </a:pPr>
             <a:r>
-              <a:rPr lang="ko-KR" altLang="en-US" sz="1400" dirty="0" smtClean="0">
+              <a:rPr lang="ko-KR" altLang="en-US" sz="1400" dirty="0">
                 <a:latin typeface="나눔고딕" panose="020D0604000000000000" pitchFamily="50" charset="-127"/>
                 <a:ea typeface="나눔고딕" panose="020D0604000000000000" pitchFamily="50" charset="-127"/>
               </a:rPr>
-              <a:t>모델의 </a:t>
-            </a:r>
-            <a:r>
-              <a:rPr lang="ko-KR" altLang="en-US" sz="1400" dirty="0">
-                <a:latin typeface="나눔고딕" panose="020D0604000000000000" pitchFamily="50" charset="-127"/>
-                <a:ea typeface="나눔고딕" panose="020D0604000000000000" pitchFamily="50" charset="-127"/>
-              </a:rPr>
-              <a:t>크기가 커서 하나의 장비에서 감당할 수 </a:t>
-            </a:r>
-            <a:r>
-              <a:rPr lang="ko-KR" altLang="en-US" sz="1400" dirty="0" smtClean="0">
-                <a:latin typeface="나눔고딕" panose="020D0604000000000000" pitchFamily="50" charset="-127"/>
-                <a:ea typeface="나눔고딕" panose="020D0604000000000000" pitchFamily="50" charset="-127"/>
-              </a:rPr>
-              <a:t>없을 </a:t>
-            </a:r>
-            <a:r>
-              <a:rPr lang="ko-KR" altLang="en-US" sz="1400" dirty="0">
-                <a:latin typeface="나눔고딕" panose="020D0604000000000000" pitchFamily="50" charset="-127"/>
-                <a:ea typeface="나눔고딕" panose="020D0604000000000000" pitchFamily="50" charset="-127"/>
-              </a:rPr>
-              <a:t>때 여러 </a:t>
+              <a:t>모델의 크기가 커서 하나의 장비에서 감당할 수 없을 때 여러 </a:t>
             </a:r>
             <a:r>
               <a:rPr lang="ko-KR" altLang="en-US" sz="1400" dirty="0" err="1">
@@ -24088,28 +23583,35 @@
               <a:buChar char="ü"/>
             </a:pPr>
             <a:r>
-              <a:rPr lang="ko-KR" altLang="en-US" sz="1400" dirty="0" smtClean="0">
+              <a:rPr lang="ko-KR" altLang="en-US" sz="1400" dirty="0">
                 <a:latin typeface="나눔고딕" panose="020D0604000000000000" pitchFamily="50" charset="-127"/>
                 <a:ea typeface="나눔고딕" panose="020D0604000000000000" pitchFamily="50" charset="-127"/>
               </a:rPr>
-              <a:t>모델을 </a:t>
+              <a:t>모델을 학습하기 위하여 모델의 파라미터들이 </a:t>
+            </a:r>
+            <a:r>
+              <a:rPr lang="ko-KR" altLang="en-US" sz="1400" dirty="0" err="1">
+                <a:latin typeface="나눔고딕" panose="020D0604000000000000" pitchFamily="50" charset="-127"/>
+                <a:ea typeface="나눔고딕" panose="020D0604000000000000" pitchFamily="50" charset="-127"/>
+              </a:rPr>
+              <a:t>그래디언트를</a:t>
             </a:r>
             <a:r>
               <a:rPr lang="ko-KR" altLang="en-US" sz="1400" dirty="0">
                 <a:latin typeface="나눔고딕" panose="020D0604000000000000" pitchFamily="50" charset="-127"/>
                 <a:ea typeface="나눔고딕" panose="020D0604000000000000" pitchFamily="50" charset="-127"/>
               </a:rPr>
-              <a:t>학습하기 위하여 모델의 파라미터들이 </a:t>
-            </a:r>
-            <a:r>
-              <a:rPr lang="ko-KR" altLang="en-US" sz="1400" dirty="0" err="1" smtClean="0">
+              <a:t> </a:t>
+            </a:r>
+            <a:r>
+              <a:rPr lang="ko-KR" altLang="en-US" sz="1400" dirty="0" err="1">
                 <a:latin typeface="나눔고딕" panose="020D0604000000000000" pitchFamily="50" charset="-127"/>
                 <a:ea typeface="나눔고딕" panose="020D0604000000000000" pitchFamily="50" charset="-127"/>
               </a:rPr>
-              <a:t>그래디언트를</a:t>
-            </a:r>
-            <a:r>
-              <a:rPr lang="ko-KR" altLang="en-US" sz="1400" dirty="0" smtClean="0">
+              <a:t>연계적으로</a:t>
+            </a:r>
+            <a:r>
+              <a:rPr lang="ko-KR" altLang="en-US" sz="1400" dirty="0">
                 <a:latin typeface="나눔고딕" panose="020D0604000000000000" pitchFamily="50" charset="-127"/>
                 <a:ea typeface="나눔고딕" panose="020D0604000000000000" pitchFamily="50" charset="-127"/>
               </a:rPr>
@@ -24120,42 +23622,14 @@
                 <a:latin typeface="나눔고딕" panose="020D0604000000000000" pitchFamily="50" charset="-127"/>
                 <a:ea typeface="나눔고딕" panose="020D0604000000000000" pitchFamily="50" charset="-127"/>
               </a:rPr>
-              <a:t>연계적으로</a:t>
+              <a:t>역전파해야</a:t>
             </a:r>
             <a:r>
               <a:rPr lang="ko-KR" altLang="en-US" sz="1400" dirty="0">
                 <a:latin typeface="나눔고딕" panose="020D0604000000000000" pitchFamily="50" charset="-127"/>
                 <a:ea typeface="나눔고딕" panose="020D0604000000000000" pitchFamily="50" charset="-127"/>
               </a:rPr>
-              <a:t> </a:t>
-            </a:r>
-            <a:r>
-              <a:rPr lang="ko-KR" altLang="en-US" sz="1400" dirty="0" err="1">
-                <a:latin typeface="나눔고딕" panose="020D0604000000000000" pitchFamily="50" charset="-127"/>
-                <a:ea typeface="나눔고딕" panose="020D0604000000000000" pitchFamily="50" charset="-127"/>
-              </a:rPr>
-              <a:t>역전파해야</a:t>
-            </a:r>
-            <a:r>
-              <a:rPr lang="ko-KR" altLang="en-US" sz="1400" dirty="0">
-                <a:latin typeface="나눔고딕" panose="020D0604000000000000" pitchFamily="50" charset="-127"/>
-                <a:ea typeface="나눔고딕" panose="020D0604000000000000" pitchFamily="50" charset="-127"/>
-              </a:rPr>
-              <a:t> 하기 </a:t>
-            </a:r>
-            <a:r>
-              <a:rPr lang="ko-KR" altLang="en-US" sz="1400" dirty="0" smtClean="0">
-                <a:latin typeface="나눔고딕" panose="020D0604000000000000" pitchFamily="50" charset="-127"/>
-                <a:ea typeface="나눔고딕" panose="020D0604000000000000" pitchFamily="50" charset="-127"/>
-              </a:rPr>
-              <a:t>때문에 </a:t>
-            </a:r>
-            <a:r>
-              <a:rPr lang="ko-KR" altLang="en-US" sz="1400" dirty="0">
-                <a:latin typeface="나눔고딕" panose="020D0604000000000000" pitchFamily="50" charset="-127"/>
-                <a:ea typeface="나눔고딕" panose="020D0604000000000000" pitchFamily="50" charset="-127"/>
-              </a:rPr>
-              <a:t>각 장비간 통신이 중요</a:t>
+              <a:t> 하기 때문에 각 장비간 통신이 중요</a:t>
             </a:r>
           </a:p>
         </p:txBody>
@@ -24170,13 +23644,6 @@
   <p:clrMapOvr>
     <a:masterClrMapping/>
   </p:clrMapOvr>
-  <p:timing>
-    <p:tnLst>
-      <p:par>
-        <p:cTn id="1" dur="indefinite" restart="never" nodeType="tmRoot"/>
-      </p:par>
-    </p:tnLst>
-  </p:timing>
 </p:sld>
 </file>
 
@@ -24487,7 +23954,7 @@
               <a:defRPr/>
             </a:pPr>
             <a:r>
-              <a:rPr lang="ko-KR" altLang="en-US" sz="1400" dirty="0" err="1" smtClean="0">
+              <a:rPr lang="ko-KR" altLang="en-US" sz="1400" dirty="0" err="1">
                 <a:solidFill>
                   <a:schemeClr val="tx1"/>
                 </a:solidFill>
@@ -24497,7 +23964,7 @@
               <a:t>컨볼루션</a:t>
             </a:r>
             <a:r>
-              <a:rPr lang="ko-KR" altLang="en-US" sz="1400" dirty="0" smtClean="0">
+              <a:rPr lang="ko-KR" altLang="en-US" sz="1400" dirty="0">
                 <a:solidFill>
                   <a:schemeClr val="tx1"/>
                 </a:solidFill>
@@ -24507,7 +23974,7 @@
               <a:t> 네트워크 </a:t>
             </a:r>
             <a:r>
-              <a:rPr lang="en-US" altLang="ko-KR" sz="1400" dirty="0" smtClean="0">
+              <a:rPr lang="en-US" altLang="ko-KR" sz="1400" dirty="0">
                 <a:solidFill>
                   <a:schemeClr val="tx1"/>
                 </a:solidFill>
@@ -24517,7 +23984,7 @@
               <a:t>=</a:t>
             </a:r>
             <a:r>
-              <a:rPr lang="ko-KR" altLang="en-US" sz="1400" dirty="0" smtClean="0">
+              <a:rPr lang="ko-KR" altLang="en-US" sz="1400" dirty="0">
                 <a:solidFill>
                   <a:schemeClr val="tx1"/>
                 </a:solidFill>
@@ -24527,7 +23994,7 @@
               <a:t> </a:t>
             </a:r>
             <a:r>
-              <a:rPr lang="ko-KR" altLang="en-US" sz="1400" dirty="0" err="1" smtClean="0">
+              <a:rPr lang="ko-KR" altLang="en-US" sz="1400" dirty="0" err="1">
                 <a:solidFill>
                   <a:schemeClr val="tx1"/>
                 </a:solidFill>
@@ -24537,7 +24004,7 @@
               <a:t>컨볼루션</a:t>
             </a:r>
             <a:r>
-              <a:rPr lang="ko-KR" altLang="en-US" sz="1400" dirty="0" smtClean="0">
+              <a:rPr lang="ko-KR" altLang="en-US" sz="1400" dirty="0">
                 <a:solidFill>
                   <a:schemeClr val="tx1"/>
                 </a:solidFill>
@@ -24547,7 +24014,7 @@
               <a:t> 층 </a:t>
             </a:r>
             <a:r>
-              <a:rPr lang="en-US" altLang="ko-KR" sz="1400" dirty="0" smtClean="0">
+              <a:rPr lang="en-US" altLang="ko-KR" sz="1400" dirty="0">
                 <a:solidFill>
                   <a:schemeClr val="tx1"/>
                 </a:solidFill>
@@ -24557,7 +24024,7 @@
               <a:t>+ </a:t>
             </a:r>
             <a:r>
-              <a:rPr lang="ko-KR" altLang="en-US" sz="1400" dirty="0" smtClean="0">
+              <a:rPr lang="ko-KR" altLang="en-US" sz="1400" dirty="0">
                 <a:solidFill>
                   <a:schemeClr val="tx1"/>
                 </a:solidFill>
@@ -24566,7 +24033,7 @@
               </a:rPr>
               <a:t>완전 연결 층</a:t>
             </a:r>
-            <a:endParaRPr lang="en-US" altLang="ko-KR" sz="1400" dirty="0" smtClean="0">
+            <a:endParaRPr lang="en-US" altLang="ko-KR" sz="1400" dirty="0">
               <a:solidFill>
                 <a:schemeClr val="tx1"/>
               </a:solidFill>
@@ -24582,7 +24049,7 @@
               <a:defRPr/>
             </a:pPr>
             <a:r>
-              <a:rPr lang="ko-KR" altLang="en-US" sz="1400" dirty="0" err="1" smtClean="0">
+              <a:rPr lang="ko-KR" altLang="en-US" sz="1400" dirty="0" err="1">
                 <a:solidFill>
                   <a:schemeClr val="tx1"/>
                 </a:solidFill>
@@ -24592,7 +24059,7 @@
               <a:t>컨볼루션</a:t>
             </a:r>
             <a:r>
-              <a:rPr lang="ko-KR" altLang="en-US" sz="1400" dirty="0" smtClean="0">
+              <a:rPr lang="ko-KR" altLang="en-US" sz="1400" dirty="0">
                 <a:solidFill>
                   <a:schemeClr val="tx1"/>
                 </a:solidFill>
@@ -24602,7 +24069,7 @@
               <a:t> 층은 웨이트 중에서 약 </a:t>
             </a:r>
             <a:r>
-              <a:rPr lang="en-US" altLang="ko-KR" sz="1400" dirty="0" smtClean="0">
+              <a:rPr lang="en-US" altLang="ko-KR" sz="1400" dirty="0">
                 <a:solidFill>
                   <a:schemeClr val="tx1"/>
                 </a:solidFill>
@@ -24612,7 +24079,7 @@
               <a:t>5% </a:t>
             </a:r>
             <a:r>
-              <a:rPr lang="ko-KR" altLang="en-US" sz="1400" dirty="0" smtClean="0">
+              <a:rPr lang="ko-KR" altLang="en-US" sz="1400" dirty="0">
                 <a:solidFill>
                   <a:schemeClr val="tx1"/>
                 </a:solidFill>
@@ -24622,7 +24089,7 @@
               <a:t>차지</a:t>
             </a:r>
             <a:r>
-              <a:rPr lang="en-US" altLang="ko-KR" sz="1400" dirty="0" smtClean="0">
+              <a:rPr lang="en-US" altLang="ko-KR" sz="1400" dirty="0">
                 <a:solidFill>
                   <a:schemeClr val="tx1"/>
                 </a:solidFill>
@@ -24632,7 +24099,7 @@
               <a:t>, </a:t>
             </a:r>
             <a:r>
-              <a:rPr lang="ko-KR" altLang="en-US" sz="1400" dirty="0" smtClean="0">
+              <a:rPr lang="ko-KR" altLang="en-US" sz="1400" dirty="0">
                 <a:solidFill>
                   <a:schemeClr val="tx1"/>
                 </a:solidFill>
@@ -24642,7 +24109,7 @@
               <a:t>연산은 약 </a:t>
             </a:r>
             <a:r>
-              <a:rPr lang="en-US" altLang="ko-KR" sz="1400" dirty="0" smtClean="0">
+              <a:rPr lang="en-US" altLang="ko-KR" sz="1400" dirty="0">
                 <a:solidFill>
                   <a:schemeClr val="tx1"/>
                 </a:solidFill>
@@ -24652,7 +24119,7 @@
               <a:t>95% </a:t>
             </a:r>
             <a:r>
-              <a:rPr lang="ko-KR" altLang="en-US" sz="1400" dirty="0" smtClean="0">
+              <a:rPr lang="ko-KR" altLang="en-US" sz="1400" dirty="0">
                 <a:solidFill>
                   <a:schemeClr val="tx1"/>
                 </a:solidFill>
@@ -24661,7 +24128,7 @@
               </a:rPr>
               <a:t>담당</a:t>
             </a:r>
-            <a:endParaRPr lang="en-US" altLang="ko-KR" sz="1400" dirty="0" smtClean="0">
+            <a:endParaRPr lang="en-US" altLang="ko-KR" sz="1400" dirty="0">
               <a:solidFill>
                 <a:schemeClr val="tx1"/>
               </a:solidFill>
@@ -24677,7 +24144,7 @@
               <a:defRPr/>
             </a:pPr>
             <a:r>
-              <a:rPr lang="ko-KR" altLang="en-US" sz="1400" dirty="0" smtClean="0">
+              <a:rPr lang="ko-KR" altLang="en-US" sz="1400" dirty="0">
                 <a:solidFill>
                   <a:schemeClr val="tx1"/>
                 </a:solidFill>
@@ -24687,7 +24154,7 @@
               <a:t>완전 연결 층은 웨이트가 약 </a:t>
             </a:r>
             <a:r>
-              <a:rPr lang="en-US" altLang="ko-KR" sz="1400" dirty="0" smtClean="0">
+              <a:rPr lang="en-US" altLang="ko-KR" sz="1400" dirty="0">
                 <a:solidFill>
                   <a:schemeClr val="tx1"/>
                 </a:solidFill>
@@ -24697,7 +24164,7 @@
               <a:t>95% </a:t>
             </a:r>
             <a:r>
-              <a:rPr lang="ko-KR" altLang="en-US" sz="1400" dirty="0" smtClean="0">
+              <a:rPr lang="ko-KR" altLang="en-US" sz="1400" dirty="0">
                 <a:solidFill>
                   <a:schemeClr val="tx1"/>
                 </a:solidFill>
@@ -24707,7 +24174,7 @@
               <a:t>차지</a:t>
             </a:r>
             <a:r>
-              <a:rPr lang="en-US" altLang="ko-KR" sz="1400" dirty="0" smtClean="0">
+              <a:rPr lang="en-US" altLang="ko-KR" sz="1400" dirty="0">
                 <a:solidFill>
                   <a:schemeClr val="tx1"/>
                 </a:solidFill>
@@ -24717,7 +24184,7 @@
               <a:t>, </a:t>
             </a:r>
             <a:r>
-              <a:rPr lang="ko-KR" altLang="en-US" sz="1400" dirty="0" smtClean="0">
+              <a:rPr lang="ko-KR" altLang="en-US" sz="1400" dirty="0">
                 <a:solidFill>
                   <a:schemeClr val="tx1"/>
                 </a:solidFill>
@@ -24727,7 +24194,7 @@
               <a:t>반면 연산은 약 </a:t>
             </a:r>
             <a:r>
-              <a:rPr lang="en-US" altLang="ko-KR" sz="1400" dirty="0" smtClean="0">
+              <a:rPr lang="en-US" altLang="ko-KR" sz="1400" dirty="0">
                 <a:solidFill>
                   <a:schemeClr val="tx1"/>
                 </a:solidFill>
@@ -24737,7 +24204,7 @@
               <a:t>5% </a:t>
             </a:r>
             <a:r>
-              <a:rPr lang="ko-KR" altLang="en-US" sz="1400" dirty="0" smtClean="0">
+              <a:rPr lang="ko-KR" altLang="en-US" sz="1400" dirty="0">
                 <a:solidFill>
                   <a:schemeClr val="tx1"/>
                 </a:solidFill>
@@ -24746,7 +24213,7 @@
               </a:rPr>
               <a:t>담당</a:t>
             </a:r>
-            <a:endParaRPr lang="en-US" altLang="ko-KR" sz="1400" dirty="0" smtClean="0">
+            <a:endParaRPr lang="en-US" altLang="ko-KR" sz="1400" dirty="0">
               <a:solidFill>
                 <a:schemeClr val="tx1"/>
               </a:solidFill>
@@ -24762,7 +24229,7 @@
               <a:defRPr/>
             </a:pPr>
             <a:r>
-              <a:rPr lang="ko-KR" altLang="en-US" sz="1400" dirty="0" err="1" smtClean="0">
+              <a:rPr lang="ko-KR" altLang="en-US" sz="1400" dirty="0" err="1">
                 <a:solidFill>
                   <a:schemeClr val="tx1"/>
                 </a:solidFill>
@@ -24772,7 +24239,7 @@
               <a:t>컨볼루션</a:t>
             </a:r>
             <a:r>
-              <a:rPr lang="ko-KR" altLang="en-US" sz="1400" dirty="0" smtClean="0">
+              <a:rPr lang="ko-KR" altLang="en-US" sz="1400" dirty="0">
                 <a:solidFill>
                   <a:schemeClr val="tx1"/>
                 </a:solidFill>
@@ -24782,7 +24249,7 @@
               <a:t> 층은 데이터 분산 병렬처리 기술을 적용하고</a:t>
             </a:r>
             <a:r>
-              <a:rPr lang="en-US" altLang="ko-KR" sz="1400" dirty="0" smtClean="0">
+              <a:rPr lang="en-US" altLang="ko-KR" sz="1400" dirty="0">
                 <a:solidFill>
                   <a:schemeClr val="tx1"/>
                 </a:solidFill>
@@ -24792,7 +24259,7 @@
               <a:t>, </a:t>
             </a:r>
             <a:r>
-              <a:rPr lang="ko-KR" altLang="en-US" sz="1400" dirty="0" smtClean="0">
+              <a:rPr lang="ko-KR" altLang="en-US" sz="1400" dirty="0">
                 <a:solidFill>
                   <a:schemeClr val="tx1"/>
                 </a:solidFill>
@@ -24801,7 +24268,7 @@
               </a:rPr>
               <a:t>완전 연결 층은 모델 분산을 통하여 웨이트들을 병렬화 함</a:t>
             </a:r>
-            <a:endParaRPr lang="en-US" altLang="ko-KR" sz="1400" dirty="0" smtClean="0">
+            <a:endParaRPr lang="en-US" altLang="ko-KR" sz="1400" dirty="0">
               <a:solidFill>
                 <a:schemeClr val="tx1"/>
               </a:solidFill>
@@ -25125,7 +24592,7 @@
               <a:defRPr/>
             </a:pPr>
             <a:r>
-              <a:rPr lang="ko-KR" altLang="en-US" sz="2000" b="1" dirty="0" smtClean="0">
+              <a:rPr lang="ko-KR" altLang="en-US" sz="2000" b="1" dirty="0">
                 <a:gradFill>
                   <a:gsLst>
                     <a:gs pos="0">
@@ -25143,7 +24610,7 @@
               <a:t>분산의 종류 </a:t>
             </a:r>
             <a:r>
-              <a:rPr lang="en-US" altLang="ko-KR" sz="2000" b="1" dirty="0" smtClean="0">
+              <a:rPr lang="en-US" altLang="ko-KR" sz="2000" b="1" dirty="0">
                 <a:gradFill>
                   <a:gsLst>
                     <a:gs pos="0">
@@ -25161,7 +24628,7 @@
               <a:t>: </a:t>
             </a:r>
             <a:r>
-              <a:rPr lang="ko-KR" altLang="en-US" sz="2000" b="1" dirty="0" smtClean="0">
+              <a:rPr lang="ko-KR" altLang="en-US" sz="2000" b="1" dirty="0">
                 <a:gradFill>
                   <a:gsLst>
                     <a:gs pos="0">
@@ -25388,20 +24855,20 @@
               <a:buNone/>
             </a:pPr>
             <a:r>
-              <a:rPr lang="en-US" altLang="ko-KR" sz="2800" kern="0" smtClean="0">
+              <a:rPr lang="en-US" altLang="ko-KR" sz="2800" kern="0">
                 <a:latin typeface="나눔고딕 ExtraBold" panose="020D0904000000000000" pitchFamily="50" charset="-127"/>
                 <a:ea typeface="나눔고딕 ExtraBold" panose="020D0904000000000000" pitchFamily="50" charset="-127"/>
               </a:rPr>
               <a:t>1. </a:t>
             </a:r>
             <a:r>
-              <a:rPr lang="ko-KR" altLang="en-US" sz="2800" kern="0" smtClean="0">
+              <a:rPr lang="ko-KR" altLang="en-US" sz="2800" kern="0">
                 <a:latin typeface="나눔고딕 ExtraBold" panose="020D0904000000000000" pitchFamily="50" charset="-127"/>
                 <a:ea typeface="나눔고딕 ExtraBold" panose="020D0904000000000000" pitchFamily="50" charset="-127"/>
               </a:rPr>
               <a:t>분산처리 기술</a:t>
             </a:r>
-            <a:endParaRPr lang="ko-KR" altLang="en-US" sz="2800" kern="0" dirty="0" smtClean="0">
+            <a:endParaRPr lang="ko-KR" altLang="en-US" sz="2800" kern="0" dirty="0">
               <a:latin typeface="나눔고딕 ExtraBold" panose="020D0904000000000000" pitchFamily="50" charset="-127"/>
               <a:ea typeface="나눔고딕 ExtraBold" panose="020D0904000000000000" pitchFamily="50" charset="-127"/>
             </a:endParaRPr>
@@ -25418,13 +24885,6 @@
   <p:clrMapOvr>
     <a:masterClrMapping/>
   </p:clrMapOvr>
-  <p:timing>
-    <p:tnLst>
-      <p:par>
-        <p:cTn id="1" dur="indefinite" restart="never" nodeType="tmRoot"/>
-      </p:par>
-    </p:tnLst>
-  </p:timing>
 </p:sld>
 </file>
 
@@ -25735,7 +25195,7 @@
               <a:defRPr/>
             </a:pPr>
             <a:r>
-              <a:rPr lang="ko-KR" altLang="en-US" sz="2000" b="1" dirty="0" smtClean="0">
+              <a:rPr lang="ko-KR" altLang="en-US" sz="2000" b="1" dirty="0">
                 <a:gradFill>
                   <a:gsLst>
                     <a:gs pos="0">
@@ -26099,7 +25559,7 @@
               <a:defRPr/>
             </a:pPr>
             <a:r>
-              <a:rPr lang="ko-KR" altLang="en-US" sz="1400" dirty="0" smtClean="0">
+              <a:rPr lang="ko-KR" altLang="en-US" sz="1400" dirty="0">
                 <a:solidFill>
                   <a:schemeClr val="tx1"/>
                 </a:solidFill>
@@ -26109,7 +25569,7 @@
               <a:t>동기적</a:t>
             </a:r>
             <a:r>
-              <a:rPr lang="en-US" altLang="ko-KR" sz="1400" dirty="0" smtClean="0">
+              <a:rPr lang="en-US" altLang="ko-KR" sz="1400" dirty="0">
                 <a:solidFill>
                   <a:schemeClr val="tx1"/>
                 </a:solidFill>
@@ -26119,7 +25579,7 @@
               <a:t>(Synchronous) : </a:t>
             </a:r>
             <a:r>
-              <a:rPr lang="ko-KR" altLang="en-US" sz="1400" dirty="0" smtClean="0">
+              <a:rPr lang="ko-KR" altLang="en-US" sz="1400" dirty="0">
                 <a:solidFill>
                   <a:schemeClr val="tx1"/>
                 </a:solidFill>
@@ -26129,7 +25589,7 @@
               <a:t>각 </a:t>
             </a:r>
             <a:r>
-              <a:rPr lang="ko-KR" altLang="en-US" sz="1400" dirty="0" err="1" smtClean="0">
+              <a:rPr lang="ko-KR" altLang="en-US" sz="1400" dirty="0" err="1">
                 <a:solidFill>
                   <a:schemeClr val="tx1"/>
                 </a:solidFill>
@@ -26139,7 +25599,7 @@
               <a:t>스텝마다</a:t>
             </a:r>
             <a:r>
-              <a:rPr lang="ko-KR" altLang="en-US" sz="1400" dirty="0" smtClean="0">
+              <a:rPr lang="ko-KR" altLang="en-US" sz="1400" dirty="0">
                 <a:solidFill>
                   <a:schemeClr val="tx1"/>
                 </a:solidFill>
@@ -26149,7 +25609,7 @@
               <a:t> 각 모델들이 학습한 </a:t>
             </a:r>
             <a:r>
-              <a:rPr lang="ko-KR" altLang="en-US" sz="1400" dirty="0" err="1" smtClean="0">
+              <a:rPr lang="ko-KR" altLang="en-US" sz="1400" dirty="0" err="1">
                 <a:solidFill>
                   <a:schemeClr val="tx1"/>
                 </a:solidFill>
@@ -26159,7 +25619,7 @@
               <a:t>그래디언트를</a:t>
             </a:r>
             <a:r>
-              <a:rPr lang="ko-KR" altLang="en-US" sz="1400" dirty="0" smtClean="0">
+              <a:rPr lang="ko-KR" altLang="en-US" sz="1400" dirty="0">
                 <a:solidFill>
                   <a:schemeClr val="tx1"/>
                 </a:solidFill>
@@ -26168,7 +25628,7 @@
               </a:rPr>
               <a:t> 합쳐서 모델을 업데이트 하는 방식</a:t>
             </a:r>
-            <a:endParaRPr lang="en-US" altLang="ko-KR" sz="1400" dirty="0" smtClean="0">
+            <a:endParaRPr lang="en-US" altLang="ko-KR" sz="1400" dirty="0">
               <a:solidFill>
                 <a:schemeClr val="tx1"/>
               </a:solidFill>
@@ -26184,7 +25644,7 @@
               <a:defRPr/>
             </a:pPr>
             <a:r>
-              <a:rPr lang="ko-KR" altLang="en-US" sz="1400" dirty="0" smtClean="0">
+              <a:rPr lang="ko-KR" altLang="en-US" sz="1400" dirty="0">
                 <a:solidFill>
                   <a:schemeClr val="tx1"/>
                 </a:solidFill>
@@ -26194,7 +25654,7 @@
               <a:t>비동기적</a:t>
             </a:r>
             <a:r>
-              <a:rPr lang="en-US" altLang="ko-KR" sz="1400" dirty="0" smtClean="0">
+              <a:rPr lang="en-US" altLang="ko-KR" sz="1400" dirty="0">
                 <a:solidFill>
                   <a:schemeClr val="tx1"/>
                 </a:solidFill>
@@ -26204,7 +25664,7 @@
               <a:t>(</a:t>
             </a:r>
             <a:r>
-              <a:rPr lang="en-US" altLang="ko-KR" sz="1400" dirty="0" err="1" smtClean="0">
+              <a:rPr lang="en-US" altLang="ko-KR" sz="1400" dirty="0" err="1">
                 <a:solidFill>
                   <a:schemeClr val="tx1"/>
                 </a:solidFill>
@@ -26214,7 +25674,7 @@
               <a:t>Asynchornous</a:t>
             </a:r>
             <a:r>
-              <a:rPr lang="en-US" altLang="ko-KR" sz="1400" dirty="0" smtClean="0">
+              <a:rPr lang="en-US" altLang="ko-KR" sz="1400" dirty="0">
                 <a:solidFill>
                   <a:schemeClr val="tx1"/>
                 </a:solidFill>
@@ -26224,7 +25684,7 @@
               <a:t>) : </a:t>
             </a:r>
             <a:r>
-              <a:rPr lang="ko-KR" altLang="en-US" sz="1400" dirty="0" smtClean="0">
+              <a:rPr lang="ko-KR" altLang="en-US" sz="1400" dirty="0">
                 <a:solidFill>
                   <a:schemeClr val="tx1"/>
                 </a:solidFill>
@@ -26234,7 +25694,7 @@
               <a:t>복제된 여러 모델들이 자신에게 할당된 데이터를 학습한 즉시 학습한 </a:t>
             </a:r>
             <a:r>
-              <a:rPr lang="ko-KR" altLang="en-US" sz="1400" dirty="0" err="1" smtClean="0">
+              <a:rPr lang="ko-KR" altLang="en-US" sz="1400" dirty="0" err="1">
                 <a:solidFill>
                   <a:schemeClr val="tx1"/>
                 </a:solidFill>
@@ -26243,7 +25703,7 @@
               </a:rPr>
               <a:t>그래디언트를</a:t>
             </a:r>
-            <a:endParaRPr lang="en-US" altLang="ko-KR" sz="1400" dirty="0" smtClean="0">
+            <a:endParaRPr lang="en-US" altLang="ko-KR" sz="1400" dirty="0">
               <a:solidFill>
                 <a:schemeClr val="tx1"/>
               </a:solidFill>
@@ -26266,29 +25726,19 @@
                 <a:latin typeface="나눔고딕" panose="020D0604000000000000" pitchFamily="50" charset="-127"/>
                 <a:ea typeface="나눔고딕" panose="020D0604000000000000" pitchFamily="50" charset="-127"/>
               </a:rPr>
-              <a:t> </a:t>
-            </a:r>
-            <a:r>
-              <a:rPr lang="en-US" altLang="ko-KR" sz="1400" dirty="0" smtClean="0">
+              <a:t>                                         </a:t>
+            </a:r>
+            <a:r>
+              <a:rPr lang="ko-KR" altLang="en-US" sz="1400" dirty="0">
                 <a:solidFill>
                   <a:schemeClr val="tx1"/>
                 </a:solidFill>
                 <a:latin typeface="나눔고딕" panose="020D0604000000000000" pitchFamily="50" charset="-127"/>
                 <a:ea typeface="나눔고딕" panose="020D0604000000000000" pitchFamily="50" charset="-127"/>
               </a:rPr>
-              <a:t>                                        </a:t>
-            </a:r>
-            <a:r>
-              <a:rPr lang="ko-KR" altLang="en-US" sz="1400" dirty="0" smtClean="0">
-                <a:solidFill>
-                  <a:schemeClr val="tx1"/>
-                </a:solidFill>
-                <a:latin typeface="나눔고딕" panose="020D0604000000000000" pitchFamily="50" charset="-127"/>
-                <a:ea typeface="나눔고딕" panose="020D0604000000000000" pitchFamily="50" charset="-127"/>
-              </a:rPr>
               <a:t>  각자 업데이트 하는 방식</a:t>
             </a:r>
-            <a:endParaRPr lang="en-US" altLang="ko-KR" sz="1400" dirty="0" smtClean="0">
+            <a:endParaRPr lang="en-US" altLang="ko-KR" sz="1400" dirty="0">
               <a:solidFill>
                 <a:schemeClr val="tx1"/>
               </a:solidFill>
@@ -26490,20 +25940,20 @@
               <a:buNone/>
             </a:pPr>
             <a:r>
-              <a:rPr lang="en-US" altLang="ko-KR" sz="2800" kern="0" smtClean="0">
+              <a:rPr lang="en-US" altLang="ko-KR" sz="2800" kern="0">
                 <a:latin typeface="나눔고딕 ExtraBold" panose="020D0904000000000000" pitchFamily="50" charset="-127"/>
                 <a:ea typeface="나눔고딕 ExtraBold" panose="020D0904000000000000" pitchFamily="50" charset="-127"/>
               </a:rPr>
               <a:t>1. </a:t>
             </a:r>
             <a:r>
-              <a:rPr lang="ko-KR" altLang="en-US" sz="2800" kern="0" smtClean="0">
+              <a:rPr lang="ko-KR" altLang="en-US" sz="2800" kern="0">
                 <a:latin typeface="나눔고딕 ExtraBold" panose="020D0904000000000000" pitchFamily="50" charset="-127"/>
                 <a:ea typeface="나눔고딕 ExtraBold" panose="020D0904000000000000" pitchFamily="50" charset="-127"/>
               </a:rPr>
               <a:t>분산처리 기술</a:t>
             </a:r>
-            <a:endParaRPr lang="ko-KR" altLang="en-US" sz="2800" kern="0" dirty="0" smtClean="0">
+            <a:endParaRPr lang="ko-KR" altLang="en-US" sz="2800" kern="0" dirty="0">
               <a:latin typeface="나눔고딕 ExtraBold" panose="020D0904000000000000" pitchFamily="50" charset="-127"/>
               <a:ea typeface="나눔고딕 ExtraBold" panose="020D0904000000000000" pitchFamily="50" charset="-127"/>
             </a:endParaRPr>
@@ -26520,13 +25970,6 @@
   <p:clrMapOvr>
     <a:masterClrMapping/>
   </p:clrMapOvr>
-  <p:timing>
-    <p:tnLst>
-      <p:par>
-        <p:cTn id="1" dur="indefinite" restart="never" nodeType="tmRoot"/>
-      </p:par>
-    </p:tnLst>
-  </p:timing>
 </p:sld>
 </file>
 
@@ -26837,7 +26280,7 @@
               <a:defRPr/>
             </a:pPr>
             <a:r>
-              <a:rPr lang="ko-KR" altLang="en-US" sz="2000" b="1" dirty="0" smtClean="0">
+              <a:rPr lang="ko-KR" altLang="en-US" sz="2000" b="1" dirty="0">
                 <a:gradFill>
                   <a:gsLst>
                     <a:gs pos="0">
@@ -26855,7 +26298,7 @@
               <a:t>동기화 방식 </a:t>
             </a:r>
             <a:r>
-              <a:rPr lang="en-US" altLang="ko-KR" sz="2000" b="1" dirty="0" smtClean="0">
+              <a:rPr lang="en-US" altLang="ko-KR" sz="2000" b="1" dirty="0">
                 <a:gradFill>
                   <a:gsLst>
                     <a:gs pos="0">
@@ -26873,7 +26316,7 @@
               <a:t>: </a:t>
             </a:r>
             <a:r>
-              <a:rPr lang="ko-KR" altLang="en-US" sz="2000" b="1" dirty="0" smtClean="0">
+              <a:rPr lang="ko-KR" altLang="en-US" sz="2000" b="1" dirty="0">
                 <a:gradFill>
                   <a:gsLst>
                     <a:gs pos="0">
@@ -27237,7 +26680,7 @@
               <a:defRPr/>
             </a:pPr>
             <a:r>
-              <a:rPr lang="ko-KR" altLang="en-US" sz="1400" dirty="0" smtClean="0">
+              <a:rPr lang="ko-KR" altLang="en-US" sz="1400" dirty="0">
                 <a:solidFill>
                   <a:schemeClr val="tx1"/>
                 </a:solidFill>
@@ -27247,7 +26690,7 @@
               <a:t>동기적</a:t>
             </a:r>
             <a:r>
-              <a:rPr lang="en-US" altLang="ko-KR" sz="1400" dirty="0" smtClean="0">
+              <a:rPr lang="en-US" altLang="ko-KR" sz="1400" dirty="0">
                 <a:solidFill>
                   <a:schemeClr val="tx1"/>
                 </a:solidFill>
@@ -27257,7 +26700,7 @@
               <a:t>(Synchronous) : </a:t>
             </a:r>
             <a:r>
-              <a:rPr lang="ko-KR" altLang="en-US" sz="1400" dirty="0" smtClean="0">
+              <a:rPr lang="ko-KR" altLang="en-US" sz="1400" dirty="0">
                 <a:solidFill>
                   <a:schemeClr val="tx1"/>
                 </a:solidFill>
@@ -27267,7 +26710,7 @@
               <a:t>각 </a:t>
             </a:r>
             <a:r>
-              <a:rPr lang="ko-KR" altLang="en-US" sz="1400" dirty="0" err="1" smtClean="0">
+              <a:rPr lang="ko-KR" altLang="en-US" sz="1400" dirty="0" err="1">
                 <a:solidFill>
                   <a:schemeClr val="tx1"/>
                 </a:solidFill>
@@ -27277,7 +26720,7 @@
               <a:t>스텝마다</a:t>
             </a:r>
             <a:r>
-              <a:rPr lang="ko-KR" altLang="en-US" sz="1400" dirty="0" smtClean="0">
+              <a:rPr lang="ko-KR" altLang="en-US" sz="1400" dirty="0">
                 <a:solidFill>
                   <a:schemeClr val="tx1"/>
                 </a:solidFill>
@@ -27287,7 +26730,7 @@
               <a:t> 각 모델들이 학습한 </a:t>
             </a:r>
             <a:r>
-              <a:rPr lang="ko-KR" altLang="en-US" sz="1400" dirty="0" err="1" smtClean="0">
+              <a:rPr lang="ko-KR" altLang="en-US" sz="1400" dirty="0" err="1">
                 <a:solidFill>
                   <a:schemeClr val="tx1"/>
                 </a:solidFill>
@@ -27297,7 +26740,7 @@
               <a:t>그래디언트를</a:t>
             </a:r>
             <a:r>
-              <a:rPr lang="ko-KR" altLang="en-US" sz="1400" dirty="0" smtClean="0">
+              <a:rPr lang="ko-KR" altLang="en-US" sz="1400" dirty="0">
                 <a:solidFill>
                   <a:schemeClr val="tx1"/>
                 </a:solidFill>
@@ -27306,7 +26749,7 @@
               </a:rPr>
               <a:t> 합쳐서 모델을 업데이트 하는 방식</a:t>
             </a:r>
-            <a:endParaRPr lang="en-US" altLang="ko-KR" sz="1400" dirty="0" smtClean="0">
+            <a:endParaRPr lang="en-US" altLang="ko-KR" sz="1400" dirty="0">
               <a:solidFill>
                 <a:schemeClr val="tx1"/>
               </a:solidFill>
@@ -27322,7 +26765,7 @@
               <a:defRPr/>
             </a:pPr>
             <a:r>
-              <a:rPr lang="ko-KR" altLang="en-US" sz="1400" dirty="0" smtClean="0">
+              <a:rPr lang="ko-KR" altLang="en-US" sz="1400" dirty="0">
                 <a:solidFill>
                   <a:schemeClr val="tx1"/>
                 </a:solidFill>
@@ -27332,7 +26775,7 @@
               <a:t>비동기적</a:t>
             </a:r>
             <a:r>
-              <a:rPr lang="en-US" altLang="ko-KR" sz="1400" dirty="0" smtClean="0">
+              <a:rPr lang="en-US" altLang="ko-KR" sz="1400" dirty="0">
                 <a:solidFill>
                   <a:schemeClr val="tx1"/>
                 </a:solidFill>
@@ -27342,7 +26785,7 @@
               <a:t>(</a:t>
             </a:r>
             <a:r>
-              <a:rPr lang="en-US" altLang="ko-KR" sz="1400" dirty="0" err="1" smtClean="0">
+              <a:rPr lang="en-US" altLang="ko-KR" sz="1400" dirty="0" err="1">
                 <a:solidFill>
                   <a:schemeClr val="tx1"/>
                 </a:solidFill>
@@ -27352,7 +26795,7 @@
               <a:t>Asynchornous</a:t>
             </a:r>
             <a:r>
-              <a:rPr lang="en-US" altLang="ko-KR" sz="1400" dirty="0" smtClean="0">
+              <a:rPr lang="en-US" altLang="ko-KR" sz="1400" dirty="0">
                 <a:solidFill>
                   <a:schemeClr val="tx1"/>
                 </a:solidFill>
@@ -27362,7 +26805,7 @@
               <a:t>) : </a:t>
             </a:r>
             <a:r>
-              <a:rPr lang="ko-KR" altLang="en-US" sz="1400" dirty="0" smtClean="0">
+              <a:rPr lang="ko-KR" altLang="en-US" sz="1400" dirty="0">
                 <a:solidFill>
                   <a:schemeClr val="tx1"/>
                 </a:solidFill>
@@ -27372,7 +26815,7 @@
               <a:t>복제된 여러 모델들이 자신에게 할당된 데이터를 학습한 즉시 학습한 </a:t>
             </a:r>
             <a:r>
-              <a:rPr lang="ko-KR" altLang="en-US" sz="1400" dirty="0" err="1" smtClean="0">
+              <a:rPr lang="ko-KR" altLang="en-US" sz="1400" dirty="0" err="1">
                 <a:solidFill>
                   <a:schemeClr val="tx1"/>
                 </a:solidFill>
@@ -27381,7 +26824,7 @@
               </a:rPr>
               <a:t>그래디언트를</a:t>
             </a:r>
-            <a:endParaRPr lang="en-US" altLang="ko-KR" sz="1400" dirty="0" smtClean="0">
+            <a:endParaRPr lang="en-US" altLang="ko-KR" sz="1400" dirty="0">
               <a:solidFill>
                 <a:schemeClr val="tx1"/>
               </a:solidFill>
@@ -27404,29 +26847,19 @@
                 <a:latin typeface="나눔고딕" panose="020D0604000000000000" pitchFamily="50" charset="-127"/>
                 <a:ea typeface="나눔고딕" panose="020D0604000000000000" pitchFamily="50" charset="-127"/>
               </a:rPr>
-              <a:t> </a:t>
-            </a:r>
-            <a:r>
-              <a:rPr lang="en-US" altLang="ko-KR" sz="1400" dirty="0" smtClean="0">
+              <a:t>                                         </a:t>
+            </a:r>
+            <a:r>
+              <a:rPr lang="ko-KR" altLang="en-US" sz="1400" dirty="0">
                 <a:solidFill>
                   <a:schemeClr val="tx1"/>
                 </a:solidFill>
                 <a:latin typeface="나눔고딕" panose="020D0604000000000000" pitchFamily="50" charset="-127"/>
                 <a:ea typeface="나눔고딕" panose="020D0604000000000000" pitchFamily="50" charset="-127"/>
               </a:rPr>
-              <a:t>                                        </a:t>
-            </a:r>
-            <a:r>
-              <a:rPr lang="ko-KR" altLang="en-US" sz="1400" dirty="0" smtClean="0">
-                <a:solidFill>
-                  <a:schemeClr val="tx1"/>
-                </a:solidFill>
-                <a:latin typeface="나눔고딕" panose="020D0604000000000000" pitchFamily="50" charset="-127"/>
-                <a:ea typeface="나눔고딕" panose="020D0604000000000000" pitchFamily="50" charset="-127"/>
-              </a:rPr>
               <a:t>  각자 업데이트 하는 방식</a:t>
             </a:r>
-            <a:endParaRPr lang="en-US" altLang="ko-KR" sz="1400" dirty="0" smtClean="0">
+            <a:endParaRPr lang="en-US" altLang="ko-KR" sz="1400" dirty="0">
               <a:solidFill>
                 <a:schemeClr val="tx1"/>
               </a:solidFill>
@@ -27752,7 +27185,7 @@
               <a:defRPr/>
             </a:pPr>
             <a:r>
-              <a:rPr lang="ko-KR" altLang="en-US" sz="1400" dirty="0" smtClean="0">
+              <a:rPr lang="ko-KR" altLang="en-US" sz="1400" dirty="0">
                 <a:solidFill>
                   <a:schemeClr val="tx1"/>
                 </a:solidFill>
@@ -27761,7 +27194,7 @@
               </a:rPr>
               <a:t>각 모델들의 파라미터들은 항상 같게 유지</a:t>
             </a:r>
-            <a:endParaRPr lang="en-US" altLang="ko-KR" sz="1400" dirty="0" smtClean="0">
+            <a:endParaRPr lang="en-US" altLang="ko-KR" sz="1400" dirty="0">
               <a:solidFill>
                 <a:schemeClr val="tx1"/>
               </a:solidFill>
@@ -27779,7 +27212,7 @@
               <a:defRPr/>
             </a:pPr>
             <a:r>
-              <a:rPr lang="ko-KR" altLang="en-US" sz="1400" dirty="0" smtClean="0">
+              <a:rPr lang="ko-KR" altLang="en-US" sz="1400" dirty="0">
                 <a:solidFill>
                   <a:schemeClr val="tx1"/>
                 </a:solidFill>
@@ -27789,7 +27222,7 @@
               <a:t>모든 장비의 </a:t>
             </a:r>
             <a:r>
-              <a:rPr lang="ko-KR" altLang="en-US" sz="1400" dirty="0" err="1" smtClean="0">
+              <a:rPr lang="ko-KR" altLang="en-US" sz="1400" dirty="0" err="1">
                 <a:solidFill>
                   <a:schemeClr val="tx1"/>
                 </a:solidFill>
@@ -27799,7 +27232,7 @@
               <a:t>그래디언트</a:t>
             </a:r>
             <a:r>
-              <a:rPr lang="ko-KR" altLang="en-US" sz="1400" dirty="0" smtClean="0">
+              <a:rPr lang="ko-KR" altLang="en-US" sz="1400" dirty="0">
                 <a:solidFill>
                   <a:schemeClr val="tx1"/>
                 </a:solidFill>
@@ -27809,7 +27242,7 @@
               <a:t> 계산이 끝나야만 </a:t>
             </a:r>
             <a:r>
-              <a:rPr lang="ko-KR" altLang="en-US" sz="1400" dirty="0" err="1" smtClean="0">
+              <a:rPr lang="ko-KR" altLang="en-US" sz="1400" dirty="0" err="1">
                 <a:solidFill>
                   <a:schemeClr val="tx1"/>
                 </a:solidFill>
@@ -27819,7 +27252,7 @@
               <a:t>파라미터를</a:t>
             </a:r>
             <a:r>
-              <a:rPr lang="ko-KR" altLang="en-US" sz="1400" dirty="0" smtClean="0">
+              <a:rPr lang="ko-KR" altLang="en-US" sz="1400" dirty="0">
                 <a:solidFill>
                   <a:schemeClr val="tx1"/>
                 </a:solidFill>
@@ -27828,7 +27261,7 @@
               </a:rPr>
               <a:t> 업데이트 할 수 있어서 가장 느린 장비의 학습 속도에 맞춰진다는 단점이 있음</a:t>
             </a:r>
-            <a:endParaRPr lang="en-US" altLang="ko-KR" sz="1400" dirty="0" smtClean="0">
+            <a:endParaRPr lang="en-US" altLang="ko-KR" sz="1400" dirty="0">
               <a:solidFill>
                 <a:schemeClr val="tx1"/>
               </a:solidFill>
@@ -28030,20 +27463,20 @@
               <a:buNone/>
             </a:pPr>
             <a:r>
-              <a:rPr lang="en-US" altLang="ko-KR" sz="2800" kern="0" smtClean="0">
+              <a:rPr lang="en-US" altLang="ko-KR" sz="2800" kern="0">
                 <a:latin typeface="나눔고딕 ExtraBold" panose="020D0904000000000000" pitchFamily="50" charset="-127"/>
                 <a:ea typeface="나눔고딕 ExtraBold" panose="020D0904000000000000" pitchFamily="50" charset="-127"/>
               </a:rPr>
               <a:t>1. </a:t>
             </a:r>
             <a:r>
-              <a:rPr lang="ko-KR" altLang="en-US" sz="2800" kern="0" smtClean="0">
+              <a:rPr lang="ko-KR" altLang="en-US" sz="2800" kern="0">
                 <a:latin typeface="나눔고딕 ExtraBold" panose="020D0904000000000000" pitchFamily="50" charset="-127"/>
                 <a:ea typeface="나눔고딕 ExtraBold" panose="020D0904000000000000" pitchFamily="50" charset="-127"/>
               </a:rPr>
               <a:t>분산처리 기술</a:t>
             </a:r>
-            <a:endParaRPr lang="ko-KR" altLang="en-US" sz="2800" kern="0" dirty="0" smtClean="0">
+            <a:endParaRPr lang="ko-KR" altLang="en-US" sz="2800" kern="0" dirty="0">
               <a:latin typeface="나눔고딕 ExtraBold" panose="020D0904000000000000" pitchFamily="50" charset="-127"/>
               <a:ea typeface="나눔고딕 ExtraBold" panose="020D0904000000000000" pitchFamily="50" charset="-127"/>
             </a:endParaRPr>
@@ -28060,13 +27493,6 @@
   <p:clrMapOvr>
     <a:masterClrMapping/>
   </p:clrMapOvr>
-  <p:timing>
-    <p:tnLst>
-      <p:par>
-        <p:cTn id="1" dur="indefinite" restart="never" nodeType="tmRoot"/>
-      </p:par>
-    </p:tnLst>
-  </p:timing>
 </p:sld>
 </file>
 
